--- a/bot/ai_generator/presentation_templates/sample.pptx
+++ b/bot/ai_generator/presentation_templates/sample.pptx
@@ -2,12 +2,12 @@
 <file path=ppt/presentation.xml><?xml version="1.0" encoding="utf-8"?>
 <p:presentation xmlns:a="http://schemas.openxmlformats.org/drawingml/2006/main" xmlns:r="http://schemas.openxmlformats.org/officeDocument/2006/relationships" xmlns:p="http://schemas.openxmlformats.org/presentationml/2006/main" saveSubsetFonts="1" autoCompressPictures="0">
   <p:sldMasterIdLst>
-    <p:sldMasterId id="2147483660" r:id="rId1"/>
+    <p:sldMasterId id="2147483678" r:id="rId1"/>
   </p:sldMasterIdLst>
   <p:sldIdLst>
     <p:sldId id="256" r:id="rId2"/>
   </p:sldIdLst>
-  <p:sldSz cx="9144000" cy="6858000" type="screen4x3"/>
+  <p:sldSz cx="12192000" cy="6858000"/>
   <p:notesSz cx="6858000" cy="9144000"/>
   <p:defaultTextStyle>
     <a:defPPr>
@@ -107,12 +107,12 @@
   <p:extLst>
     <p:ext uri="{EFAFB233-063F-42B5-8137-9DF3F51BA10A}">
       <p15:sldGuideLst xmlns:p15="http://schemas.microsoft.com/office/powerpoint/2012/main">
-        <p15:guide id="1" orient="horz" pos="2160">
+        <p15:guide id="1" orient="horz" pos="2160" userDrawn="1">
           <p15:clr>
             <a:srgbClr val="A4A3A4"/>
           </p15:clr>
         </p15:guide>
-        <p15:guide id="2" pos="2880">
+        <p15:guide id="2" pos="3840" userDrawn="1">
           <p15:clr>
             <a:srgbClr val="A4A3A4"/>
           </p15:clr>
@@ -142,16 +142,16 @@
       </p:grpSpPr>
       <p:grpSp>
         <p:nvGrpSpPr>
-          <p:cNvPr id="6" name="Group 5"/>
+          <p:cNvPr id="7" name="Group 6"/>
           <p:cNvGrpSpPr/>
           <p:nvPr/>
         </p:nvGrpSpPr>
         <p:grpSpPr>
           <a:xfrm>
-            <a:off x="-1588" y="0"/>
-            <a:ext cx="9145588" cy="6860798"/>
-            <a:chOff x="-1588" y="0"/>
-            <a:chExt cx="9145588" cy="6860798"/>
+            <a:off x="0" y="0"/>
+            <a:ext cx="12192000" cy="6858000"/>
+            <a:chOff x="0" y="0"/>
+            <a:chExt cx="12192000" cy="6858000"/>
           </a:xfrm>
         </p:grpSpPr>
         <p:sp>
@@ -163,7 +163,7 @@
           <p:spPr>
             <a:xfrm>
               <a:off x="0" y="0"/>
-              <a:ext cx="9118832" cy="6858000"/>
+              <a:ext cx="12192000" cy="6858000"/>
             </a:xfrm>
             <a:prstGeom prst="rect">
               <a:avLst/>
@@ -184,9 +184,8 @@
                   </a:schemeClr>
                 </a:duotone>
               </a:blip>
-              <a:srcRect/>
               <a:stretch>
-                <a:fillRect l="-16713" r="-16989"/>
+                <a:fillRect/>
               </a:stretch>
             </a:blipFill>
             <a:ln>
@@ -212,292 +211,7 @@
         </p:sp>
         <p:sp>
           <p:nvSpPr>
-            <p:cNvPr id="10" name="Oval 9"/>
-            <p:cNvSpPr/>
-            <p:nvPr/>
-          </p:nvSpPr>
-          <p:spPr>
-            <a:xfrm>
-              <a:off x="0" y="2895600"/>
-              <a:ext cx="2362200" cy="2362200"/>
-            </a:xfrm>
-            <a:prstGeom prst="ellipse">
-              <a:avLst/>
-            </a:prstGeom>
-            <a:gradFill flip="none" rotWithShape="1">
-              <a:gsLst>
-                <a:gs pos="0">
-                  <a:schemeClr val="accent5">
-                    <a:alpha val="8000"/>
-                  </a:schemeClr>
-                </a:gs>
-                <a:gs pos="72000">
-                  <a:schemeClr val="accent5">
-                    <a:alpha val="0"/>
-                  </a:schemeClr>
-                </a:gs>
-                <a:gs pos="36000">
-                  <a:schemeClr val="accent5">
-                    <a:alpha val="8000"/>
-                  </a:schemeClr>
-                </a:gs>
-              </a:gsLst>
-              <a:path path="circle">
-                <a:fillToRect l="50000" t="50000" r="50000" b="50000"/>
-              </a:path>
-              <a:tileRect/>
-            </a:gradFill>
-            <a:ln>
-              <a:noFill/>
-            </a:ln>
-            <a:effectLst/>
-          </p:spPr>
-          <p:style>
-            <a:lnRef idx="1">
-              <a:schemeClr val="accent1"/>
-            </a:lnRef>
-            <a:fillRef idx="3">
-              <a:schemeClr val="accent1"/>
-            </a:fillRef>
-            <a:effectRef idx="2">
-              <a:schemeClr val="accent1"/>
-            </a:effectRef>
-            <a:fontRef idx="minor">
-              <a:schemeClr val="lt1"/>
-            </a:fontRef>
-          </p:style>
-        </p:sp>
-        <p:sp>
-          <p:nvSpPr>
-            <p:cNvPr id="12" name="Oval 11"/>
-            <p:cNvSpPr/>
-            <p:nvPr/>
-          </p:nvSpPr>
-          <p:spPr>
-            <a:xfrm>
-              <a:off x="6299432" y="1676400"/>
-              <a:ext cx="2819400" cy="2819400"/>
-            </a:xfrm>
-            <a:prstGeom prst="ellipse">
-              <a:avLst/>
-            </a:prstGeom>
-            <a:gradFill flip="none" rotWithShape="1">
-              <a:gsLst>
-                <a:gs pos="0">
-                  <a:schemeClr val="accent5">
-                    <a:alpha val="7000"/>
-                  </a:schemeClr>
-                </a:gs>
-                <a:gs pos="69000">
-                  <a:schemeClr val="accent5">
-                    <a:alpha val="0"/>
-                  </a:schemeClr>
-                </a:gs>
-                <a:gs pos="36000">
-                  <a:schemeClr val="accent5">
-                    <a:alpha val="6000"/>
-                  </a:schemeClr>
-                </a:gs>
-              </a:gsLst>
-              <a:path path="circle">
-                <a:fillToRect l="50000" t="50000" r="50000" b="50000"/>
-              </a:path>
-              <a:tileRect/>
-            </a:gradFill>
-            <a:ln>
-              <a:noFill/>
-            </a:ln>
-            <a:effectLst/>
-          </p:spPr>
-          <p:style>
-            <a:lnRef idx="1">
-              <a:schemeClr val="accent1"/>
-            </a:lnRef>
-            <a:fillRef idx="3">
-              <a:schemeClr val="accent1"/>
-            </a:fillRef>
-            <a:effectRef idx="2">
-              <a:schemeClr val="accent1"/>
-            </a:effectRef>
-            <a:fontRef idx="minor">
-              <a:schemeClr val="lt1"/>
-            </a:fontRef>
-          </p:style>
-        </p:sp>
-        <p:sp>
-          <p:nvSpPr>
-            <p:cNvPr id="13" name="Oval 12"/>
-            <p:cNvSpPr/>
-            <p:nvPr/>
-          </p:nvSpPr>
-          <p:spPr>
-            <a:xfrm>
-              <a:off x="5689832" y="0"/>
-              <a:ext cx="1600200" cy="1600200"/>
-            </a:xfrm>
-            <a:prstGeom prst="ellipse">
-              <a:avLst/>
-            </a:prstGeom>
-            <a:gradFill flip="none" rotWithShape="1">
-              <a:gsLst>
-                <a:gs pos="0">
-                  <a:schemeClr val="accent5">
-                    <a:alpha val="14000"/>
-                  </a:schemeClr>
-                </a:gs>
-                <a:gs pos="73000">
-                  <a:schemeClr val="accent5">
-                    <a:alpha val="0"/>
-                  </a:schemeClr>
-                </a:gs>
-                <a:gs pos="36000">
-                  <a:schemeClr val="accent5">
-                    <a:alpha val="7000"/>
-                  </a:schemeClr>
-                </a:gs>
-              </a:gsLst>
-              <a:path path="circle">
-                <a:fillToRect l="50000" t="50000" r="50000" b="50000"/>
-              </a:path>
-              <a:tileRect/>
-            </a:gradFill>
-            <a:ln>
-              <a:noFill/>
-            </a:ln>
-            <a:effectLst/>
-          </p:spPr>
-          <p:style>
-            <a:lnRef idx="1">
-              <a:schemeClr val="accent1"/>
-            </a:lnRef>
-            <a:fillRef idx="3">
-              <a:schemeClr val="accent1"/>
-            </a:fillRef>
-            <a:effectRef idx="2">
-              <a:schemeClr val="accent1"/>
-            </a:effectRef>
-            <a:fontRef idx="minor">
-              <a:schemeClr val="lt1"/>
-            </a:fontRef>
-          </p:style>
-        </p:sp>
-        <p:sp>
-          <p:nvSpPr>
-            <p:cNvPr id="14" name="Oval 13"/>
-            <p:cNvSpPr/>
-            <p:nvPr/>
-          </p:nvSpPr>
-          <p:spPr>
-            <a:xfrm>
-              <a:off x="6299432" y="5870198"/>
-              <a:ext cx="990600" cy="990600"/>
-            </a:xfrm>
-            <a:prstGeom prst="ellipse">
-              <a:avLst/>
-            </a:prstGeom>
-            <a:gradFill flip="none" rotWithShape="1">
-              <a:gsLst>
-                <a:gs pos="0">
-                  <a:schemeClr val="accent5">
-                    <a:alpha val="14000"/>
-                  </a:schemeClr>
-                </a:gs>
-                <a:gs pos="66000">
-                  <a:schemeClr val="accent5">
-                    <a:alpha val="0"/>
-                  </a:schemeClr>
-                </a:gs>
-                <a:gs pos="36000">
-                  <a:schemeClr val="accent5">
-                    <a:alpha val="7000"/>
-                  </a:schemeClr>
-                </a:gs>
-              </a:gsLst>
-              <a:path path="circle">
-                <a:fillToRect l="50000" t="50000" r="50000" b="50000"/>
-              </a:path>
-              <a:tileRect/>
-            </a:gradFill>
-            <a:ln>
-              <a:noFill/>
-            </a:ln>
-            <a:effectLst/>
-          </p:spPr>
-          <p:style>
-            <a:lnRef idx="1">
-              <a:schemeClr val="accent1"/>
-            </a:lnRef>
-            <a:fillRef idx="3">
-              <a:schemeClr val="accent1"/>
-            </a:fillRef>
-            <a:effectRef idx="2">
-              <a:schemeClr val="accent1"/>
-            </a:effectRef>
-            <a:fontRef idx="minor">
-              <a:schemeClr val="lt1"/>
-            </a:fontRef>
-          </p:style>
-        </p:sp>
-        <p:sp>
-          <p:nvSpPr>
-            <p:cNvPr id="15" name="Oval 14"/>
-            <p:cNvSpPr/>
-            <p:nvPr/>
-          </p:nvSpPr>
-          <p:spPr>
-            <a:xfrm>
-              <a:off x="-1588" y="2667000"/>
-              <a:ext cx="4191000" cy="4191000"/>
-            </a:xfrm>
-            <a:prstGeom prst="ellipse">
-              <a:avLst/>
-            </a:prstGeom>
-            <a:gradFill flip="none" rotWithShape="1">
-              <a:gsLst>
-                <a:gs pos="0">
-                  <a:schemeClr val="accent5">
-                    <a:alpha val="11000"/>
-                  </a:schemeClr>
-                </a:gs>
-                <a:gs pos="75000">
-                  <a:schemeClr val="accent5">
-                    <a:alpha val="0"/>
-                  </a:schemeClr>
-                </a:gs>
-                <a:gs pos="36000">
-                  <a:schemeClr val="accent5">
-                    <a:alpha val="10000"/>
-                  </a:schemeClr>
-                </a:gs>
-              </a:gsLst>
-              <a:path path="circle">
-                <a:fillToRect l="50000" t="50000" r="50000" b="50000"/>
-              </a:path>
-              <a:tileRect/>
-            </a:gradFill>
-            <a:ln>
-              <a:noFill/>
-            </a:ln>
-            <a:effectLst/>
-          </p:spPr>
-          <p:style>
-            <a:lnRef idx="1">
-              <a:schemeClr val="accent1"/>
-            </a:lnRef>
-            <a:fillRef idx="3">
-              <a:schemeClr val="accent1"/>
-            </a:fillRef>
-            <a:effectRef idx="2">
-              <a:schemeClr val="accent1"/>
-            </a:effectRef>
-            <a:fontRef idx="minor">
-              <a:schemeClr val="lt1"/>
-            </a:fontRef>
-          </p:style>
-        </p:sp>
-        <p:sp>
-          <p:nvSpPr>
-            <p:cNvPr id="16" name="Freeform 5"/>
+            <p:cNvPr id="10" name="Freeform 5"/>
             <p:cNvSpPr>
               <a:spLocks noEditPoints="1"/>
             </p:cNvSpPr>
@@ -505,8 +219,8 @@
           </p:nvSpPr>
           <p:spPr bwMode="gray">
             <a:xfrm>
-              <a:off x="0" y="0"/>
-              <a:ext cx="9144000" cy="6858000"/>
+              <a:off x="0" y="1587"/>
+              <a:ext cx="12192000" cy="6856413"/>
             </a:xfrm>
             <a:custGeom>
               <a:avLst/>
@@ -515,60 +229,48 @@
               <a:cxnLst/>
               <a:rect l="0" t="0" r="r" b="b"/>
               <a:pathLst>
-                <a:path w="5760" h="4320">
+                <a:path w="15356" h="8638">
                   <a:moveTo>
                     <a:pt x="0" y="0"/>
                   </a:moveTo>
                   <a:lnTo>
-                    <a:pt x="0" y="4320"/>
-                  </a:lnTo>
-                  <a:lnTo>
-                    <a:pt x="5760" y="4320"/>
-                  </a:lnTo>
-                  <a:lnTo>
-                    <a:pt x="5760" y="0"/>
+                    <a:pt x="0" y="8638"/>
+                  </a:lnTo>
+                  <a:lnTo>
+                    <a:pt x="15356" y="8638"/>
+                  </a:lnTo>
+                  <a:lnTo>
+                    <a:pt x="15356" y="0"/>
                   </a:lnTo>
                   <a:lnTo>
                     <a:pt x="0" y="0"/>
                   </a:lnTo>
                   <a:close/>
                   <a:moveTo>
-                    <a:pt x="5444" y="4004"/>
+                    <a:pt x="14748" y="8038"/>
                   </a:moveTo>
                   <a:lnTo>
-                    <a:pt x="324" y="4004"/>
-                  </a:lnTo>
-                  <a:lnTo>
-                    <a:pt x="324" y="324"/>
-                  </a:lnTo>
-                  <a:lnTo>
-                    <a:pt x="5444" y="324"/>
-                  </a:lnTo>
-                  <a:lnTo>
-                    <a:pt x="5444" y="4004"/>
+                    <a:pt x="600" y="8038"/>
+                  </a:lnTo>
+                  <a:lnTo>
+                    <a:pt x="600" y="592"/>
+                  </a:lnTo>
+                  <a:lnTo>
+                    <a:pt x="14748" y="592"/>
+                  </a:lnTo>
+                  <a:lnTo>
+                    <a:pt x="14748" y="8038"/>
                   </a:lnTo>
                   <a:close/>
                 </a:path>
               </a:pathLst>
             </a:custGeom>
             <a:solidFill>
-              <a:srgbClr val="FFFFFF"/>
+              <a:schemeClr val="bg1"/>
             </a:solidFill>
             <a:ln>
               <a:noFill/>
             </a:ln>
-            <a:extLst>
-              <a:ext uri="{91240B29-F687-4f45-9708-019B960494DF}">
-                <a14:hiddenLine xmlns:a14="http://schemas.microsoft.com/office/drawing/2010/main" xmlns="" w="9525">
-                  <a:solidFill>
-                    <a:srgbClr val="000000"/>
-                  </a:solidFill>
-                  <a:round/>
-                  <a:headEnd/>
-                  <a:tailEnd/>
-                </a14:hiddenLine>
-              </a:ext>
-            </a:extLst>
           </p:spPr>
         </p:sp>
       </p:grpSp>
@@ -584,15 +286,15 @@
         </p:nvSpPr>
         <p:spPr>
           <a:xfrm>
-            <a:off x="866440" y="2226503"/>
-            <a:ext cx="5917679" cy="2550877"/>
+            <a:off x="1154955" y="2099733"/>
+            <a:ext cx="8825658" cy="2677648"/>
           </a:xfrm>
         </p:spPr>
         <p:txBody>
           <a:bodyPr anchor="b"/>
           <a:lstStyle>
             <a:lvl1pPr>
-              <a:defRPr sz="4800"/>
+              <a:defRPr sz="5400"/>
             </a:lvl1pPr>
           </a:lstStyle>
           <a:p>
@@ -614,10 +316,10 @@
             <p:ph type="subTitle" idx="1"/>
           </p:nvPr>
         </p:nvSpPr>
-        <p:spPr>
+        <p:spPr bwMode="gray">
           <a:xfrm>
-            <a:off x="866440" y="4777380"/>
-            <a:ext cx="5917679" cy="861420"/>
+            <a:off x="1154955" y="4777380"/>
+            <a:ext cx="8825658" cy="861420"/>
           </a:xfrm>
         </p:spPr>
         <p:txBody>
@@ -736,8 +438,8 @@
         </p:nvSpPr>
         <p:spPr bwMode="gray">
           <a:xfrm rot="5400000">
-            <a:off x="7498080" y="1828800"/>
-            <a:ext cx="990599" cy="228659"/>
+            <a:off x="10158984" y="1792224"/>
+            <a:ext cx="990599" cy="304799"/>
           </a:xfrm>
         </p:spPr>
         <p:txBody>
@@ -756,7 +458,7 @@
           <a:p>
             <a:fld id="{5BCAD085-E8A6-8845-BD4E-CB4CCA059FC4}" type="datetimeFigureOut">
               <a:rPr lang="en-US" smtClean="0"/>
-              <a:t>3/11/2023</a:t>
+              <a:t>4/11/2023</a:t>
             </a:fld>
             <a:endParaRPr lang="en-US"/>
           </a:p>
@@ -774,8 +476,8 @@
         </p:nvSpPr>
         <p:spPr bwMode="gray">
           <a:xfrm rot="5400000">
-            <a:off x="6236208" y="3264408"/>
-            <a:ext cx="3859795" cy="228660"/>
+            <a:off x="8951976" y="3227832"/>
+            <a:ext cx="3859795" cy="304801"/>
           </a:xfrm>
         </p:spPr>
         <p:txBody>
@@ -804,8 +506,8 @@
         </p:nvSpPr>
         <p:spPr>
           <a:xfrm>
-            <a:off x="7745644" y="0"/>
-            <a:ext cx="685800" cy="1099458"/>
+            <a:off x="10437812" y="0"/>
+            <a:ext cx="685800" cy="1143000"/>
           </a:xfrm>
           <a:prstGeom prst="rect">
             <a:avLst/>
@@ -834,7 +536,7 @@
       </p:sp>
       <p:sp>
         <p:nvSpPr>
-          <p:cNvPr id="8" name="Slide Number Placeholder 5"/>
+          <p:cNvPr id="12" name="Slide Number Placeholder 5"/>
           <p:cNvSpPr>
             <a:spLocks noGrp="1"/>
           </p:cNvSpPr>
@@ -844,20 +546,13 @@
         </p:nvSpPr>
         <p:spPr>
           <a:xfrm>
-            <a:off x="7678616" y="295730"/>
-            <a:ext cx="791308" cy="767687"/>
+            <a:off x="10352540" y="295729"/>
+            <a:ext cx="838199" cy="767687"/>
           </a:xfrm>
-          <a:prstGeom prst="rect">
-            <a:avLst/>
-          </a:prstGeom>
         </p:spPr>
         <p:txBody>
-          <a:bodyPr anchor="b"/>
-          <a:lstStyle>
-            <a:lvl1pPr algn="ctr">
-              <a:defRPr sz="2800"/>
-            </a:lvl1pPr>
-          </a:lstStyle>
+          <a:bodyPr/>
+          <a:lstStyle/>
           <a:p>
             <a:fld id="{C1FF6DA9-008F-8B48-92A6-B652298478BF}" type="slidenum">
               <a:rPr lang="en-US" smtClean="0"/>
@@ -870,7 +565,7 @@
     </p:spTree>
     <p:extLst>
       <p:ext uri="{BB962C8B-B14F-4D97-AF65-F5344CB8AC3E}">
-        <p14:creationId xmlns:p14="http://schemas.microsoft.com/office/powerpoint/2010/main" val="407466486"/>
+        <p14:creationId xmlns:p14="http://schemas.microsoft.com/office/powerpoint/2010/main" val="2467217135"/>
       </p:ext>
     </p:extLst>
   </p:cSld>
@@ -881,7 +576,7 @@
 </file>
 
 <file path=ppt/slideLayouts/slideLayout10.xml><?xml version="1.0" encoding="utf-8"?>
-<p:sldLayout xmlns:a="http://schemas.openxmlformats.org/drawingml/2006/main" xmlns:r="http://schemas.openxmlformats.org/officeDocument/2006/relationships" xmlns:p="http://schemas.openxmlformats.org/presentationml/2006/main" showMasterSp="0" preserve="1">
+<p:sldLayout xmlns:a="http://schemas.openxmlformats.org/drawingml/2006/main" xmlns:r="http://schemas.openxmlformats.org/officeDocument/2006/relationships" xmlns:p="http://schemas.openxmlformats.org/presentationml/2006/main" preserve="1">
   <p:cSld name="Panoramic Picture with Caption">
     <p:spTree>
       <p:nvGrpSpPr>
@@ -899,28 +594,28 @@
       </p:grpSpPr>
       <p:grpSp>
         <p:nvGrpSpPr>
-          <p:cNvPr id="8" name="Group 7"/>
+          <p:cNvPr id="9" name="Group 8"/>
           <p:cNvGrpSpPr/>
           <p:nvPr/>
         </p:nvGrpSpPr>
         <p:grpSpPr>
           <a:xfrm>
-            <a:off x="-1588" y="0"/>
-            <a:ext cx="9145588" cy="6860798"/>
-            <a:chOff x="-1588" y="0"/>
-            <a:chExt cx="9145588" cy="6860798"/>
+            <a:off x="0" y="0"/>
+            <a:ext cx="12192000" cy="6858000"/>
+            <a:chOff x="0" y="0"/>
+            <a:chExt cx="12192000" cy="6858000"/>
           </a:xfrm>
         </p:grpSpPr>
         <p:sp>
           <p:nvSpPr>
-            <p:cNvPr id="12" name="Rectangle 11"/>
+            <p:cNvPr id="13" name="Rectangle 12"/>
             <p:cNvSpPr/>
             <p:nvPr/>
           </p:nvSpPr>
           <p:spPr>
             <a:xfrm>
               <a:off x="0" y="0"/>
-              <a:ext cx="9118832" cy="6858000"/>
+              <a:ext cx="12192000" cy="6858000"/>
             </a:xfrm>
             <a:prstGeom prst="rect">
               <a:avLst/>
@@ -941,9 +636,8 @@
                   </a:schemeClr>
                 </a:duotone>
               </a:blip>
-              <a:srcRect/>
               <a:stretch>
-                <a:fillRect l="-16713" r="-16989"/>
+                <a:fillRect/>
               </a:stretch>
             </a:blipFill>
             <a:ln>
@@ -969,7 +663,64 @@
         </p:sp>
         <p:sp>
           <p:nvSpPr>
-            <p:cNvPr id="13" name="Oval 12"/>
+            <p:cNvPr id="17" name="Oval 16"/>
+            <p:cNvSpPr/>
+            <p:nvPr/>
+          </p:nvSpPr>
+          <p:spPr>
+            <a:xfrm>
+              <a:off x="0" y="2667000"/>
+              <a:ext cx="4191000" cy="4191000"/>
+            </a:xfrm>
+            <a:prstGeom prst="ellipse">
+              <a:avLst/>
+            </a:prstGeom>
+            <a:gradFill flip="none" rotWithShape="1">
+              <a:gsLst>
+                <a:gs pos="0">
+                  <a:schemeClr val="accent5">
+                    <a:alpha val="11000"/>
+                  </a:schemeClr>
+                </a:gs>
+                <a:gs pos="75000">
+                  <a:schemeClr val="accent5">
+                    <a:alpha val="0"/>
+                  </a:schemeClr>
+                </a:gs>
+                <a:gs pos="36000">
+                  <a:schemeClr val="accent5">
+                    <a:alpha val="10000"/>
+                  </a:schemeClr>
+                </a:gs>
+              </a:gsLst>
+              <a:path path="circle">
+                <a:fillToRect l="50000" t="50000" r="50000" b="50000"/>
+              </a:path>
+              <a:tileRect/>
+            </a:gradFill>
+            <a:ln>
+              <a:noFill/>
+            </a:ln>
+            <a:effectLst/>
+          </p:spPr>
+          <p:style>
+            <a:lnRef idx="1">
+              <a:schemeClr val="accent1"/>
+            </a:lnRef>
+            <a:fillRef idx="3">
+              <a:schemeClr val="accent1"/>
+            </a:fillRef>
+            <a:effectRef idx="2">
+              <a:schemeClr val="accent1"/>
+            </a:effectRef>
+            <a:fontRef idx="minor">
+              <a:schemeClr val="lt1"/>
+            </a:fontRef>
+          </p:style>
+        </p:sp>
+        <p:sp>
+          <p:nvSpPr>
+            <p:cNvPr id="18" name="Oval 17"/>
             <p:cNvSpPr/>
             <p:nvPr/>
           </p:nvSpPr>
@@ -1026,14 +777,14 @@
         </p:sp>
         <p:sp>
           <p:nvSpPr>
-            <p:cNvPr id="14" name="Oval 13"/>
+            <p:cNvPr id="19" name="Oval 18"/>
             <p:cNvSpPr/>
             <p:nvPr/>
           </p:nvSpPr>
           <p:spPr>
             <a:xfrm>
-              <a:off x="6299432" y="1676400"/>
-              <a:ext cx="2819400" cy="2819400"/>
+              <a:off x="8609012" y="5867400"/>
+              <a:ext cx="990600" cy="990600"/>
             </a:xfrm>
             <a:prstGeom prst="ellipse">
               <a:avLst/>
@@ -1042,17 +793,17 @@
               <a:gsLst>
                 <a:gs pos="0">
                   <a:schemeClr val="accent5">
-                    <a:alpha val="7000"/>
+                    <a:alpha val="14000"/>
                   </a:schemeClr>
                 </a:gs>
-                <a:gs pos="69000">
+                <a:gs pos="66000">
                   <a:schemeClr val="accent5">
                     <a:alpha val="0"/>
                   </a:schemeClr>
                 </a:gs>
                 <a:gs pos="36000">
                   <a:schemeClr val="accent5">
-                    <a:alpha val="6000"/>
+                    <a:alpha val="7000"/>
                   </a:schemeClr>
                 </a:gs>
               </a:gsLst>
@@ -1083,14 +834,14 @@
         </p:sp>
         <p:sp>
           <p:nvSpPr>
-            <p:cNvPr id="15" name="Oval 14"/>
+            <p:cNvPr id="20" name="Oval 19"/>
             <p:cNvSpPr/>
             <p:nvPr/>
           </p:nvSpPr>
           <p:spPr>
             <a:xfrm>
-              <a:off x="5689832" y="0"/>
-              <a:ext cx="1600200" cy="1600200"/>
+              <a:off x="8609012" y="1676400"/>
+              <a:ext cx="2819400" cy="2819400"/>
             </a:xfrm>
             <a:prstGeom prst="ellipse">
               <a:avLst/>
@@ -1099,17 +850,17 @@
               <a:gsLst>
                 <a:gs pos="0">
                   <a:schemeClr val="accent5">
-                    <a:alpha val="14000"/>
+                    <a:alpha val="7000"/>
                   </a:schemeClr>
                 </a:gs>
-                <a:gs pos="73000">
+                <a:gs pos="69000">
                   <a:schemeClr val="accent5">
                     <a:alpha val="0"/>
                   </a:schemeClr>
                 </a:gs>
                 <a:gs pos="36000">
                   <a:schemeClr val="accent5">
-                    <a:alpha val="7000"/>
+                    <a:alpha val="6000"/>
                   </a:schemeClr>
                 </a:gs>
               </a:gsLst>
@@ -1140,14 +891,14 @@
         </p:sp>
         <p:sp>
           <p:nvSpPr>
-            <p:cNvPr id="18" name="Oval 17"/>
+            <p:cNvPr id="21" name="Oval 20"/>
             <p:cNvSpPr/>
             <p:nvPr/>
           </p:nvSpPr>
           <p:spPr>
             <a:xfrm>
-              <a:off x="6299432" y="5870198"/>
-              <a:ext cx="990600" cy="990600"/>
+              <a:off x="7999412" y="8464"/>
+              <a:ext cx="1600200" cy="1600200"/>
             </a:xfrm>
             <a:prstGeom prst="ellipse">
               <a:avLst/>
@@ -1159,7 +910,7 @@
                     <a:alpha val="14000"/>
                   </a:schemeClr>
                 </a:gs>
-                <a:gs pos="66000">
+                <a:gs pos="73000">
                   <a:schemeClr val="accent5">
                     <a:alpha val="0"/>
                   </a:schemeClr>
@@ -1197,71 +948,14 @@
         </p:sp>
         <p:sp>
           <p:nvSpPr>
-            <p:cNvPr id="19" name="Oval 18"/>
-            <p:cNvSpPr/>
-            <p:nvPr/>
-          </p:nvSpPr>
-          <p:spPr>
-            <a:xfrm>
-              <a:off x="-1588" y="2667000"/>
-              <a:ext cx="4191000" cy="4191000"/>
-            </a:xfrm>
-            <a:prstGeom prst="ellipse">
-              <a:avLst/>
-            </a:prstGeom>
-            <a:gradFill flip="none" rotWithShape="1">
-              <a:gsLst>
-                <a:gs pos="0">
-                  <a:schemeClr val="accent5">
-                    <a:alpha val="11000"/>
-                  </a:schemeClr>
-                </a:gs>
-                <a:gs pos="75000">
-                  <a:schemeClr val="accent5">
-                    <a:alpha val="0"/>
-                  </a:schemeClr>
-                </a:gs>
-                <a:gs pos="36000">
-                  <a:schemeClr val="accent5">
-                    <a:alpha val="10000"/>
-                  </a:schemeClr>
-                </a:gs>
-              </a:gsLst>
-              <a:path path="circle">
-                <a:fillToRect l="50000" t="50000" r="50000" b="50000"/>
-              </a:path>
-              <a:tileRect/>
-            </a:gradFill>
-            <a:ln>
-              <a:noFill/>
-            </a:ln>
-            <a:effectLst/>
-          </p:spPr>
-          <p:style>
-            <a:lnRef idx="1">
-              <a:schemeClr val="accent1"/>
-            </a:lnRef>
-            <a:fillRef idx="3">
-              <a:schemeClr val="accent1"/>
-            </a:fillRef>
-            <a:effectRef idx="2">
-              <a:schemeClr val="accent1"/>
-            </a:effectRef>
-            <a:fontRef idx="minor">
-              <a:schemeClr val="lt1"/>
-            </a:fontRef>
-          </p:style>
-        </p:sp>
-        <p:sp>
-          <p:nvSpPr>
-            <p:cNvPr id="17" name="Freeform 5"/>
+            <p:cNvPr id="14" name="Freeform 5"/>
             <p:cNvSpPr/>
             <p:nvPr/>
           </p:nvSpPr>
           <p:spPr bwMode="gray">
-            <a:xfrm rot="10204164">
-              <a:off x="426788" y="4564241"/>
-              <a:ext cx="2377690" cy="317748"/>
+            <a:xfrm rot="10371525">
+              <a:off x="263767" y="4438254"/>
+              <a:ext cx="3299407" cy="440924"/>
             </a:xfrm>
             <a:custGeom>
               <a:avLst/>
@@ -1401,162 +1095,169 @@
         </p:sp>
         <p:sp>
           <p:nvSpPr>
-            <p:cNvPr id="16" name="Rectangle 15"/>
-            <p:cNvSpPr/>
-            <p:nvPr/>
-          </p:nvSpPr>
-          <p:spPr>
-            <a:xfrm>
-              <a:off x="421503" y="402165"/>
-              <a:ext cx="8327939" cy="3141135"/>
-            </a:xfrm>
-            <a:prstGeom prst="rect">
-              <a:avLst/>
-            </a:prstGeom>
-            <a:solidFill>
-              <a:schemeClr val="bg1"/>
-            </a:solidFill>
-            <a:ln>
-              <a:noFill/>
-            </a:ln>
-            <a:effectLst/>
-          </p:spPr>
-          <p:style>
-            <a:lnRef idx="1">
-              <a:schemeClr val="accent1"/>
-            </a:lnRef>
-            <a:fillRef idx="3">
-              <a:schemeClr val="accent1"/>
-            </a:fillRef>
-            <a:effectRef idx="2">
-              <a:schemeClr val="accent1"/>
-            </a:effectRef>
-            <a:fontRef idx="minor">
-              <a:schemeClr val="lt1"/>
-            </a:fontRef>
-          </p:style>
-        </p:sp>
-        <p:sp>
-          <p:nvSpPr>
-            <p:cNvPr id="11" name="Freeform 10"/>
+            <p:cNvPr id="11" name="Freeform 5"/>
             <p:cNvSpPr/>
             <p:nvPr/>
           </p:nvSpPr>
           <p:spPr bwMode="gray">
             <a:xfrm rot="10800000">
-              <a:off x="485023" y="2670079"/>
-              <a:ext cx="8182128" cy="2130508"/>
+              <a:off x="459506" y="321130"/>
+              <a:ext cx="11277600" cy="4533900"/>
             </a:xfrm>
             <a:custGeom>
               <a:avLst/>
               <a:gdLst/>
               <a:ahLst/>
               <a:cxnLst/>
-              <a:rect l="l" t="t" r="r" b="b"/>
+              <a:rect l="0" t="0" r="r" b="b"/>
               <a:pathLst>
-                <a:path w="10000" h="9621">
+                <a:path w="7104" h="2856">
                   <a:moveTo>
                     <a:pt x="0" y="0"/>
                   </a:moveTo>
                   <a:lnTo>
-                    <a:pt x="0" y="2411"/>
-                  </a:lnTo>
-                  <a:lnTo>
-                    <a:pt x="0" y="9586"/>
-                  </a:lnTo>
-                  <a:lnTo>
-                    <a:pt x="0" y="9621"/>
-                  </a:lnTo>
-                  <a:lnTo>
-                    <a:pt x="10000" y="9585"/>
-                  </a:lnTo>
-                  <a:cubicBezTo>
-                    <a:pt x="9997" y="8144"/>
-                    <a:pt x="10003" y="9571"/>
-                    <a:pt x="10000" y="9586"/>
-                  </a:cubicBezTo>
-                  <a:cubicBezTo>
-                    <a:pt x="9997" y="7194"/>
-                    <a:pt x="9993" y="4803"/>
-                    <a:pt x="9990" y="2411"/>
-                  </a:cubicBezTo>
-                  <a:lnTo>
-                    <a:pt x="9990" y="0"/>
-                  </a:lnTo>
-                  <a:lnTo>
-                    <a:pt x="9990" y="0"/>
-                  </a:lnTo>
-                  <a:lnTo>
-                    <a:pt x="9534" y="253"/>
-                  </a:lnTo>
-                  <a:lnTo>
-                    <a:pt x="9084" y="477"/>
-                  </a:lnTo>
-                  <a:lnTo>
-                    <a:pt x="8628" y="669"/>
-                  </a:lnTo>
-                  <a:lnTo>
-                    <a:pt x="8177" y="847"/>
-                  </a:lnTo>
-                  <a:lnTo>
-                    <a:pt x="7726" y="984"/>
-                  </a:lnTo>
-                  <a:lnTo>
-                    <a:pt x="7279" y="1087"/>
-                  </a:lnTo>
-                  <a:lnTo>
-                    <a:pt x="6832" y="1176"/>
-                  </a:lnTo>
-                  <a:lnTo>
-                    <a:pt x="6393" y="1236"/>
-                  </a:lnTo>
-                  <a:lnTo>
-                    <a:pt x="5962" y="1279"/>
-                  </a:lnTo>
-                  <a:lnTo>
-                    <a:pt x="5534" y="1294"/>
-                  </a:lnTo>
-                  <a:lnTo>
-                    <a:pt x="5120" y="1294"/>
-                  </a:lnTo>
-                  <a:lnTo>
-                    <a:pt x="4709" y="1294"/>
-                  </a:lnTo>
-                  <a:lnTo>
-                    <a:pt x="4311" y="1266"/>
-                  </a:lnTo>
-                  <a:lnTo>
-                    <a:pt x="3923" y="1221"/>
-                  </a:lnTo>
-                  <a:lnTo>
-                    <a:pt x="3548" y="1161"/>
-                  </a:lnTo>
-                  <a:lnTo>
-                    <a:pt x="3187" y="1101"/>
-                  </a:lnTo>
-                  <a:lnTo>
-                    <a:pt x="2840" y="1026"/>
-                  </a:lnTo>
-                  <a:lnTo>
-                    <a:pt x="2505" y="954"/>
-                  </a:lnTo>
-                  <a:lnTo>
-                    <a:pt x="2192" y="865"/>
-                  </a:lnTo>
-                  <a:lnTo>
-                    <a:pt x="1889" y="775"/>
-                  </a:lnTo>
-                  <a:lnTo>
-                    <a:pt x="1346" y="579"/>
-                  </a:lnTo>
-                  <a:lnTo>
-                    <a:pt x="882" y="400"/>
-                  </a:lnTo>
-                  <a:lnTo>
-                    <a:pt x="511" y="253"/>
-                  </a:lnTo>
-                  <a:lnTo>
-                    <a:pt x="234" y="118"/>
+                    <a:pt x="0" y="2856"/>
+                  </a:lnTo>
+                  <a:lnTo>
+                    <a:pt x="7104" y="2856"/>
+                  </a:lnTo>
+                  <a:lnTo>
+                    <a:pt x="7104" y="1"/>
+                  </a:lnTo>
+                  <a:lnTo>
+                    <a:pt x="7104" y="1"/>
+                  </a:lnTo>
+                  <a:lnTo>
+                    <a:pt x="6943" y="26"/>
+                  </a:lnTo>
+                  <a:lnTo>
+                    <a:pt x="6782" y="50"/>
+                  </a:lnTo>
+                  <a:lnTo>
+                    <a:pt x="6621" y="73"/>
+                  </a:lnTo>
+                  <a:lnTo>
+                    <a:pt x="6459" y="93"/>
+                  </a:lnTo>
+                  <a:lnTo>
+                    <a:pt x="6298" y="113"/>
+                  </a:lnTo>
+                  <a:lnTo>
+                    <a:pt x="6136" y="132"/>
+                  </a:lnTo>
+                  <a:lnTo>
+                    <a:pt x="5976" y="148"/>
+                  </a:lnTo>
+                  <a:lnTo>
+                    <a:pt x="5814" y="163"/>
+                  </a:lnTo>
+                  <a:lnTo>
+                    <a:pt x="5653" y="177"/>
+                  </a:lnTo>
+                  <a:lnTo>
+                    <a:pt x="5494" y="189"/>
+                  </a:lnTo>
+                  <a:lnTo>
+                    <a:pt x="5334" y="201"/>
+                  </a:lnTo>
+                  <a:lnTo>
+                    <a:pt x="5175" y="211"/>
+                  </a:lnTo>
+                  <a:lnTo>
+                    <a:pt x="5017" y="219"/>
+                  </a:lnTo>
+                  <a:lnTo>
+                    <a:pt x="4859" y="227"/>
+                  </a:lnTo>
+                  <a:lnTo>
+                    <a:pt x="4703" y="234"/>
+                  </a:lnTo>
+                  <a:lnTo>
+                    <a:pt x="4548" y="239"/>
+                  </a:lnTo>
+                  <a:lnTo>
+                    <a:pt x="4393" y="243"/>
+                  </a:lnTo>
+                  <a:lnTo>
+                    <a:pt x="4240" y="247"/>
+                  </a:lnTo>
+                  <a:lnTo>
+                    <a:pt x="4088" y="249"/>
+                  </a:lnTo>
+                  <a:lnTo>
+                    <a:pt x="3937" y="251"/>
+                  </a:lnTo>
+                  <a:lnTo>
+                    <a:pt x="3788" y="252"/>
+                  </a:lnTo>
+                  <a:lnTo>
+                    <a:pt x="3640" y="251"/>
+                  </a:lnTo>
+                  <a:lnTo>
+                    <a:pt x="3494" y="251"/>
+                  </a:lnTo>
+                  <a:lnTo>
+                    <a:pt x="3349" y="249"/>
+                  </a:lnTo>
+                  <a:lnTo>
+                    <a:pt x="3207" y="246"/>
+                  </a:lnTo>
+                  <a:lnTo>
+                    <a:pt x="3066" y="243"/>
+                  </a:lnTo>
+                  <a:lnTo>
+                    <a:pt x="2928" y="240"/>
+                  </a:lnTo>
+                  <a:lnTo>
+                    <a:pt x="2791" y="235"/>
+                  </a:lnTo>
+                  <a:lnTo>
+                    <a:pt x="2656" y="230"/>
+                  </a:lnTo>
+                  <a:lnTo>
+                    <a:pt x="2524" y="225"/>
+                  </a:lnTo>
+                  <a:lnTo>
+                    <a:pt x="2266" y="212"/>
+                  </a:lnTo>
+                  <a:lnTo>
+                    <a:pt x="2019" y="198"/>
+                  </a:lnTo>
+                  <a:lnTo>
+                    <a:pt x="1782" y="183"/>
+                  </a:lnTo>
+                  <a:lnTo>
+                    <a:pt x="1557" y="167"/>
+                  </a:lnTo>
+                  <a:lnTo>
+                    <a:pt x="1343" y="150"/>
+                  </a:lnTo>
+                  <a:lnTo>
+                    <a:pt x="1144" y="132"/>
+                  </a:lnTo>
+                  <a:lnTo>
+                    <a:pt x="957" y="114"/>
+                  </a:lnTo>
+                  <a:lnTo>
+                    <a:pt x="785" y="96"/>
+                  </a:lnTo>
+                  <a:lnTo>
+                    <a:pt x="627" y="79"/>
+                  </a:lnTo>
+                  <a:lnTo>
+                    <a:pt x="487" y="63"/>
+                  </a:lnTo>
+                  <a:lnTo>
+                    <a:pt x="361" y="48"/>
+                  </a:lnTo>
+                  <a:lnTo>
+                    <a:pt x="254" y="35"/>
+                  </a:lnTo>
+                  <a:lnTo>
+                    <a:pt x="165" y="23"/>
+                  </a:lnTo>
+                  <a:lnTo>
+                    <a:pt x="42" y="6"/>
                   </a:lnTo>
                   <a:lnTo>
                     <a:pt x="0" y="0"/>
@@ -1578,7 +1279,7 @@
         </p:sp>
         <p:sp>
           <p:nvSpPr>
-            <p:cNvPr id="20" name="Freeform 5"/>
+            <p:cNvPr id="15" name="Freeform 5"/>
             <p:cNvSpPr>
               <a:spLocks noEditPoints="1"/>
             </p:cNvSpPr>
@@ -1586,8 +1287,8 @@
           </p:nvSpPr>
           <p:spPr bwMode="gray">
             <a:xfrm>
-              <a:off x="0" y="0"/>
-              <a:ext cx="9144000" cy="6858000"/>
+              <a:off x="0" y="1587"/>
+              <a:ext cx="12192000" cy="6856413"/>
             </a:xfrm>
             <a:custGeom>
               <a:avLst/>
@@ -1596,60 +1297,48 @@
               <a:cxnLst/>
               <a:rect l="0" t="0" r="r" b="b"/>
               <a:pathLst>
-                <a:path w="5760" h="4320">
+                <a:path w="15356" h="8638">
                   <a:moveTo>
                     <a:pt x="0" y="0"/>
                   </a:moveTo>
                   <a:lnTo>
-                    <a:pt x="0" y="4320"/>
-                  </a:lnTo>
-                  <a:lnTo>
-                    <a:pt x="5760" y="4320"/>
-                  </a:lnTo>
-                  <a:lnTo>
-                    <a:pt x="5760" y="0"/>
+                    <a:pt x="0" y="8638"/>
+                  </a:lnTo>
+                  <a:lnTo>
+                    <a:pt x="15356" y="8638"/>
+                  </a:lnTo>
+                  <a:lnTo>
+                    <a:pt x="15356" y="0"/>
                   </a:lnTo>
                   <a:lnTo>
                     <a:pt x="0" y="0"/>
                   </a:lnTo>
                   <a:close/>
                   <a:moveTo>
-                    <a:pt x="5444" y="4004"/>
+                    <a:pt x="14748" y="8038"/>
                   </a:moveTo>
                   <a:lnTo>
-                    <a:pt x="324" y="4004"/>
-                  </a:lnTo>
-                  <a:lnTo>
-                    <a:pt x="324" y="324"/>
-                  </a:lnTo>
-                  <a:lnTo>
-                    <a:pt x="5444" y="324"/>
-                  </a:lnTo>
-                  <a:lnTo>
-                    <a:pt x="5444" y="4004"/>
+                    <a:pt x="600" y="8038"/>
+                  </a:lnTo>
+                  <a:lnTo>
+                    <a:pt x="600" y="592"/>
+                  </a:lnTo>
+                  <a:lnTo>
+                    <a:pt x="14748" y="592"/>
+                  </a:lnTo>
+                  <a:lnTo>
+                    <a:pt x="14748" y="8038"/>
                   </a:lnTo>
                   <a:close/>
                 </a:path>
               </a:pathLst>
             </a:custGeom>
             <a:solidFill>
-              <a:srgbClr val="FFFFFF"/>
+              <a:schemeClr val="bg1"/>
             </a:solidFill>
             <a:ln>
               <a:noFill/>
             </a:ln>
-            <a:extLst>
-              <a:ext uri="{91240B29-F687-4f45-9708-019B960494DF}">
-                <a14:hiddenLine xmlns:a14="http://schemas.microsoft.com/office/drawing/2010/main" xmlns="" w="9525">
-                  <a:solidFill>
-                    <a:srgbClr val="000000"/>
-                  </a:solidFill>
-                  <a:round/>
-                  <a:headEnd/>
-                  <a:tailEnd/>
-                </a14:hiddenLine>
-              </a:ext>
-            </a:extLst>
           </p:spPr>
         </p:sp>
       </p:grpSp>
@@ -1665,8 +1354,8 @@
         </p:nvSpPr>
         <p:spPr>
           <a:xfrm>
-            <a:off x="866441" y="4961454"/>
-            <a:ext cx="6422004" cy="566738"/>
+            <a:off x="1154954" y="4969927"/>
+            <a:ext cx="8825659" cy="566738"/>
           </a:xfrm>
         </p:spPr>
         <p:txBody>
@@ -1699,8 +1388,8 @@
         </p:nvSpPr>
         <p:spPr>
           <a:xfrm>
-            <a:off x="866441" y="685800"/>
-            <a:ext cx="6422004" cy="3429000"/>
+            <a:off x="1154954" y="685800"/>
+            <a:ext cx="8825659" cy="3429000"/>
           </a:xfrm>
           <a:prstGeom prst="roundRect">
             <a:avLst>
@@ -1776,10 +1465,10 @@
             <p:ph type="body" sz="half" idx="2"/>
           </p:nvPr>
         </p:nvSpPr>
-        <p:spPr bwMode="gray">
+        <p:spPr>
           <a:xfrm>
-            <a:off x="866440" y="5528192"/>
-            <a:ext cx="6422004" cy="493712"/>
+            <a:off x="1154954" y="5536665"/>
+            <a:ext cx="8825658" cy="493712"/>
           </a:xfrm>
         </p:spPr>
         <p:txBody>
@@ -1857,7 +1546,7 @@
           <a:p>
             <a:fld id="{5BCAD085-E8A6-8845-BD4E-CB4CCA059FC4}" type="datetimeFigureOut">
               <a:rPr lang="en-US" smtClean="0"/>
-              <a:t>3/11/2023</a:t>
+              <a:t>4/11/2023</a:t>
             </a:fld>
             <a:endParaRPr lang="en-US"/>
           </a:p>
@@ -1884,14 +1573,14 @@
       </p:sp>
       <p:sp>
         <p:nvSpPr>
-          <p:cNvPr id="10" name="Rectangle 9"/>
+          <p:cNvPr id="16" name="Rectangle 15"/>
           <p:cNvSpPr/>
           <p:nvPr/>
         </p:nvSpPr>
         <p:spPr>
           <a:xfrm>
-            <a:off x="7745644" y="0"/>
-            <a:ext cx="685800" cy="1099458"/>
+            <a:off x="10437812" y="0"/>
+            <a:ext cx="685800" cy="1143000"/>
           </a:xfrm>
           <a:prstGeom prst="rect">
             <a:avLst/>
@@ -1928,22 +1617,10 @@
             <p:ph type="sldNum" sz="quarter" idx="12"/>
           </p:nvPr>
         </p:nvSpPr>
-        <p:spPr>
-          <a:xfrm>
-            <a:off x="7678616" y="295730"/>
-            <a:ext cx="791308" cy="767687"/>
-          </a:xfrm>
-          <a:prstGeom prst="rect">
-            <a:avLst/>
-          </a:prstGeom>
-        </p:spPr>
+        <p:spPr/>
         <p:txBody>
           <a:bodyPr/>
-          <a:lstStyle>
-            <a:lvl1pPr algn="ctr">
-              <a:defRPr sz="2800"/>
-            </a:lvl1pPr>
-          </a:lstStyle>
+          <a:lstStyle/>
           <a:p>
             <a:fld id="{C1FF6DA9-008F-8B48-92A6-B652298478BF}" type="slidenum">
               <a:rPr lang="en-US" smtClean="0"/>
@@ -1956,7 +1633,7 @@
     </p:spTree>
     <p:extLst>
       <p:ext uri="{BB962C8B-B14F-4D97-AF65-F5344CB8AC3E}">
-        <p14:creationId xmlns:p14="http://schemas.microsoft.com/office/powerpoint/2010/main" val="4072249603"/>
+        <p14:creationId xmlns:p14="http://schemas.microsoft.com/office/powerpoint/2010/main" val="3134973677"/>
       </p:ext>
     </p:extLst>
   </p:cSld>
@@ -1985,28 +1662,28 @@
       </p:grpSpPr>
       <p:grpSp>
         <p:nvGrpSpPr>
-          <p:cNvPr id="3" name="Group 2"/>
+          <p:cNvPr id="7" name="Group 6"/>
           <p:cNvGrpSpPr/>
           <p:nvPr/>
         </p:nvGrpSpPr>
         <p:grpSpPr>
           <a:xfrm>
-            <a:off x="-1588" y="0"/>
-            <a:ext cx="9145588" cy="6860798"/>
-            <a:chOff x="-1588" y="0"/>
-            <a:chExt cx="9145588" cy="6860798"/>
+            <a:off x="0" y="0"/>
+            <a:ext cx="12192000" cy="6858000"/>
+            <a:chOff x="0" y="0"/>
+            <a:chExt cx="12192000" cy="6858000"/>
           </a:xfrm>
         </p:grpSpPr>
         <p:sp>
           <p:nvSpPr>
-            <p:cNvPr id="12" name="Rectangle 11"/>
+            <p:cNvPr id="11" name="Rectangle 10"/>
             <p:cNvSpPr/>
             <p:nvPr/>
           </p:nvSpPr>
           <p:spPr>
             <a:xfrm>
               <a:off x="0" y="0"/>
-              <a:ext cx="9118832" cy="6858000"/>
+              <a:ext cx="12192000" cy="6858000"/>
             </a:xfrm>
             <a:prstGeom prst="rect">
               <a:avLst/>
@@ -2027,9 +1704,8 @@
                   </a:schemeClr>
                 </a:duotone>
               </a:blip>
-              <a:srcRect/>
               <a:stretch>
-                <a:fillRect l="-16713" r="-16989"/>
+                <a:fillRect/>
               </a:stretch>
             </a:blipFill>
             <a:ln>
@@ -2056,6 +1732,63 @@
         <p:sp>
           <p:nvSpPr>
             <p:cNvPr id="14" name="Oval 13"/>
+            <p:cNvSpPr/>
+            <p:nvPr/>
+          </p:nvSpPr>
+          <p:spPr>
+            <a:xfrm>
+              <a:off x="0" y="2667000"/>
+              <a:ext cx="4191000" cy="4191000"/>
+            </a:xfrm>
+            <a:prstGeom prst="ellipse">
+              <a:avLst/>
+            </a:prstGeom>
+            <a:gradFill flip="none" rotWithShape="1">
+              <a:gsLst>
+                <a:gs pos="0">
+                  <a:schemeClr val="accent5">
+                    <a:alpha val="11000"/>
+                  </a:schemeClr>
+                </a:gs>
+                <a:gs pos="75000">
+                  <a:schemeClr val="accent5">
+                    <a:alpha val="0"/>
+                  </a:schemeClr>
+                </a:gs>
+                <a:gs pos="36000">
+                  <a:schemeClr val="accent5">
+                    <a:alpha val="10000"/>
+                  </a:schemeClr>
+                </a:gs>
+              </a:gsLst>
+              <a:path path="circle">
+                <a:fillToRect l="50000" t="50000" r="50000" b="50000"/>
+              </a:path>
+              <a:tileRect/>
+            </a:gradFill>
+            <a:ln>
+              <a:noFill/>
+            </a:ln>
+            <a:effectLst/>
+          </p:spPr>
+          <p:style>
+            <a:lnRef idx="1">
+              <a:schemeClr val="accent1"/>
+            </a:lnRef>
+            <a:fillRef idx="3">
+              <a:schemeClr val="accent1"/>
+            </a:fillRef>
+            <a:effectRef idx="2">
+              <a:schemeClr val="accent1"/>
+            </a:effectRef>
+            <a:fontRef idx="minor">
+              <a:schemeClr val="lt1"/>
+            </a:fontRef>
+          </p:style>
+        </p:sp>
+        <p:sp>
+          <p:nvSpPr>
+            <p:cNvPr id="15" name="Oval 14"/>
             <p:cNvSpPr/>
             <p:nvPr/>
           </p:nvSpPr>
@@ -2112,14 +1845,14 @@
         </p:sp>
         <p:sp>
           <p:nvSpPr>
-            <p:cNvPr id="15" name="Oval 14"/>
+            <p:cNvPr id="16" name="Oval 15"/>
             <p:cNvSpPr/>
             <p:nvPr/>
           </p:nvSpPr>
           <p:spPr>
             <a:xfrm>
-              <a:off x="6299432" y="1676400"/>
-              <a:ext cx="2819400" cy="2819400"/>
+              <a:off x="8609012" y="5867400"/>
+              <a:ext cx="990600" cy="990600"/>
             </a:xfrm>
             <a:prstGeom prst="ellipse">
               <a:avLst/>
@@ -2128,17 +1861,17 @@
               <a:gsLst>
                 <a:gs pos="0">
                   <a:schemeClr val="accent5">
-                    <a:alpha val="7000"/>
+                    <a:alpha val="14000"/>
                   </a:schemeClr>
                 </a:gs>
-                <a:gs pos="69000">
+                <a:gs pos="66000">
                   <a:schemeClr val="accent5">
                     <a:alpha val="0"/>
                   </a:schemeClr>
                 </a:gs>
                 <a:gs pos="36000">
                   <a:schemeClr val="accent5">
-                    <a:alpha val="6000"/>
+                    <a:alpha val="7000"/>
                   </a:schemeClr>
                 </a:gs>
               </a:gsLst>
@@ -2169,14 +1902,14 @@
         </p:sp>
         <p:sp>
           <p:nvSpPr>
-            <p:cNvPr id="16" name="Oval 15"/>
+            <p:cNvPr id="18" name="Oval 17"/>
             <p:cNvSpPr/>
             <p:nvPr/>
           </p:nvSpPr>
           <p:spPr>
             <a:xfrm>
-              <a:off x="5689832" y="0"/>
-              <a:ext cx="1600200" cy="1600200"/>
+              <a:off x="8609012" y="1676400"/>
+              <a:ext cx="2819400" cy="2819400"/>
             </a:xfrm>
             <a:prstGeom prst="ellipse">
               <a:avLst/>
@@ -2185,17 +1918,17 @@
               <a:gsLst>
                 <a:gs pos="0">
                   <a:schemeClr val="accent5">
-                    <a:alpha val="14000"/>
+                    <a:alpha val="7000"/>
                   </a:schemeClr>
                 </a:gs>
-                <a:gs pos="73000">
+                <a:gs pos="69000">
                   <a:schemeClr val="accent5">
                     <a:alpha val="0"/>
                   </a:schemeClr>
                 </a:gs>
                 <a:gs pos="36000">
                   <a:schemeClr val="accent5">
-                    <a:alpha val="7000"/>
+                    <a:alpha val="6000"/>
                   </a:schemeClr>
                 </a:gs>
               </a:gsLst>
@@ -2226,14 +1959,14 @@
         </p:sp>
         <p:sp>
           <p:nvSpPr>
-            <p:cNvPr id="17" name="Oval 16"/>
+            <p:cNvPr id="19" name="Oval 18"/>
             <p:cNvSpPr/>
             <p:nvPr/>
           </p:nvSpPr>
           <p:spPr>
             <a:xfrm>
-              <a:off x="6299432" y="5870198"/>
-              <a:ext cx="990600" cy="990600"/>
+              <a:off x="7999412" y="8464"/>
+              <a:ext cx="1600200" cy="1600200"/>
             </a:xfrm>
             <a:prstGeom prst="ellipse">
               <a:avLst/>
@@ -2245,7 +1978,7 @@
                     <a:alpha val="14000"/>
                   </a:schemeClr>
                 </a:gs>
-                <a:gs pos="66000">
+                <a:gs pos="73000">
                   <a:schemeClr val="accent5">
                     <a:alpha val="0"/>
                   </a:schemeClr>
@@ -2283,71 +2016,14 @@
         </p:sp>
         <p:sp>
           <p:nvSpPr>
-            <p:cNvPr id="18" name="Oval 17"/>
-            <p:cNvSpPr/>
-            <p:nvPr/>
-          </p:nvSpPr>
-          <p:spPr>
-            <a:xfrm>
-              <a:off x="-1588" y="2667000"/>
-              <a:ext cx="4191000" cy="4191000"/>
-            </a:xfrm>
-            <a:prstGeom prst="ellipse">
-              <a:avLst/>
-            </a:prstGeom>
-            <a:gradFill flip="none" rotWithShape="1">
-              <a:gsLst>
-                <a:gs pos="0">
-                  <a:schemeClr val="accent5">
-                    <a:alpha val="11000"/>
-                  </a:schemeClr>
-                </a:gs>
-                <a:gs pos="75000">
-                  <a:schemeClr val="accent5">
-                    <a:alpha val="0"/>
-                  </a:schemeClr>
-                </a:gs>
-                <a:gs pos="36000">
-                  <a:schemeClr val="accent5">
-                    <a:alpha val="10000"/>
-                  </a:schemeClr>
-                </a:gs>
-              </a:gsLst>
-              <a:path path="circle">
-                <a:fillToRect l="50000" t="50000" r="50000" b="50000"/>
-              </a:path>
-              <a:tileRect/>
-            </a:gradFill>
-            <a:ln>
-              <a:noFill/>
-            </a:ln>
-            <a:effectLst/>
-          </p:spPr>
-          <p:style>
-            <a:lnRef idx="1">
-              <a:schemeClr val="accent1"/>
-            </a:lnRef>
-            <a:fillRef idx="3">
-              <a:schemeClr val="accent1"/>
-            </a:fillRef>
-            <a:effectRef idx="2">
-              <a:schemeClr val="accent1"/>
-            </a:effectRef>
-            <a:fontRef idx="minor">
-              <a:schemeClr val="lt1"/>
-            </a:fontRef>
-          </p:style>
-        </p:sp>
-        <p:sp>
-          <p:nvSpPr>
-            <p:cNvPr id="22" name="Freeform 5"/>
+            <p:cNvPr id="25" name="Freeform 5"/>
             <p:cNvSpPr/>
             <p:nvPr/>
           </p:nvSpPr>
           <p:spPr bwMode="gray">
             <a:xfrm rot="21010068">
-              <a:off x="6359946" y="2780895"/>
-              <a:ext cx="2377690" cy="317748"/>
+              <a:off x="8490951" y="2714874"/>
+              <a:ext cx="3299407" cy="440924"/>
             </a:xfrm>
             <a:custGeom>
               <a:avLst/>
@@ -2487,51 +2163,14 @@
         </p:sp>
         <p:sp>
           <p:nvSpPr>
-            <p:cNvPr id="9" name="Rectangle 8"/>
-            <p:cNvSpPr/>
-            <p:nvPr/>
-          </p:nvSpPr>
-          <p:spPr>
-            <a:xfrm>
-              <a:off x="485023" y="4343399"/>
-              <a:ext cx="8182128" cy="2112436"/>
-            </a:xfrm>
-            <a:prstGeom prst="rect">
-              <a:avLst/>
-            </a:prstGeom>
-            <a:solidFill>
-              <a:schemeClr val="bg1"/>
-            </a:solidFill>
-            <a:ln>
-              <a:noFill/>
-            </a:ln>
-            <a:effectLst/>
-          </p:spPr>
-          <p:style>
-            <a:lnRef idx="1">
-              <a:schemeClr val="accent1"/>
-            </a:lnRef>
-            <a:fillRef idx="3">
-              <a:schemeClr val="accent1"/>
-            </a:fillRef>
-            <a:effectRef idx="2">
-              <a:schemeClr val="accent1"/>
-            </a:effectRef>
-            <a:fontRef idx="minor">
-              <a:schemeClr val="lt1"/>
-            </a:fontRef>
-          </p:style>
-        </p:sp>
-        <p:sp>
-          <p:nvSpPr>
-            <p:cNvPr id="11" name="Freeform 10"/>
+            <p:cNvPr id="17" name="Freeform 5"/>
             <p:cNvSpPr/>
             <p:nvPr/>
           </p:nvSpPr>
           <p:spPr bwMode="gray">
             <a:xfrm>
-              <a:off x="485023" y="2854646"/>
-              <a:ext cx="8182128" cy="2130508"/>
+              <a:off x="455612" y="2801319"/>
+              <a:ext cx="11277600" cy="3602637"/>
             </a:xfrm>
             <a:custGeom>
               <a:avLst/>
@@ -2540,109 +2179,153 @@
               <a:cxnLst/>
               <a:rect l="l" t="t" r="r" b="b"/>
               <a:pathLst>
-                <a:path w="10000" h="9621">
+                <a:path w="10000" h="7946">
                   <a:moveTo>
                     <a:pt x="0" y="0"/>
                   </a:moveTo>
                   <a:lnTo>
-                    <a:pt x="0" y="2411"/>
-                  </a:lnTo>
-                  <a:lnTo>
-                    <a:pt x="0" y="9586"/>
-                  </a:lnTo>
-                  <a:lnTo>
-                    <a:pt x="0" y="9621"/>
-                  </a:lnTo>
-                  <a:lnTo>
-                    <a:pt x="10000" y="9585"/>
-                  </a:lnTo>
-                  <a:cubicBezTo>
-                    <a:pt x="9997" y="8144"/>
-                    <a:pt x="10003" y="9571"/>
-                    <a:pt x="10000" y="9586"/>
-                  </a:cubicBezTo>
-                  <a:cubicBezTo>
-                    <a:pt x="9997" y="7194"/>
-                    <a:pt x="9993" y="4803"/>
-                    <a:pt x="9990" y="2411"/>
-                  </a:cubicBezTo>
-                  <a:lnTo>
-                    <a:pt x="9990" y="0"/>
-                  </a:lnTo>
-                  <a:lnTo>
-                    <a:pt x="9990" y="0"/>
-                  </a:lnTo>
-                  <a:lnTo>
-                    <a:pt x="9534" y="253"/>
-                  </a:lnTo>
-                  <a:lnTo>
-                    <a:pt x="9084" y="477"/>
-                  </a:lnTo>
-                  <a:lnTo>
-                    <a:pt x="8628" y="669"/>
-                  </a:lnTo>
-                  <a:lnTo>
-                    <a:pt x="8177" y="847"/>
-                  </a:lnTo>
-                  <a:lnTo>
-                    <a:pt x="7726" y="984"/>
-                  </a:lnTo>
-                  <a:lnTo>
-                    <a:pt x="7279" y="1087"/>
-                  </a:lnTo>
-                  <a:lnTo>
-                    <a:pt x="6832" y="1176"/>
-                  </a:lnTo>
-                  <a:lnTo>
-                    <a:pt x="6393" y="1236"/>
-                  </a:lnTo>
-                  <a:lnTo>
-                    <a:pt x="5962" y="1279"/>
-                  </a:lnTo>
-                  <a:lnTo>
-                    <a:pt x="5534" y="1294"/>
-                  </a:lnTo>
-                  <a:lnTo>
-                    <a:pt x="5120" y="1294"/>
-                  </a:lnTo>
-                  <a:lnTo>
-                    <a:pt x="4709" y="1294"/>
-                  </a:lnTo>
-                  <a:lnTo>
-                    <a:pt x="4311" y="1266"/>
-                  </a:lnTo>
-                  <a:lnTo>
-                    <a:pt x="3923" y="1221"/>
-                  </a:lnTo>
-                  <a:lnTo>
-                    <a:pt x="3548" y="1161"/>
-                  </a:lnTo>
-                  <a:lnTo>
-                    <a:pt x="3187" y="1101"/>
-                  </a:lnTo>
-                  <a:lnTo>
-                    <a:pt x="2840" y="1026"/>
-                  </a:lnTo>
-                  <a:lnTo>
-                    <a:pt x="2505" y="954"/>
-                  </a:lnTo>
-                  <a:lnTo>
-                    <a:pt x="2192" y="865"/>
-                  </a:lnTo>
-                  <a:lnTo>
-                    <a:pt x="1889" y="775"/>
-                  </a:lnTo>
-                  <a:lnTo>
-                    <a:pt x="1346" y="579"/>
-                  </a:lnTo>
-                  <a:lnTo>
-                    <a:pt x="882" y="400"/>
-                  </a:lnTo>
-                  <a:lnTo>
-                    <a:pt x="511" y="253"/>
-                  </a:lnTo>
-                  <a:lnTo>
-                    <a:pt x="234" y="118"/>
+                    <a:pt x="0" y="7945"/>
+                  </a:lnTo>
+                  <a:lnTo>
+                    <a:pt x="10000" y="7946"/>
+                  </a:lnTo>
+                  <a:lnTo>
+                    <a:pt x="10000" y="4"/>
+                  </a:lnTo>
+                  <a:lnTo>
+                    <a:pt x="10000" y="4"/>
+                  </a:lnTo>
+                  <a:lnTo>
+                    <a:pt x="9773" y="91"/>
+                  </a:lnTo>
+                  <a:lnTo>
+                    <a:pt x="9547" y="175"/>
+                  </a:lnTo>
+                  <a:lnTo>
+                    <a:pt x="9320" y="256"/>
+                  </a:lnTo>
+                  <a:lnTo>
+                    <a:pt x="9092" y="326"/>
+                  </a:lnTo>
+                  <a:lnTo>
+                    <a:pt x="8865" y="396"/>
+                  </a:lnTo>
+                  <a:lnTo>
+                    <a:pt x="8637" y="462"/>
+                  </a:lnTo>
+                  <a:lnTo>
+                    <a:pt x="8412" y="518"/>
+                  </a:lnTo>
+                  <a:lnTo>
+                    <a:pt x="8184" y="571"/>
+                  </a:lnTo>
+                  <a:lnTo>
+                    <a:pt x="7957" y="620"/>
+                  </a:lnTo>
+                  <a:lnTo>
+                    <a:pt x="7734" y="662"/>
+                  </a:lnTo>
+                  <a:lnTo>
+                    <a:pt x="7508" y="704"/>
+                  </a:lnTo>
+                  <a:lnTo>
+                    <a:pt x="7285" y="739"/>
+                  </a:lnTo>
+                  <a:lnTo>
+                    <a:pt x="7062" y="767"/>
+                  </a:lnTo>
+                  <a:lnTo>
+                    <a:pt x="6840" y="795"/>
+                  </a:lnTo>
+                  <a:lnTo>
+                    <a:pt x="6620" y="819"/>
+                  </a:lnTo>
+                  <a:lnTo>
+                    <a:pt x="6402" y="837"/>
+                  </a:lnTo>
+                  <a:lnTo>
+                    <a:pt x="6184" y="851"/>
+                  </a:lnTo>
+                  <a:lnTo>
+                    <a:pt x="5968" y="865"/>
+                  </a:lnTo>
+                  <a:lnTo>
+                    <a:pt x="5755" y="872"/>
+                  </a:lnTo>
+                  <a:lnTo>
+                    <a:pt x="5542" y="879"/>
+                  </a:lnTo>
+                  <a:lnTo>
+                    <a:pt x="5332" y="882"/>
+                  </a:lnTo>
+                  <a:lnTo>
+                    <a:pt x="5124" y="879"/>
+                  </a:lnTo>
+                  <a:lnTo>
+                    <a:pt x="4918" y="879"/>
+                  </a:lnTo>
+                  <a:lnTo>
+                    <a:pt x="4714" y="872"/>
+                  </a:lnTo>
+                  <a:lnTo>
+                    <a:pt x="4514" y="861"/>
+                  </a:lnTo>
+                  <a:lnTo>
+                    <a:pt x="4316" y="851"/>
+                  </a:lnTo>
+                  <a:lnTo>
+                    <a:pt x="4122" y="840"/>
+                  </a:lnTo>
+                  <a:lnTo>
+                    <a:pt x="3929" y="823"/>
+                  </a:lnTo>
+                  <a:lnTo>
+                    <a:pt x="3739" y="805"/>
+                  </a:lnTo>
+                  <a:lnTo>
+                    <a:pt x="3553" y="788"/>
+                  </a:lnTo>
+                  <a:lnTo>
+                    <a:pt x="3190" y="742"/>
+                  </a:lnTo>
+                  <a:lnTo>
+                    <a:pt x="2842" y="693"/>
+                  </a:lnTo>
+                  <a:lnTo>
+                    <a:pt x="2508" y="641"/>
+                  </a:lnTo>
+                  <a:lnTo>
+                    <a:pt x="2192" y="585"/>
+                  </a:lnTo>
+                  <a:lnTo>
+                    <a:pt x="1890" y="525"/>
+                  </a:lnTo>
+                  <a:lnTo>
+                    <a:pt x="1610" y="462"/>
+                  </a:lnTo>
+                  <a:lnTo>
+                    <a:pt x="1347" y="399"/>
+                  </a:lnTo>
+                  <a:lnTo>
+                    <a:pt x="1105" y="336"/>
+                  </a:lnTo>
+                  <a:lnTo>
+                    <a:pt x="883" y="277"/>
+                  </a:lnTo>
+                  <a:lnTo>
+                    <a:pt x="686" y="221"/>
+                  </a:lnTo>
+                  <a:lnTo>
+                    <a:pt x="508" y="168"/>
+                  </a:lnTo>
+                  <a:lnTo>
+                    <a:pt x="358" y="123"/>
+                  </a:lnTo>
+                  <a:lnTo>
+                    <a:pt x="232" y="81"/>
+                  </a:lnTo>
+                  <a:lnTo>
+                    <a:pt x="59" y="21"/>
                   </a:lnTo>
                   <a:lnTo>
                     <a:pt x="0" y="0"/>
@@ -2664,7 +2347,7 @@
         </p:sp>
         <p:sp>
           <p:nvSpPr>
-            <p:cNvPr id="19" name="Freeform 5"/>
+            <p:cNvPr id="12" name="Freeform 5"/>
             <p:cNvSpPr>
               <a:spLocks noEditPoints="1"/>
             </p:cNvSpPr>
@@ -2672,8 +2355,8 @@
           </p:nvSpPr>
           <p:spPr bwMode="gray">
             <a:xfrm>
-              <a:off x="0" y="0"/>
-              <a:ext cx="9144000" cy="6858000"/>
+              <a:off x="0" y="1587"/>
+              <a:ext cx="12192000" cy="6856413"/>
             </a:xfrm>
             <a:custGeom>
               <a:avLst/>
@@ -2682,60 +2365,48 @@
               <a:cxnLst/>
               <a:rect l="0" t="0" r="r" b="b"/>
               <a:pathLst>
-                <a:path w="5760" h="4320">
+                <a:path w="15356" h="8638">
                   <a:moveTo>
                     <a:pt x="0" y="0"/>
                   </a:moveTo>
                   <a:lnTo>
-                    <a:pt x="0" y="4320"/>
-                  </a:lnTo>
-                  <a:lnTo>
-                    <a:pt x="5760" y="4320"/>
-                  </a:lnTo>
-                  <a:lnTo>
-                    <a:pt x="5760" y="0"/>
+                    <a:pt x="0" y="8638"/>
+                  </a:lnTo>
+                  <a:lnTo>
+                    <a:pt x="15356" y="8638"/>
+                  </a:lnTo>
+                  <a:lnTo>
+                    <a:pt x="15356" y="0"/>
                   </a:lnTo>
                   <a:lnTo>
                     <a:pt x="0" y="0"/>
                   </a:lnTo>
                   <a:close/>
                   <a:moveTo>
-                    <a:pt x="5444" y="4004"/>
+                    <a:pt x="14748" y="8038"/>
                   </a:moveTo>
                   <a:lnTo>
-                    <a:pt x="324" y="4004"/>
-                  </a:lnTo>
-                  <a:lnTo>
-                    <a:pt x="324" y="324"/>
-                  </a:lnTo>
-                  <a:lnTo>
-                    <a:pt x="5444" y="324"/>
-                  </a:lnTo>
-                  <a:lnTo>
-                    <a:pt x="5444" y="4004"/>
+                    <a:pt x="600" y="8038"/>
+                  </a:lnTo>
+                  <a:lnTo>
+                    <a:pt x="600" y="592"/>
+                  </a:lnTo>
+                  <a:lnTo>
+                    <a:pt x="14748" y="592"/>
+                  </a:lnTo>
+                  <a:lnTo>
+                    <a:pt x="14748" y="8038"/>
                   </a:lnTo>
                   <a:close/>
                 </a:path>
               </a:pathLst>
             </a:custGeom>
             <a:solidFill>
-              <a:srgbClr val="FFFFFF"/>
+              <a:schemeClr val="bg1"/>
             </a:solidFill>
             <a:ln>
               <a:noFill/>
             </a:ln>
-            <a:extLst>
-              <a:ext uri="{91240B29-F687-4f45-9708-019B960494DF}">
-                <a14:hiddenLine xmlns:a14="http://schemas.microsoft.com/office/drawing/2010/main" xmlns="" w="9525">
-                  <a:solidFill>
-                    <a:srgbClr val="000000"/>
-                  </a:solidFill>
-                  <a:round/>
-                  <a:headEnd/>
-                  <a:tailEnd/>
-                </a14:hiddenLine>
-              </a:ext>
-            </a:extLst>
           </p:spPr>
         </p:sp>
       </p:grpSp>
@@ -2751,15 +2422,15 @@
         </p:nvSpPr>
         <p:spPr>
           <a:xfrm>
-            <a:off x="866440" y="927100"/>
-            <a:ext cx="6422005" cy="1692720"/>
+            <a:off x="1148798" y="1063417"/>
+            <a:ext cx="8831816" cy="1372986"/>
           </a:xfrm>
         </p:spPr>
         <p:txBody>
           <a:bodyPr/>
           <a:lstStyle>
             <a:lvl1pPr>
-              <a:defRPr sz="3600"/>
+              <a:defRPr sz="4000"/>
             </a:lvl1pPr>
           </a:lstStyle>
           <a:p>
@@ -2773,7 +2444,7 @@
       </p:sp>
       <p:sp>
         <p:nvSpPr>
-          <p:cNvPr id="13" name="Text Placeholder 3"/>
+          <p:cNvPr id="8" name="Text Placeholder 3"/>
           <p:cNvSpPr>
             <a:spLocks noGrp="1"/>
           </p:cNvSpPr>
@@ -2783,8 +2454,8 @@
         </p:nvSpPr>
         <p:spPr>
           <a:xfrm>
-            <a:off x="866440" y="3488023"/>
-            <a:ext cx="6422005" cy="2536857"/>
+            <a:off x="1154954" y="3543300"/>
+            <a:ext cx="8825659" cy="2476500"/>
           </a:xfrm>
         </p:spPr>
         <p:txBody>
@@ -2855,7 +2526,7 @@
           <a:p>
             <a:fld id="{5BCAD085-E8A6-8845-BD4E-CB4CCA059FC4}" type="datetimeFigureOut">
               <a:rPr lang="en-US" smtClean="0"/>
-              <a:t>3/11/2023</a:t>
+              <a:t>4/11/2023</a:t>
             </a:fld>
             <a:endParaRPr lang="en-US"/>
           </a:p>
@@ -2882,14 +2553,14 @@
       </p:sp>
       <p:sp>
         <p:nvSpPr>
-          <p:cNvPr id="8" name="Rectangle 7"/>
+          <p:cNvPr id="13" name="Rectangle 12"/>
           <p:cNvSpPr/>
           <p:nvPr/>
         </p:nvSpPr>
         <p:spPr>
           <a:xfrm>
-            <a:off x="7745644" y="0"/>
-            <a:ext cx="685800" cy="1099458"/>
+            <a:off x="10437812" y="0"/>
+            <a:ext cx="685800" cy="1143000"/>
           </a:xfrm>
           <a:prstGeom prst="rect">
             <a:avLst/>
@@ -2926,22 +2597,10 @@
             <p:ph type="sldNum" sz="quarter" idx="12"/>
           </p:nvPr>
         </p:nvSpPr>
-        <p:spPr>
-          <a:xfrm>
-            <a:off x="7678616" y="295730"/>
-            <a:ext cx="791308" cy="767687"/>
-          </a:xfrm>
-          <a:prstGeom prst="rect">
-            <a:avLst/>
-          </a:prstGeom>
-        </p:spPr>
+        <p:spPr/>
         <p:txBody>
           <a:bodyPr/>
-          <a:lstStyle>
-            <a:lvl1pPr algn="ctr">
-              <a:defRPr sz="2800"/>
-            </a:lvl1pPr>
-          </a:lstStyle>
+          <a:lstStyle/>
           <a:p>
             <a:fld id="{C1FF6DA9-008F-8B48-92A6-B652298478BF}" type="slidenum">
               <a:rPr lang="en-US" smtClean="0"/>
@@ -2954,7 +2613,7 @@
     </p:spTree>
     <p:extLst>
       <p:ext uri="{BB962C8B-B14F-4D97-AF65-F5344CB8AC3E}">
-        <p14:creationId xmlns:p14="http://schemas.microsoft.com/office/powerpoint/2010/main" val="237374629"/>
+        <p14:creationId xmlns:p14="http://schemas.microsoft.com/office/powerpoint/2010/main" val="4079799665"/>
       </p:ext>
     </p:extLst>
   </p:cSld>
@@ -2989,22 +2648,22 @@
         </p:nvGrpSpPr>
         <p:grpSpPr>
           <a:xfrm>
-            <a:off x="-1588" y="0"/>
-            <a:ext cx="9145588" cy="6860798"/>
-            <a:chOff x="-1588" y="0"/>
-            <a:chExt cx="9145588" cy="6860798"/>
+            <a:off x="0" y="0"/>
+            <a:ext cx="12192000" cy="6858000"/>
+            <a:chOff x="0" y="0"/>
+            <a:chExt cx="12192000" cy="6858000"/>
           </a:xfrm>
         </p:grpSpPr>
         <p:sp>
           <p:nvSpPr>
-            <p:cNvPr id="13" name="Rectangle 12"/>
+            <p:cNvPr id="17" name="Rectangle 16"/>
             <p:cNvSpPr/>
             <p:nvPr/>
           </p:nvSpPr>
           <p:spPr>
             <a:xfrm>
               <a:off x="0" y="0"/>
-              <a:ext cx="9118832" cy="6858000"/>
+              <a:ext cx="12192000" cy="6858000"/>
             </a:xfrm>
             <a:prstGeom prst="rect">
               <a:avLst/>
@@ -3025,9 +2684,8 @@
                   </a:schemeClr>
                 </a:duotone>
               </a:blip>
-              <a:srcRect/>
               <a:stretch>
-                <a:fillRect l="-16713" r="-16989"/>
+                <a:fillRect/>
               </a:stretch>
             </a:blipFill>
             <a:ln>
@@ -3053,7 +2711,64 @@
         </p:sp>
         <p:sp>
           <p:nvSpPr>
-            <p:cNvPr id="15" name="Oval 14"/>
+            <p:cNvPr id="20" name="Oval 19"/>
+            <p:cNvSpPr/>
+            <p:nvPr/>
+          </p:nvSpPr>
+          <p:spPr>
+            <a:xfrm>
+              <a:off x="0" y="2667000"/>
+              <a:ext cx="4191000" cy="4191000"/>
+            </a:xfrm>
+            <a:prstGeom prst="ellipse">
+              <a:avLst/>
+            </a:prstGeom>
+            <a:gradFill flip="none" rotWithShape="1">
+              <a:gsLst>
+                <a:gs pos="0">
+                  <a:schemeClr val="accent5">
+                    <a:alpha val="11000"/>
+                  </a:schemeClr>
+                </a:gs>
+                <a:gs pos="75000">
+                  <a:schemeClr val="accent5">
+                    <a:alpha val="0"/>
+                  </a:schemeClr>
+                </a:gs>
+                <a:gs pos="36000">
+                  <a:schemeClr val="accent5">
+                    <a:alpha val="10000"/>
+                  </a:schemeClr>
+                </a:gs>
+              </a:gsLst>
+              <a:path path="circle">
+                <a:fillToRect l="50000" t="50000" r="50000" b="50000"/>
+              </a:path>
+              <a:tileRect/>
+            </a:gradFill>
+            <a:ln>
+              <a:noFill/>
+            </a:ln>
+            <a:effectLst/>
+          </p:spPr>
+          <p:style>
+            <a:lnRef idx="1">
+              <a:schemeClr val="accent1"/>
+            </a:lnRef>
+            <a:fillRef idx="3">
+              <a:schemeClr val="accent1"/>
+            </a:fillRef>
+            <a:effectRef idx="2">
+              <a:schemeClr val="accent1"/>
+            </a:effectRef>
+            <a:fontRef idx="minor">
+              <a:schemeClr val="lt1"/>
+            </a:fontRef>
+          </p:style>
+        </p:sp>
+        <p:sp>
+          <p:nvSpPr>
+            <p:cNvPr id="22" name="Oval 21"/>
             <p:cNvSpPr/>
             <p:nvPr/>
           </p:nvSpPr>
@@ -3110,14 +2825,14 @@
         </p:sp>
         <p:sp>
           <p:nvSpPr>
-            <p:cNvPr id="18" name="Oval 17"/>
+            <p:cNvPr id="23" name="Oval 22"/>
             <p:cNvSpPr/>
             <p:nvPr/>
           </p:nvSpPr>
           <p:spPr>
             <a:xfrm>
-              <a:off x="6299432" y="1676400"/>
-              <a:ext cx="2819400" cy="2819400"/>
+              <a:off x="8609012" y="5867400"/>
+              <a:ext cx="990600" cy="990600"/>
             </a:xfrm>
             <a:prstGeom prst="ellipse">
               <a:avLst/>
@@ -3126,17 +2841,17 @@
               <a:gsLst>
                 <a:gs pos="0">
                   <a:schemeClr val="accent5">
-                    <a:alpha val="7000"/>
+                    <a:alpha val="14000"/>
                   </a:schemeClr>
                 </a:gs>
-                <a:gs pos="69000">
+                <a:gs pos="66000">
                   <a:schemeClr val="accent5">
                     <a:alpha val="0"/>
                   </a:schemeClr>
                 </a:gs>
                 <a:gs pos="36000">
                   <a:schemeClr val="accent5">
-                    <a:alpha val="6000"/>
+                    <a:alpha val="7000"/>
                   </a:schemeClr>
                 </a:gs>
               </a:gsLst>
@@ -3167,14 +2882,14 @@
         </p:sp>
         <p:sp>
           <p:nvSpPr>
-            <p:cNvPr id="19" name="Oval 18"/>
+            <p:cNvPr id="24" name="Oval 23"/>
             <p:cNvSpPr/>
             <p:nvPr/>
           </p:nvSpPr>
           <p:spPr>
             <a:xfrm>
-              <a:off x="5689832" y="0"/>
-              <a:ext cx="1600200" cy="1600200"/>
+              <a:off x="8609012" y="1676400"/>
+              <a:ext cx="2819400" cy="2819400"/>
             </a:xfrm>
             <a:prstGeom prst="ellipse">
               <a:avLst/>
@@ -3183,17 +2898,17 @@
               <a:gsLst>
                 <a:gs pos="0">
                   <a:schemeClr val="accent5">
-                    <a:alpha val="14000"/>
+                    <a:alpha val="7000"/>
                   </a:schemeClr>
                 </a:gs>
-                <a:gs pos="73000">
+                <a:gs pos="69000">
                   <a:schemeClr val="accent5">
                     <a:alpha val="0"/>
                   </a:schemeClr>
                 </a:gs>
                 <a:gs pos="36000">
                   <a:schemeClr val="accent5">
-                    <a:alpha val="7000"/>
+                    <a:alpha val="6000"/>
                   </a:schemeClr>
                 </a:gs>
               </a:gsLst>
@@ -3224,14 +2939,14 @@
         </p:sp>
         <p:sp>
           <p:nvSpPr>
-            <p:cNvPr id="20" name="Oval 19"/>
+            <p:cNvPr id="25" name="Oval 24"/>
             <p:cNvSpPr/>
             <p:nvPr/>
           </p:nvSpPr>
           <p:spPr>
             <a:xfrm>
-              <a:off x="6299432" y="5870198"/>
-              <a:ext cx="990600" cy="990600"/>
+              <a:off x="7999412" y="8464"/>
+              <a:ext cx="1600200" cy="1600200"/>
             </a:xfrm>
             <a:prstGeom prst="ellipse">
               <a:avLst/>
@@ -3243,7 +2958,7 @@
                     <a:alpha val="14000"/>
                   </a:schemeClr>
                 </a:gs>
-                <a:gs pos="66000">
+                <a:gs pos="73000">
                   <a:schemeClr val="accent5">
                     <a:alpha val="0"/>
                   </a:schemeClr>
@@ -3281,71 +2996,14 @@
         </p:sp>
         <p:sp>
           <p:nvSpPr>
-            <p:cNvPr id="21" name="Oval 20"/>
-            <p:cNvSpPr/>
-            <p:nvPr/>
-          </p:nvSpPr>
-          <p:spPr>
-            <a:xfrm>
-              <a:off x="-1588" y="2667000"/>
-              <a:ext cx="4191000" cy="4191000"/>
-            </a:xfrm>
-            <a:prstGeom prst="ellipse">
-              <a:avLst/>
-            </a:prstGeom>
-            <a:gradFill flip="none" rotWithShape="1">
-              <a:gsLst>
-                <a:gs pos="0">
-                  <a:schemeClr val="accent5">
-                    <a:alpha val="11000"/>
-                  </a:schemeClr>
-                </a:gs>
-                <a:gs pos="75000">
-                  <a:schemeClr val="accent5">
-                    <a:alpha val="0"/>
-                  </a:schemeClr>
-                </a:gs>
-                <a:gs pos="36000">
-                  <a:schemeClr val="accent5">
-                    <a:alpha val="10000"/>
-                  </a:schemeClr>
-                </a:gs>
-              </a:gsLst>
-              <a:path path="circle">
-                <a:fillToRect l="50000" t="50000" r="50000" b="50000"/>
-              </a:path>
-              <a:tileRect/>
-            </a:gradFill>
-            <a:ln>
-              <a:noFill/>
-            </a:ln>
-            <a:effectLst/>
-          </p:spPr>
-          <p:style>
-            <a:lnRef idx="1">
-              <a:schemeClr val="accent1"/>
-            </a:lnRef>
-            <a:fillRef idx="3">
-              <a:schemeClr val="accent1"/>
-            </a:fillRef>
-            <a:effectRef idx="2">
-              <a:schemeClr val="accent1"/>
-            </a:effectRef>
-            <a:fontRef idx="minor">
-              <a:schemeClr val="lt1"/>
-            </a:fontRef>
-          </p:style>
-        </p:sp>
-        <p:sp>
-          <p:nvSpPr>
-            <p:cNvPr id="22" name="Freeform 5"/>
+            <p:cNvPr id="21" name="Freeform 5"/>
             <p:cNvSpPr/>
             <p:nvPr/>
           </p:nvSpPr>
           <p:spPr bwMode="gray">
             <a:xfrm rot="21010068">
-              <a:off x="6359946" y="4309201"/>
-              <a:ext cx="2377690" cy="317748"/>
+              <a:off x="8490951" y="4185117"/>
+              <a:ext cx="3299407" cy="440924"/>
             </a:xfrm>
             <a:custGeom>
               <a:avLst/>
@@ -3485,14 +3143,14 @@
         </p:sp>
         <p:sp>
           <p:nvSpPr>
-            <p:cNvPr id="11" name="Freeform 10"/>
+            <p:cNvPr id="12" name="Freeform 5"/>
             <p:cNvSpPr/>
             <p:nvPr/>
           </p:nvSpPr>
           <p:spPr bwMode="gray">
             <a:xfrm>
-              <a:off x="485023" y="4381500"/>
-              <a:ext cx="8182128" cy="2130508"/>
+              <a:off x="455612" y="4241801"/>
+              <a:ext cx="11277600" cy="2337161"/>
             </a:xfrm>
             <a:custGeom>
               <a:avLst/>
@@ -3501,109 +3159,153 @@
               <a:cxnLst/>
               <a:rect l="l" t="t" r="r" b="b"/>
               <a:pathLst>
-                <a:path w="10000" h="9621">
+                <a:path w="10000" h="8000">
                   <a:moveTo>
                     <a:pt x="0" y="0"/>
                   </a:moveTo>
                   <a:lnTo>
-                    <a:pt x="0" y="2411"/>
-                  </a:lnTo>
-                  <a:lnTo>
-                    <a:pt x="0" y="9586"/>
-                  </a:lnTo>
-                  <a:lnTo>
-                    <a:pt x="0" y="9621"/>
-                  </a:lnTo>
-                  <a:lnTo>
-                    <a:pt x="10000" y="9585"/>
-                  </a:lnTo>
-                  <a:cubicBezTo>
-                    <a:pt x="9997" y="8144"/>
-                    <a:pt x="10003" y="9571"/>
-                    <a:pt x="10000" y="9586"/>
-                  </a:cubicBezTo>
-                  <a:cubicBezTo>
-                    <a:pt x="9997" y="7194"/>
-                    <a:pt x="9993" y="4803"/>
-                    <a:pt x="9990" y="2411"/>
-                  </a:cubicBezTo>
-                  <a:lnTo>
-                    <a:pt x="9990" y="0"/>
-                  </a:lnTo>
-                  <a:lnTo>
-                    <a:pt x="9990" y="0"/>
-                  </a:lnTo>
-                  <a:lnTo>
-                    <a:pt x="9534" y="253"/>
-                  </a:lnTo>
-                  <a:lnTo>
-                    <a:pt x="9084" y="477"/>
-                  </a:lnTo>
-                  <a:lnTo>
-                    <a:pt x="8628" y="669"/>
-                  </a:lnTo>
-                  <a:lnTo>
-                    <a:pt x="8177" y="847"/>
-                  </a:lnTo>
-                  <a:lnTo>
-                    <a:pt x="7726" y="984"/>
-                  </a:lnTo>
-                  <a:lnTo>
-                    <a:pt x="7279" y="1087"/>
-                  </a:lnTo>
-                  <a:lnTo>
-                    <a:pt x="6832" y="1176"/>
-                  </a:lnTo>
-                  <a:lnTo>
-                    <a:pt x="6393" y="1236"/>
-                  </a:lnTo>
-                  <a:lnTo>
-                    <a:pt x="5962" y="1279"/>
-                  </a:lnTo>
-                  <a:lnTo>
-                    <a:pt x="5534" y="1294"/>
-                  </a:lnTo>
-                  <a:lnTo>
-                    <a:pt x="5120" y="1294"/>
-                  </a:lnTo>
-                  <a:lnTo>
-                    <a:pt x="4709" y="1294"/>
-                  </a:lnTo>
-                  <a:lnTo>
-                    <a:pt x="4311" y="1266"/>
-                  </a:lnTo>
-                  <a:lnTo>
-                    <a:pt x="3923" y="1221"/>
-                  </a:lnTo>
-                  <a:lnTo>
-                    <a:pt x="3548" y="1161"/>
-                  </a:lnTo>
-                  <a:lnTo>
-                    <a:pt x="3187" y="1101"/>
-                  </a:lnTo>
-                  <a:lnTo>
-                    <a:pt x="2840" y="1026"/>
-                  </a:lnTo>
-                  <a:lnTo>
-                    <a:pt x="2505" y="954"/>
-                  </a:lnTo>
-                  <a:lnTo>
-                    <a:pt x="2192" y="865"/>
-                  </a:lnTo>
-                  <a:lnTo>
-                    <a:pt x="1889" y="775"/>
-                  </a:lnTo>
-                  <a:lnTo>
-                    <a:pt x="1346" y="579"/>
-                  </a:lnTo>
-                  <a:lnTo>
-                    <a:pt x="882" y="400"/>
-                  </a:lnTo>
-                  <a:lnTo>
-                    <a:pt x="511" y="253"/>
-                  </a:lnTo>
-                  <a:lnTo>
-                    <a:pt x="234" y="118"/>
+                    <a:pt x="0" y="7970"/>
+                  </a:lnTo>
+                  <a:lnTo>
+                    <a:pt x="10000" y="8000"/>
+                  </a:lnTo>
+                  <a:lnTo>
+                    <a:pt x="10000" y="7"/>
+                  </a:lnTo>
+                  <a:lnTo>
+                    <a:pt x="10000" y="7"/>
+                  </a:lnTo>
+                  <a:lnTo>
+                    <a:pt x="9773" y="156"/>
+                  </a:lnTo>
+                  <a:lnTo>
+                    <a:pt x="9547" y="298"/>
+                  </a:lnTo>
+                  <a:lnTo>
+                    <a:pt x="9320" y="437"/>
+                  </a:lnTo>
+                  <a:lnTo>
+                    <a:pt x="9092" y="556"/>
+                  </a:lnTo>
+                  <a:lnTo>
+                    <a:pt x="8865" y="676"/>
+                  </a:lnTo>
+                  <a:lnTo>
+                    <a:pt x="8637" y="788"/>
+                  </a:lnTo>
+                  <a:lnTo>
+                    <a:pt x="8412" y="884"/>
+                  </a:lnTo>
+                  <a:lnTo>
+                    <a:pt x="8184" y="975"/>
+                  </a:lnTo>
+                  <a:lnTo>
+                    <a:pt x="7957" y="1058"/>
+                  </a:lnTo>
+                  <a:lnTo>
+                    <a:pt x="7734" y="1130"/>
+                  </a:lnTo>
+                  <a:lnTo>
+                    <a:pt x="7508" y="1202"/>
+                  </a:lnTo>
+                  <a:lnTo>
+                    <a:pt x="7285" y="1262"/>
+                  </a:lnTo>
+                  <a:lnTo>
+                    <a:pt x="7062" y="1309"/>
+                  </a:lnTo>
+                  <a:lnTo>
+                    <a:pt x="6840" y="1358"/>
+                  </a:lnTo>
+                  <a:lnTo>
+                    <a:pt x="6620" y="1399"/>
+                  </a:lnTo>
+                  <a:lnTo>
+                    <a:pt x="6402" y="1428"/>
+                  </a:lnTo>
+                  <a:lnTo>
+                    <a:pt x="6184" y="1453"/>
+                  </a:lnTo>
+                  <a:lnTo>
+                    <a:pt x="5968" y="1477"/>
+                  </a:lnTo>
+                  <a:lnTo>
+                    <a:pt x="5755" y="1488"/>
+                  </a:lnTo>
+                  <a:lnTo>
+                    <a:pt x="5542" y="1500"/>
+                  </a:lnTo>
+                  <a:lnTo>
+                    <a:pt x="5332" y="1506"/>
+                  </a:lnTo>
+                  <a:lnTo>
+                    <a:pt x="5124" y="1500"/>
+                  </a:lnTo>
+                  <a:lnTo>
+                    <a:pt x="4918" y="1500"/>
+                  </a:lnTo>
+                  <a:lnTo>
+                    <a:pt x="4714" y="1488"/>
+                  </a:lnTo>
+                  <a:lnTo>
+                    <a:pt x="4514" y="1470"/>
+                  </a:lnTo>
+                  <a:lnTo>
+                    <a:pt x="4316" y="1453"/>
+                  </a:lnTo>
+                  <a:lnTo>
+                    <a:pt x="4122" y="1434"/>
+                  </a:lnTo>
+                  <a:lnTo>
+                    <a:pt x="3929" y="1405"/>
+                  </a:lnTo>
+                  <a:lnTo>
+                    <a:pt x="3739" y="1374"/>
+                  </a:lnTo>
+                  <a:lnTo>
+                    <a:pt x="3553" y="1346"/>
+                  </a:lnTo>
+                  <a:lnTo>
+                    <a:pt x="3190" y="1267"/>
+                  </a:lnTo>
+                  <a:lnTo>
+                    <a:pt x="2842" y="1183"/>
+                  </a:lnTo>
+                  <a:lnTo>
+                    <a:pt x="2508" y="1095"/>
+                  </a:lnTo>
+                  <a:lnTo>
+                    <a:pt x="2192" y="998"/>
+                  </a:lnTo>
+                  <a:lnTo>
+                    <a:pt x="1890" y="897"/>
+                  </a:lnTo>
+                  <a:lnTo>
+                    <a:pt x="1610" y="788"/>
+                  </a:lnTo>
+                  <a:lnTo>
+                    <a:pt x="1347" y="681"/>
+                  </a:lnTo>
+                  <a:lnTo>
+                    <a:pt x="1105" y="574"/>
+                  </a:lnTo>
+                  <a:lnTo>
+                    <a:pt x="883" y="473"/>
+                  </a:lnTo>
+                  <a:lnTo>
+                    <a:pt x="686" y="377"/>
+                  </a:lnTo>
+                  <a:lnTo>
+                    <a:pt x="508" y="286"/>
+                  </a:lnTo>
+                  <a:lnTo>
+                    <a:pt x="358" y="210"/>
+                  </a:lnTo>
+                  <a:lnTo>
+                    <a:pt x="232" y="138"/>
+                  </a:lnTo>
+                  <a:lnTo>
+                    <a:pt x="59" y="35"/>
                   </a:lnTo>
                   <a:lnTo>
                     <a:pt x="0" y="0"/>
@@ -3625,7 +3327,7 @@
         </p:sp>
         <p:sp>
           <p:nvSpPr>
-            <p:cNvPr id="24" name="Freeform 5"/>
+            <p:cNvPr id="18" name="Freeform 5"/>
             <p:cNvSpPr>
               <a:spLocks noEditPoints="1"/>
             </p:cNvSpPr>
@@ -3633,8 +3335,8 @@
           </p:nvSpPr>
           <p:spPr bwMode="gray">
             <a:xfrm>
-              <a:off x="0" y="0"/>
-              <a:ext cx="9144000" cy="6858000"/>
+              <a:off x="0" y="1587"/>
+              <a:ext cx="12192000" cy="6856413"/>
             </a:xfrm>
             <a:custGeom>
               <a:avLst/>
@@ -3643,73 +3345,61 @@
               <a:cxnLst/>
               <a:rect l="0" t="0" r="r" b="b"/>
               <a:pathLst>
-                <a:path w="5760" h="4320">
+                <a:path w="15356" h="8638">
                   <a:moveTo>
                     <a:pt x="0" y="0"/>
                   </a:moveTo>
                   <a:lnTo>
-                    <a:pt x="0" y="4320"/>
-                  </a:lnTo>
-                  <a:lnTo>
-                    <a:pt x="5760" y="4320"/>
-                  </a:lnTo>
-                  <a:lnTo>
-                    <a:pt x="5760" y="0"/>
+                    <a:pt x="0" y="8638"/>
+                  </a:lnTo>
+                  <a:lnTo>
+                    <a:pt x="15356" y="8638"/>
+                  </a:lnTo>
+                  <a:lnTo>
+                    <a:pt x="15356" y="0"/>
                   </a:lnTo>
                   <a:lnTo>
                     <a:pt x="0" y="0"/>
                   </a:lnTo>
                   <a:close/>
                   <a:moveTo>
-                    <a:pt x="5444" y="4004"/>
+                    <a:pt x="14748" y="8038"/>
                   </a:moveTo>
                   <a:lnTo>
-                    <a:pt x="324" y="4004"/>
-                  </a:lnTo>
-                  <a:lnTo>
-                    <a:pt x="324" y="324"/>
-                  </a:lnTo>
-                  <a:lnTo>
-                    <a:pt x="5444" y="324"/>
-                  </a:lnTo>
-                  <a:lnTo>
-                    <a:pt x="5444" y="4004"/>
+                    <a:pt x="600" y="8038"/>
+                  </a:lnTo>
+                  <a:lnTo>
+                    <a:pt x="600" y="592"/>
+                  </a:lnTo>
+                  <a:lnTo>
+                    <a:pt x="14748" y="592"/>
+                  </a:lnTo>
+                  <a:lnTo>
+                    <a:pt x="14748" y="8038"/>
                   </a:lnTo>
                   <a:close/>
                 </a:path>
               </a:pathLst>
             </a:custGeom>
             <a:solidFill>
-              <a:srgbClr val="FFFFFF"/>
+              <a:schemeClr val="bg1"/>
             </a:solidFill>
             <a:ln>
               <a:noFill/>
             </a:ln>
-            <a:extLst>
-              <a:ext uri="{91240B29-F687-4f45-9708-019B960494DF}">
-                <a14:hiddenLine xmlns:a14="http://schemas.microsoft.com/office/drawing/2010/main" xmlns="" w="9525">
-                  <a:solidFill>
-                    <a:srgbClr val="000000"/>
-                  </a:solidFill>
-                  <a:round/>
-                  <a:headEnd/>
-                  <a:tailEnd/>
-                </a14:hiddenLine>
-              </a:ext>
-            </a:extLst>
           </p:spPr>
         </p:sp>
       </p:grpSp>
       <p:sp>
         <p:nvSpPr>
-          <p:cNvPr id="23" name="TextBox 22"/>
+          <p:cNvPr id="16" name="TextBox 15"/>
           <p:cNvSpPr txBox="1"/>
           <p:nvPr/>
         </p:nvSpPr>
         <p:spPr bwMode="gray">
           <a:xfrm>
-            <a:off x="647430" y="651690"/>
-            <a:ext cx="601591" cy="1323439"/>
+            <a:off x="881566" y="607336"/>
+            <a:ext cx="801912" cy="1569660"/>
           </a:xfrm>
           <a:prstGeom prst="rect">
             <a:avLst/>
@@ -3724,7 +3414,7 @@
           <a:p>
             <a:pPr algn="r"/>
             <a:r>
-              <a:rPr lang="en-US" sz="8000" b="0" i="0" dirty="0">
+              <a:rPr lang="en-US" sz="9600" b="0" i="0" dirty="0">
                 <a:solidFill>
                   <a:schemeClr val="accent1">
                     <a:lumMod val="60000"/>
@@ -3741,14 +3431,14 @@
       </p:sp>
       <p:sp>
         <p:nvSpPr>
-          <p:cNvPr id="14" name="TextBox 13"/>
+          <p:cNvPr id="13" name="TextBox 12"/>
           <p:cNvSpPr txBox="1"/>
           <p:nvPr/>
         </p:nvSpPr>
         <p:spPr bwMode="gray">
           <a:xfrm>
-            <a:off x="7069418" y="2900292"/>
-            <a:ext cx="619063" cy="1323439"/>
+            <a:off x="9884458" y="2613787"/>
+            <a:ext cx="652763" cy="1569660"/>
           </a:xfrm>
           <a:prstGeom prst="rect">
             <a:avLst/>
@@ -3763,7 +3453,7 @@
           <a:p>
             <a:pPr algn="r"/>
             <a:r>
-              <a:rPr lang="en-US" sz="8000" b="0" i="0" dirty="0">
+              <a:rPr lang="en-US" sz="9600" b="0" i="0" dirty="0">
                 <a:solidFill>
                   <a:schemeClr val="accent1">
                     <a:lumMod val="60000"/>
@@ -3790,15 +3480,15 @@
         </p:nvSpPr>
         <p:spPr>
           <a:xfrm>
-            <a:off x="1128060" y="927099"/>
-            <a:ext cx="6160385" cy="2882179"/>
+            <a:off x="1581878" y="982134"/>
+            <a:ext cx="8453906" cy="2696632"/>
           </a:xfrm>
         </p:spPr>
         <p:txBody>
-          <a:bodyPr anchor="ctr"/>
+          <a:bodyPr/>
           <a:lstStyle>
             <a:lvl1pPr>
-              <a:defRPr sz="3600"/>
+              <a:defRPr sz="4000"/>
             </a:lvl1pPr>
           </a:lstStyle>
           <a:p>
@@ -3812,7 +3502,7 @@
       </p:sp>
       <p:sp>
         <p:nvSpPr>
-          <p:cNvPr id="17" name="Text Placeholder 3"/>
+          <p:cNvPr id="14" name="Text Placeholder 3"/>
           <p:cNvSpPr>
             <a:spLocks noGrp="1"/>
           </p:cNvSpPr>
@@ -3822,12 +3512,12 @@
         </p:nvSpPr>
         <p:spPr bwMode="gray">
           <a:xfrm>
-            <a:off x="1387278" y="3809278"/>
-            <a:ext cx="5646143" cy="333113"/>
+            <a:off x="1945945" y="3678766"/>
+            <a:ext cx="7731219" cy="342174"/>
           </a:xfrm>
         </p:spPr>
         <p:txBody>
-          <a:bodyPr>
+          <a:bodyPr anchor="t">
             <a:normAutofit/>
           </a:bodyPr>
           <a:lstStyle>
@@ -3888,7 +3578,7 @@
       </p:sp>
       <p:sp>
         <p:nvSpPr>
-          <p:cNvPr id="16" name="Text Placeholder 3"/>
+          <p:cNvPr id="10" name="Text Placeholder 3"/>
           <p:cNvSpPr>
             <a:spLocks noGrp="1"/>
           </p:cNvSpPr>
@@ -3898,8 +3588,8 @@
         </p:nvSpPr>
         <p:spPr>
           <a:xfrm>
-            <a:off x="866440" y="5000816"/>
-            <a:ext cx="6343673" cy="1010619"/>
+            <a:off x="1154954" y="5029199"/>
+            <a:ext cx="9244897" cy="997857"/>
           </a:xfrm>
         </p:spPr>
         <p:txBody>
@@ -3909,7 +3599,7 @@
           <a:lstStyle>
             <a:lvl1pPr marL="0" indent="0">
               <a:buNone/>
-              <a:defRPr sz="1800"/>
+              <a:defRPr sz="1400"/>
             </a:lvl1pPr>
             <a:lvl2pPr marL="457200" indent="0">
               <a:buNone/>
@@ -3970,7 +3660,7 @@
           <a:p>
             <a:fld id="{5BCAD085-E8A6-8845-BD4E-CB4CCA059FC4}" type="datetimeFigureOut">
               <a:rPr lang="en-US" smtClean="0"/>
-              <a:t>3/11/2023</a:t>
+              <a:t>4/11/2023</a:t>
             </a:fld>
             <a:endParaRPr lang="en-US"/>
           </a:p>
@@ -3997,14 +3687,14 @@
       </p:sp>
       <p:sp>
         <p:nvSpPr>
-          <p:cNvPr id="9" name="Rectangle 8"/>
+          <p:cNvPr id="19" name="Rectangle 18"/>
           <p:cNvSpPr/>
           <p:nvPr/>
         </p:nvSpPr>
         <p:spPr>
           <a:xfrm>
-            <a:off x="7745644" y="0"/>
-            <a:ext cx="685800" cy="1099458"/>
+            <a:off x="10437812" y="0"/>
+            <a:ext cx="685800" cy="1143000"/>
           </a:xfrm>
           <a:prstGeom prst="rect">
             <a:avLst/>
@@ -4041,22 +3731,10 @@
             <p:ph type="sldNum" sz="quarter" idx="12"/>
           </p:nvPr>
         </p:nvSpPr>
-        <p:spPr>
-          <a:xfrm>
-            <a:off x="7678616" y="295730"/>
-            <a:ext cx="791308" cy="767687"/>
-          </a:xfrm>
-          <a:prstGeom prst="rect">
-            <a:avLst/>
-          </a:prstGeom>
-        </p:spPr>
+        <p:spPr/>
         <p:txBody>
           <a:bodyPr/>
-          <a:lstStyle>
-            <a:lvl1pPr algn="ctr">
-              <a:defRPr sz="2800"/>
-            </a:lvl1pPr>
-          </a:lstStyle>
+          <a:lstStyle/>
           <a:p>
             <a:fld id="{C1FF6DA9-008F-8B48-92A6-B652298478BF}" type="slidenum">
               <a:rPr lang="en-US" smtClean="0"/>
@@ -4069,7 +3747,7 @@
     </p:spTree>
     <p:extLst>
       <p:ext uri="{BB962C8B-B14F-4D97-AF65-F5344CB8AC3E}">
-        <p14:creationId xmlns:p14="http://schemas.microsoft.com/office/powerpoint/2010/main" val="2184697788"/>
+        <p14:creationId xmlns:p14="http://schemas.microsoft.com/office/powerpoint/2010/main" val="3337695314"/>
       </p:ext>
     </p:extLst>
   </p:cSld>
@@ -4104,22 +3782,22 @@
         </p:nvGrpSpPr>
         <p:grpSpPr>
           <a:xfrm>
-            <a:off x="-1588" y="0"/>
-            <a:ext cx="9145588" cy="6860798"/>
-            <a:chOff x="-1588" y="0"/>
-            <a:chExt cx="9145588" cy="6860798"/>
+            <a:off x="0" y="0"/>
+            <a:ext cx="12192000" cy="6858000"/>
+            <a:chOff x="0" y="0"/>
+            <a:chExt cx="12192000" cy="6858000"/>
           </a:xfrm>
         </p:grpSpPr>
         <p:sp>
           <p:nvSpPr>
-            <p:cNvPr id="10" name="Rectangle 9"/>
+            <p:cNvPr id="11" name="Rectangle 10"/>
             <p:cNvSpPr/>
             <p:nvPr/>
           </p:nvSpPr>
           <p:spPr>
             <a:xfrm>
               <a:off x="0" y="0"/>
-              <a:ext cx="9118832" cy="6858000"/>
+              <a:ext cx="12192000" cy="6858000"/>
             </a:xfrm>
             <a:prstGeom prst="rect">
               <a:avLst/>
@@ -4140,9 +3818,8 @@
                   </a:schemeClr>
                 </a:duotone>
               </a:blip>
-              <a:srcRect/>
               <a:stretch>
-                <a:fillRect l="-16713" r="-16989"/>
+                <a:fillRect/>
               </a:stretch>
             </a:blipFill>
             <a:ln>
@@ -4168,7 +3845,64 @@
         </p:sp>
         <p:sp>
           <p:nvSpPr>
-            <p:cNvPr id="11" name="Oval 10"/>
+            <p:cNvPr id="15" name="Oval 14"/>
+            <p:cNvSpPr/>
+            <p:nvPr/>
+          </p:nvSpPr>
+          <p:spPr>
+            <a:xfrm>
+              <a:off x="0" y="2667000"/>
+              <a:ext cx="4191000" cy="4191000"/>
+            </a:xfrm>
+            <a:prstGeom prst="ellipse">
+              <a:avLst/>
+            </a:prstGeom>
+            <a:gradFill flip="none" rotWithShape="1">
+              <a:gsLst>
+                <a:gs pos="0">
+                  <a:schemeClr val="accent5">
+                    <a:alpha val="11000"/>
+                  </a:schemeClr>
+                </a:gs>
+                <a:gs pos="75000">
+                  <a:schemeClr val="accent5">
+                    <a:alpha val="0"/>
+                  </a:schemeClr>
+                </a:gs>
+                <a:gs pos="36000">
+                  <a:schemeClr val="accent5">
+                    <a:alpha val="10000"/>
+                  </a:schemeClr>
+                </a:gs>
+              </a:gsLst>
+              <a:path path="circle">
+                <a:fillToRect l="50000" t="50000" r="50000" b="50000"/>
+              </a:path>
+              <a:tileRect/>
+            </a:gradFill>
+            <a:ln>
+              <a:noFill/>
+            </a:ln>
+            <a:effectLst/>
+          </p:spPr>
+          <p:style>
+            <a:lnRef idx="1">
+              <a:schemeClr val="accent1"/>
+            </a:lnRef>
+            <a:fillRef idx="3">
+              <a:schemeClr val="accent1"/>
+            </a:fillRef>
+            <a:effectRef idx="2">
+              <a:schemeClr val="accent1"/>
+            </a:effectRef>
+            <a:fontRef idx="minor">
+              <a:schemeClr val="lt1"/>
+            </a:fontRef>
+          </p:style>
+        </p:sp>
+        <p:sp>
+          <p:nvSpPr>
+            <p:cNvPr id="16" name="Oval 15"/>
             <p:cNvSpPr/>
             <p:nvPr/>
           </p:nvSpPr>
@@ -4225,14 +3959,14 @@
         </p:sp>
         <p:sp>
           <p:nvSpPr>
-            <p:cNvPr id="12" name="Oval 11"/>
+            <p:cNvPr id="17" name="Oval 16"/>
             <p:cNvSpPr/>
             <p:nvPr/>
           </p:nvSpPr>
           <p:spPr>
             <a:xfrm>
-              <a:off x="6299432" y="1676400"/>
-              <a:ext cx="2819400" cy="2819400"/>
+              <a:off x="8609012" y="5867400"/>
+              <a:ext cx="990600" cy="990600"/>
             </a:xfrm>
             <a:prstGeom prst="ellipse">
               <a:avLst/>
@@ -4241,17 +3975,17 @@
               <a:gsLst>
                 <a:gs pos="0">
                   <a:schemeClr val="accent5">
-                    <a:alpha val="7000"/>
+                    <a:alpha val="14000"/>
                   </a:schemeClr>
                 </a:gs>
-                <a:gs pos="69000">
+                <a:gs pos="66000">
                   <a:schemeClr val="accent5">
                     <a:alpha val="0"/>
                   </a:schemeClr>
                 </a:gs>
                 <a:gs pos="36000">
                   <a:schemeClr val="accent5">
-                    <a:alpha val="6000"/>
+                    <a:alpha val="7000"/>
                   </a:schemeClr>
                 </a:gs>
               </a:gsLst>
@@ -4282,14 +4016,14 @@
         </p:sp>
         <p:sp>
           <p:nvSpPr>
-            <p:cNvPr id="13" name="Oval 12"/>
+            <p:cNvPr id="18" name="Oval 17"/>
             <p:cNvSpPr/>
             <p:nvPr/>
           </p:nvSpPr>
           <p:spPr>
             <a:xfrm>
-              <a:off x="5689832" y="0"/>
-              <a:ext cx="1600200" cy="1600200"/>
+              <a:off x="8609012" y="1676400"/>
+              <a:ext cx="2819400" cy="2819400"/>
             </a:xfrm>
             <a:prstGeom prst="ellipse">
               <a:avLst/>
@@ -4298,17 +4032,17 @@
               <a:gsLst>
                 <a:gs pos="0">
                   <a:schemeClr val="accent5">
-                    <a:alpha val="14000"/>
+                    <a:alpha val="7000"/>
                   </a:schemeClr>
                 </a:gs>
-                <a:gs pos="73000">
+                <a:gs pos="69000">
                   <a:schemeClr val="accent5">
                     <a:alpha val="0"/>
                   </a:schemeClr>
                 </a:gs>
                 <a:gs pos="36000">
                   <a:schemeClr val="accent5">
-                    <a:alpha val="7000"/>
+                    <a:alpha val="6000"/>
                   </a:schemeClr>
                 </a:gs>
               </a:gsLst>
@@ -4339,14 +4073,14 @@
         </p:sp>
         <p:sp>
           <p:nvSpPr>
-            <p:cNvPr id="14" name="Oval 13"/>
+            <p:cNvPr id="19" name="Oval 18"/>
             <p:cNvSpPr/>
             <p:nvPr/>
           </p:nvSpPr>
           <p:spPr>
             <a:xfrm>
-              <a:off x="6299432" y="5870198"/>
-              <a:ext cx="990600" cy="990600"/>
+              <a:off x="7999412" y="8464"/>
+              <a:ext cx="1600200" cy="1600200"/>
             </a:xfrm>
             <a:prstGeom prst="ellipse">
               <a:avLst/>
@@ -4358,7 +4092,7 @@
                     <a:alpha val="14000"/>
                   </a:schemeClr>
                 </a:gs>
-                <a:gs pos="66000">
+                <a:gs pos="73000">
                   <a:schemeClr val="accent5">
                     <a:alpha val="0"/>
                   </a:schemeClr>
@@ -4396,71 +4130,14 @@
         </p:sp>
         <p:sp>
           <p:nvSpPr>
-            <p:cNvPr id="15" name="Oval 14"/>
-            <p:cNvSpPr/>
-            <p:nvPr/>
-          </p:nvSpPr>
-          <p:spPr>
-            <a:xfrm>
-              <a:off x="-1588" y="2667000"/>
-              <a:ext cx="4191000" cy="4191000"/>
-            </a:xfrm>
-            <a:prstGeom prst="ellipse">
-              <a:avLst/>
-            </a:prstGeom>
-            <a:gradFill flip="none" rotWithShape="1">
-              <a:gsLst>
-                <a:gs pos="0">
-                  <a:schemeClr val="accent5">
-                    <a:alpha val="11000"/>
-                  </a:schemeClr>
-                </a:gs>
-                <a:gs pos="75000">
-                  <a:schemeClr val="accent5">
-                    <a:alpha val="0"/>
-                  </a:schemeClr>
-                </a:gs>
-                <a:gs pos="36000">
-                  <a:schemeClr val="accent5">
-                    <a:alpha val="10000"/>
-                  </a:schemeClr>
-                </a:gs>
-              </a:gsLst>
-              <a:path path="circle">
-                <a:fillToRect l="50000" t="50000" r="50000" b="50000"/>
-              </a:path>
-              <a:tileRect/>
-            </a:gradFill>
-            <a:ln>
-              <a:noFill/>
-            </a:ln>
-            <a:effectLst/>
-          </p:spPr>
-          <p:style>
-            <a:lnRef idx="1">
-              <a:schemeClr val="accent1"/>
-            </a:lnRef>
-            <a:fillRef idx="3">
-              <a:schemeClr val="accent1"/>
-            </a:fillRef>
-            <a:effectRef idx="2">
-              <a:schemeClr val="accent1"/>
-            </a:effectRef>
-            <a:fontRef idx="minor">
-              <a:schemeClr val="lt1"/>
-            </a:fontRef>
-          </p:style>
-        </p:sp>
-        <p:sp>
-          <p:nvSpPr>
-            <p:cNvPr id="16" name="Freeform 5"/>
+            <p:cNvPr id="13" name="Freeform 5"/>
             <p:cNvSpPr/>
             <p:nvPr/>
           </p:nvSpPr>
           <p:spPr bwMode="gray">
             <a:xfrm rot="21010068">
-              <a:off x="6359946" y="4311243"/>
-              <a:ext cx="2377690" cy="317748"/>
+              <a:off x="8490951" y="4193583"/>
+              <a:ext cx="3299407" cy="440924"/>
             </a:xfrm>
             <a:custGeom>
               <a:avLst/>
@@ -4600,14 +4277,14 @@
         </p:sp>
         <p:sp>
           <p:nvSpPr>
-            <p:cNvPr id="8" name="Freeform 7"/>
+            <p:cNvPr id="8" name="Freeform 5"/>
             <p:cNvSpPr/>
             <p:nvPr/>
           </p:nvSpPr>
           <p:spPr bwMode="gray">
             <a:xfrm>
-              <a:off x="485023" y="4381500"/>
-              <a:ext cx="8182128" cy="2130508"/>
+              <a:off x="455612" y="4241801"/>
+              <a:ext cx="11277600" cy="2337161"/>
             </a:xfrm>
             <a:custGeom>
               <a:avLst/>
@@ -4616,109 +4293,153 @@
               <a:cxnLst/>
               <a:rect l="l" t="t" r="r" b="b"/>
               <a:pathLst>
-                <a:path w="10000" h="9621">
+                <a:path w="10000" h="8000">
                   <a:moveTo>
                     <a:pt x="0" y="0"/>
                   </a:moveTo>
                   <a:lnTo>
-                    <a:pt x="0" y="2411"/>
-                  </a:lnTo>
-                  <a:lnTo>
-                    <a:pt x="0" y="9586"/>
-                  </a:lnTo>
-                  <a:lnTo>
-                    <a:pt x="0" y="9621"/>
-                  </a:lnTo>
-                  <a:lnTo>
-                    <a:pt x="10000" y="9585"/>
-                  </a:lnTo>
-                  <a:cubicBezTo>
-                    <a:pt x="9997" y="8144"/>
-                    <a:pt x="10003" y="9571"/>
-                    <a:pt x="10000" y="9586"/>
-                  </a:cubicBezTo>
-                  <a:cubicBezTo>
-                    <a:pt x="9997" y="7194"/>
-                    <a:pt x="9993" y="4803"/>
-                    <a:pt x="9990" y="2411"/>
-                  </a:cubicBezTo>
-                  <a:lnTo>
-                    <a:pt x="9990" y="0"/>
-                  </a:lnTo>
-                  <a:lnTo>
-                    <a:pt x="9990" y="0"/>
-                  </a:lnTo>
-                  <a:lnTo>
-                    <a:pt x="9534" y="253"/>
-                  </a:lnTo>
-                  <a:lnTo>
-                    <a:pt x="9084" y="477"/>
-                  </a:lnTo>
-                  <a:lnTo>
-                    <a:pt x="8628" y="669"/>
-                  </a:lnTo>
-                  <a:lnTo>
-                    <a:pt x="8177" y="847"/>
-                  </a:lnTo>
-                  <a:lnTo>
-                    <a:pt x="7726" y="984"/>
-                  </a:lnTo>
-                  <a:lnTo>
-                    <a:pt x="7279" y="1087"/>
-                  </a:lnTo>
-                  <a:lnTo>
-                    <a:pt x="6832" y="1176"/>
-                  </a:lnTo>
-                  <a:lnTo>
-                    <a:pt x="6393" y="1236"/>
-                  </a:lnTo>
-                  <a:lnTo>
-                    <a:pt x="5962" y="1279"/>
-                  </a:lnTo>
-                  <a:lnTo>
-                    <a:pt x="5534" y="1294"/>
-                  </a:lnTo>
-                  <a:lnTo>
-                    <a:pt x="5120" y="1294"/>
-                  </a:lnTo>
-                  <a:lnTo>
-                    <a:pt x="4709" y="1294"/>
-                  </a:lnTo>
-                  <a:lnTo>
-                    <a:pt x="4311" y="1266"/>
-                  </a:lnTo>
-                  <a:lnTo>
-                    <a:pt x="3923" y="1221"/>
-                  </a:lnTo>
-                  <a:lnTo>
-                    <a:pt x="3548" y="1161"/>
-                  </a:lnTo>
-                  <a:lnTo>
-                    <a:pt x="3187" y="1101"/>
-                  </a:lnTo>
-                  <a:lnTo>
-                    <a:pt x="2840" y="1026"/>
-                  </a:lnTo>
-                  <a:lnTo>
-                    <a:pt x="2505" y="954"/>
-                  </a:lnTo>
-                  <a:lnTo>
-                    <a:pt x="2192" y="865"/>
-                  </a:lnTo>
-                  <a:lnTo>
-                    <a:pt x="1889" y="775"/>
-                  </a:lnTo>
-                  <a:lnTo>
-                    <a:pt x="1346" y="579"/>
-                  </a:lnTo>
-                  <a:lnTo>
-                    <a:pt x="882" y="400"/>
-                  </a:lnTo>
-                  <a:lnTo>
-                    <a:pt x="511" y="253"/>
-                  </a:lnTo>
-                  <a:lnTo>
-                    <a:pt x="234" y="118"/>
+                    <a:pt x="0" y="7970"/>
+                  </a:lnTo>
+                  <a:lnTo>
+                    <a:pt x="10000" y="8000"/>
+                  </a:lnTo>
+                  <a:lnTo>
+                    <a:pt x="10000" y="7"/>
+                  </a:lnTo>
+                  <a:lnTo>
+                    <a:pt x="10000" y="7"/>
+                  </a:lnTo>
+                  <a:lnTo>
+                    <a:pt x="9773" y="156"/>
+                  </a:lnTo>
+                  <a:lnTo>
+                    <a:pt x="9547" y="298"/>
+                  </a:lnTo>
+                  <a:lnTo>
+                    <a:pt x="9320" y="437"/>
+                  </a:lnTo>
+                  <a:lnTo>
+                    <a:pt x="9092" y="556"/>
+                  </a:lnTo>
+                  <a:lnTo>
+                    <a:pt x="8865" y="676"/>
+                  </a:lnTo>
+                  <a:lnTo>
+                    <a:pt x="8637" y="788"/>
+                  </a:lnTo>
+                  <a:lnTo>
+                    <a:pt x="8412" y="884"/>
+                  </a:lnTo>
+                  <a:lnTo>
+                    <a:pt x="8184" y="975"/>
+                  </a:lnTo>
+                  <a:lnTo>
+                    <a:pt x="7957" y="1058"/>
+                  </a:lnTo>
+                  <a:lnTo>
+                    <a:pt x="7734" y="1130"/>
+                  </a:lnTo>
+                  <a:lnTo>
+                    <a:pt x="7508" y="1202"/>
+                  </a:lnTo>
+                  <a:lnTo>
+                    <a:pt x="7285" y="1262"/>
+                  </a:lnTo>
+                  <a:lnTo>
+                    <a:pt x="7062" y="1309"/>
+                  </a:lnTo>
+                  <a:lnTo>
+                    <a:pt x="6840" y="1358"/>
+                  </a:lnTo>
+                  <a:lnTo>
+                    <a:pt x="6620" y="1399"/>
+                  </a:lnTo>
+                  <a:lnTo>
+                    <a:pt x="6402" y="1428"/>
+                  </a:lnTo>
+                  <a:lnTo>
+                    <a:pt x="6184" y="1453"/>
+                  </a:lnTo>
+                  <a:lnTo>
+                    <a:pt x="5968" y="1477"/>
+                  </a:lnTo>
+                  <a:lnTo>
+                    <a:pt x="5755" y="1488"/>
+                  </a:lnTo>
+                  <a:lnTo>
+                    <a:pt x="5542" y="1500"/>
+                  </a:lnTo>
+                  <a:lnTo>
+                    <a:pt x="5332" y="1506"/>
+                  </a:lnTo>
+                  <a:lnTo>
+                    <a:pt x="5124" y="1500"/>
+                  </a:lnTo>
+                  <a:lnTo>
+                    <a:pt x="4918" y="1500"/>
+                  </a:lnTo>
+                  <a:lnTo>
+                    <a:pt x="4714" y="1488"/>
+                  </a:lnTo>
+                  <a:lnTo>
+                    <a:pt x="4514" y="1470"/>
+                  </a:lnTo>
+                  <a:lnTo>
+                    <a:pt x="4316" y="1453"/>
+                  </a:lnTo>
+                  <a:lnTo>
+                    <a:pt x="4122" y="1434"/>
+                  </a:lnTo>
+                  <a:lnTo>
+                    <a:pt x="3929" y="1405"/>
+                  </a:lnTo>
+                  <a:lnTo>
+                    <a:pt x="3739" y="1374"/>
+                  </a:lnTo>
+                  <a:lnTo>
+                    <a:pt x="3553" y="1346"/>
+                  </a:lnTo>
+                  <a:lnTo>
+                    <a:pt x="3190" y="1267"/>
+                  </a:lnTo>
+                  <a:lnTo>
+                    <a:pt x="2842" y="1183"/>
+                  </a:lnTo>
+                  <a:lnTo>
+                    <a:pt x="2508" y="1095"/>
+                  </a:lnTo>
+                  <a:lnTo>
+                    <a:pt x="2192" y="998"/>
+                  </a:lnTo>
+                  <a:lnTo>
+                    <a:pt x="1890" y="897"/>
+                  </a:lnTo>
+                  <a:lnTo>
+                    <a:pt x="1610" y="788"/>
+                  </a:lnTo>
+                  <a:lnTo>
+                    <a:pt x="1347" y="681"/>
+                  </a:lnTo>
+                  <a:lnTo>
+                    <a:pt x="1105" y="574"/>
+                  </a:lnTo>
+                  <a:lnTo>
+                    <a:pt x="883" y="473"/>
+                  </a:lnTo>
+                  <a:lnTo>
+                    <a:pt x="686" y="377"/>
+                  </a:lnTo>
+                  <a:lnTo>
+                    <a:pt x="508" y="286"/>
+                  </a:lnTo>
+                  <a:lnTo>
+                    <a:pt x="358" y="210"/>
+                  </a:lnTo>
+                  <a:lnTo>
+                    <a:pt x="232" y="138"/>
+                  </a:lnTo>
+                  <a:lnTo>
+                    <a:pt x="59" y="35"/>
                   </a:lnTo>
                   <a:lnTo>
                     <a:pt x="0" y="0"/>
@@ -4740,7 +4461,7 @@
         </p:sp>
         <p:sp>
           <p:nvSpPr>
-            <p:cNvPr id="17" name="Freeform 5"/>
+            <p:cNvPr id="12" name="Freeform 5"/>
             <p:cNvSpPr>
               <a:spLocks noEditPoints="1"/>
             </p:cNvSpPr>
@@ -4748,8 +4469,8 @@
           </p:nvSpPr>
           <p:spPr bwMode="gray">
             <a:xfrm>
-              <a:off x="0" y="0"/>
-              <a:ext cx="9144000" cy="6858000"/>
+              <a:off x="0" y="1587"/>
+              <a:ext cx="12192000" cy="6856413"/>
             </a:xfrm>
             <a:custGeom>
               <a:avLst/>
@@ -4758,60 +4479,48 @@
               <a:cxnLst/>
               <a:rect l="0" t="0" r="r" b="b"/>
               <a:pathLst>
-                <a:path w="5760" h="4320">
+                <a:path w="15356" h="8638">
                   <a:moveTo>
                     <a:pt x="0" y="0"/>
                   </a:moveTo>
                   <a:lnTo>
-                    <a:pt x="0" y="4320"/>
-                  </a:lnTo>
-                  <a:lnTo>
-                    <a:pt x="5760" y="4320"/>
-                  </a:lnTo>
-                  <a:lnTo>
-                    <a:pt x="5760" y="0"/>
+                    <a:pt x="0" y="8638"/>
+                  </a:lnTo>
+                  <a:lnTo>
+                    <a:pt x="15356" y="8638"/>
+                  </a:lnTo>
+                  <a:lnTo>
+                    <a:pt x="15356" y="0"/>
                   </a:lnTo>
                   <a:lnTo>
                     <a:pt x="0" y="0"/>
                   </a:lnTo>
                   <a:close/>
                   <a:moveTo>
-                    <a:pt x="5444" y="4004"/>
+                    <a:pt x="14748" y="8038"/>
                   </a:moveTo>
                   <a:lnTo>
-                    <a:pt x="324" y="4004"/>
-                  </a:lnTo>
-                  <a:lnTo>
-                    <a:pt x="324" y="324"/>
-                  </a:lnTo>
-                  <a:lnTo>
-                    <a:pt x="5444" y="324"/>
-                  </a:lnTo>
-                  <a:lnTo>
-                    <a:pt x="5444" y="4004"/>
+                    <a:pt x="600" y="8038"/>
+                  </a:lnTo>
+                  <a:lnTo>
+                    <a:pt x="600" y="592"/>
+                  </a:lnTo>
+                  <a:lnTo>
+                    <a:pt x="14748" y="592"/>
+                  </a:lnTo>
+                  <a:lnTo>
+                    <a:pt x="14748" y="8038"/>
                   </a:lnTo>
                   <a:close/>
                 </a:path>
               </a:pathLst>
             </a:custGeom>
             <a:solidFill>
-              <a:srgbClr val="FFFFFF"/>
+              <a:schemeClr val="bg1"/>
             </a:solidFill>
             <a:ln>
               <a:noFill/>
             </a:ln>
-            <a:extLst>
-              <a:ext uri="{91240B29-F687-4f45-9708-019B960494DF}">
-                <a14:hiddenLine xmlns:a14="http://schemas.microsoft.com/office/drawing/2010/main" xmlns="" w="9525">
-                  <a:solidFill>
-                    <a:srgbClr val="000000"/>
-                  </a:solidFill>
-                  <a:round/>
-                  <a:headEnd/>
-                  <a:tailEnd/>
-                </a14:hiddenLine>
-              </a:ext>
-            </a:extLst>
           </p:spPr>
         </p:sp>
       </p:grpSp>
@@ -4827,8 +4536,8 @@
         </p:nvSpPr>
         <p:spPr>
           <a:xfrm>
-            <a:off x="866440" y="2057400"/>
-            <a:ext cx="6422005" cy="2095500"/>
+            <a:off x="1154954" y="2370667"/>
+            <a:ext cx="8825660" cy="1822514"/>
           </a:xfrm>
         </p:spPr>
         <p:txBody>
@@ -4859,8 +4568,8 @@
         </p:nvSpPr>
         <p:spPr>
           <a:xfrm>
-            <a:off x="866441" y="5024908"/>
-            <a:ext cx="6422004" cy="994891"/>
+            <a:off x="1154954" y="5024967"/>
+            <a:ext cx="8825659" cy="860400"/>
           </a:xfrm>
         </p:spPr>
         <p:txBody>
@@ -4984,7 +4693,7 @@
           <a:p>
             <a:fld id="{5BCAD085-E8A6-8845-BD4E-CB4CCA059FC4}" type="datetimeFigureOut">
               <a:rPr lang="en-US" smtClean="0"/>
-              <a:t>3/11/2023</a:t>
+              <a:t>4/11/2023</a:t>
             </a:fld>
             <a:endParaRPr lang="en-US"/>
           </a:p>
@@ -5011,14 +4720,14 @@
       </p:sp>
       <p:sp>
         <p:nvSpPr>
-          <p:cNvPr id="7" name="Rectangle 6"/>
+          <p:cNvPr id="14" name="Rectangle 13"/>
           <p:cNvSpPr/>
           <p:nvPr/>
         </p:nvSpPr>
         <p:spPr>
           <a:xfrm>
-            <a:off x="7745644" y="0"/>
-            <a:ext cx="685800" cy="1099458"/>
+            <a:off x="10437812" y="0"/>
+            <a:ext cx="685800" cy="1143000"/>
           </a:xfrm>
           <a:prstGeom prst="rect">
             <a:avLst/>
@@ -5055,22 +4764,10 @@
             <p:ph type="sldNum" sz="quarter" idx="12"/>
           </p:nvPr>
         </p:nvSpPr>
-        <p:spPr>
-          <a:xfrm>
-            <a:off x="7678616" y="295730"/>
-            <a:ext cx="791308" cy="767687"/>
-          </a:xfrm>
-          <a:prstGeom prst="rect">
-            <a:avLst/>
-          </a:prstGeom>
-        </p:spPr>
+        <p:spPr/>
         <p:txBody>
           <a:bodyPr/>
-          <a:lstStyle>
-            <a:lvl1pPr algn="ctr">
-              <a:defRPr sz="2800"/>
-            </a:lvl1pPr>
-          </a:lstStyle>
+          <a:lstStyle/>
           <a:p>
             <a:fld id="{C1FF6DA9-008F-8B48-92A6-B652298478BF}" type="slidenum">
               <a:rPr lang="en-US" smtClean="0"/>
@@ -5083,7 +4780,7 @@
     </p:spTree>
     <p:extLst>
       <p:ext uri="{BB962C8B-B14F-4D97-AF65-F5344CB8AC3E}">
-        <p14:creationId xmlns:p14="http://schemas.microsoft.com/office/powerpoint/2010/main" val="2288183495"/>
+        <p14:creationId xmlns:p14="http://schemas.microsoft.com/office/powerpoint/2010/main" val="2324489386"/>
       </p:ext>
     </p:extLst>
   </p:cSld>
@@ -5122,15 +4819,15 @@
         </p:nvSpPr>
         <p:spPr>
           <a:xfrm>
-            <a:off x="866440" y="927100"/>
-            <a:ext cx="6423593" cy="709864"/>
+            <a:off x="1154954" y="973668"/>
+            <a:ext cx="8825659" cy="706964"/>
           </a:xfrm>
         </p:spPr>
         <p:txBody>
           <a:bodyPr/>
           <a:lstStyle>
             <a:lvl1pPr>
-              <a:defRPr sz="3200"/>
+              <a:defRPr sz="3600"/>
             </a:lvl1pPr>
           </a:lstStyle>
           <a:p>
@@ -5154,8 +4851,8 @@
         </p:nvSpPr>
         <p:spPr>
           <a:xfrm>
-            <a:off x="866440" y="2489200"/>
-            <a:ext cx="2313432" cy="657962"/>
+            <a:off x="1154954" y="2603502"/>
+            <a:ext cx="3141878" cy="576262"/>
           </a:xfrm>
         </p:spPr>
         <p:txBody>
@@ -5165,7 +4862,7 @@
           <a:lstStyle>
             <a:lvl1pPr marL="0" indent="0">
               <a:buNone/>
-              <a:defRPr sz="2000" b="0">
+              <a:defRPr sz="2400" b="0">
                 <a:solidFill>
                   <a:schemeClr val="accent1">
                     <a:lumMod val="60000"/>
@@ -5218,7 +4915,7 @@
       </p:sp>
       <p:sp>
         <p:nvSpPr>
-          <p:cNvPr id="22" name="Text Placeholder 3"/>
+          <p:cNvPr id="16" name="Text Placeholder 3"/>
           <p:cNvSpPr>
             <a:spLocks noGrp="1"/>
           </p:cNvSpPr>
@@ -5228,8 +4925,8 @@
         </p:nvSpPr>
         <p:spPr>
           <a:xfrm>
-            <a:off x="866440" y="3147164"/>
-            <a:ext cx="2313432" cy="2888366"/>
+            <a:off x="1154953" y="3179764"/>
+            <a:ext cx="3141879" cy="2847293"/>
           </a:xfrm>
         </p:spPr>
         <p:txBody>
@@ -5239,7 +4936,7 @@
           <a:lstStyle>
             <a:lvl1pPr marL="0" indent="0">
               <a:buNone/>
-              <a:defRPr sz="1200"/>
+              <a:defRPr sz="1400"/>
             </a:lvl1pPr>
             <a:lvl2pPr marL="457200" indent="0">
               <a:buNone/>
@@ -5295,8 +4992,8 @@
         </p:nvSpPr>
         <p:spPr>
           <a:xfrm>
-            <a:off x="3405614" y="2489200"/>
-            <a:ext cx="2318918" cy="657962"/>
+            <a:off x="4512721" y="2603500"/>
+            <a:ext cx="3147009" cy="576262"/>
           </a:xfrm>
         </p:spPr>
         <p:txBody>
@@ -5306,7 +5003,7 @@
           <a:lstStyle>
             <a:lvl1pPr marL="0" indent="0">
               <a:buNone/>
-              <a:defRPr sz="2000" b="0">
+              <a:defRPr sz="2400" b="0">
                 <a:solidFill>
                   <a:schemeClr val="accent1">
                     <a:lumMod val="60000"/>
@@ -5359,7 +5056,7 @@
       </p:sp>
       <p:sp>
         <p:nvSpPr>
-          <p:cNvPr id="23" name="Text Placeholder 3"/>
+          <p:cNvPr id="19" name="Text Placeholder 3"/>
           <p:cNvSpPr>
             <a:spLocks noGrp="1"/>
           </p:cNvSpPr>
@@ -5369,8 +5066,8 @@
         </p:nvSpPr>
         <p:spPr>
           <a:xfrm>
-            <a:off x="3408471" y="3147164"/>
-            <a:ext cx="2318918" cy="2888366"/>
+            <a:off x="4512721" y="3179763"/>
+            <a:ext cx="3147009" cy="2847293"/>
           </a:xfrm>
         </p:spPr>
         <p:txBody>
@@ -5380,7 +5077,7 @@
           <a:lstStyle>
             <a:lvl1pPr marL="0" indent="0">
               <a:buNone/>
-              <a:defRPr sz="1200"/>
+              <a:defRPr sz="1400"/>
             </a:lvl1pPr>
             <a:lvl2pPr marL="457200" indent="0">
               <a:buNone/>
@@ -5436,8 +5133,8 @@
         </p:nvSpPr>
         <p:spPr>
           <a:xfrm>
-            <a:off x="5958642" y="2489200"/>
-            <a:ext cx="2318918" cy="657962"/>
+            <a:off x="7888135" y="2603501"/>
+            <a:ext cx="3145730" cy="576262"/>
           </a:xfrm>
         </p:spPr>
         <p:txBody>
@@ -5447,7 +5144,7 @@
           <a:lstStyle>
             <a:lvl1pPr marL="0" indent="0">
               <a:buNone/>
-              <a:defRPr sz="2000" b="0">
+              <a:defRPr sz="2400" b="0">
                 <a:solidFill>
                   <a:schemeClr val="accent1">
                     <a:lumMod val="60000"/>
@@ -5500,7 +5197,7 @@
       </p:sp>
       <p:sp>
         <p:nvSpPr>
-          <p:cNvPr id="24" name="Text Placeholder 3"/>
+          <p:cNvPr id="20" name="Text Placeholder 3"/>
           <p:cNvSpPr>
             <a:spLocks noGrp="1"/>
           </p:cNvSpPr>
@@ -5510,8 +5207,8 @@
         </p:nvSpPr>
         <p:spPr>
           <a:xfrm>
-            <a:off x="5960935" y="3147164"/>
-            <a:ext cx="2316625" cy="2888366"/>
+            <a:off x="7888329" y="3179762"/>
+            <a:ext cx="3145536" cy="2847293"/>
           </a:xfrm>
         </p:spPr>
         <p:txBody>
@@ -5521,7 +5218,7 @@
           <a:lstStyle>
             <a:lvl1pPr marL="0" indent="0">
               <a:buNone/>
-              <a:defRPr sz="1200"/>
+              <a:defRPr sz="1400"/>
             </a:lvl1pPr>
             <a:lvl2pPr marL="457200" indent="0">
               <a:buNone/>
@@ -5573,8 +5270,8 @@
         </p:nvCxnSpPr>
         <p:spPr>
           <a:xfrm>
-            <a:off x="3294530" y="2489201"/>
-            <a:ext cx="0" cy="3546328"/>
+            <a:off x="4403971" y="2569633"/>
+            <a:ext cx="0" cy="3492499"/>
           </a:xfrm>
           <a:prstGeom prst="line">
             <a:avLst/>
@@ -5610,8 +5307,8 @@
         </p:nvCxnSpPr>
         <p:spPr>
           <a:xfrm>
-            <a:off x="5849521" y="2489201"/>
-            <a:ext cx="0" cy="3546328"/>
+            <a:off x="7772401" y="2569633"/>
+            <a:ext cx="0" cy="3492499"/>
           </a:xfrm>
           <a:prstGeom prst="line">
             <a:avLst/>
@@ -5656,7 +5353,7 @@
           <a:p>
             <a:fld id="{5BCAD085-E8A6-8845-BD4E-CB4CCA059FC4}" type="datetimeFigureOut">
               <a:rPr lang="en-US" smtClean="0"/>
-              <a:t>3/11/2023</a:t>
+              <a:t>4/11/2023</a:t>
             </a:fld>
             <a:endParaRPr lang="en-US"/>
           </a:p>
@@ -5691,22 +5388,10 @@
             <p:ph type="sldNum" sz="quarter" idx="12"/>
           </p:nvPr>
         </p:nvSpPr>
-        <p:spPr>
-          <a:xfrm>
-            <a:off x="7678616" y="295730"/>
-            <a:ext cx="791308" cy="767687"/>
-          </a:xfrm>
-          <a:prstGeom prst="rect">
-            <a:avLst/>
-          </a:prstGeom>
-        </p:spPr>
+        <p:spPr/>
         <p:txBody>
           <a:bodyPr/>
-          <a:lstStyle>
-            <a:lvl1pPr algn="ctr">
-              <a:defRPr sz="2800"/>
-            </a:lvl1pPr>
-          </a:lstStyle>
+          <a:lstStyle/>
           <a:p>
             <a:fld id="{C1FF6DA9-008F-8B48-92A6-B652298478BF}" type="slidenum">
               <a:rPr lang="en-US" smtClean="0"/>
@@ -5719,7 +5404,7 @@
     </p:spTree>
     <p:extLst>
       <p:ext uri="{BB962C8B-B14F-4D97-AF65-F5344CB8AC3E}">
-        <p14:creationId xmlns:p14="http://schemas.microsoft.com/office/powerpoint/2010/main" val="2958757323"/>
+        <p14:creationId xmlns:p14="http://schemas.microsoft.com/office/powerpoint/2010/main" val="3755430623"/>
       </p:ext>
     </p:extLst>
   </p:cSld>
@@ -5758,15 +5443,15 @@
         </p:nvSpPr>
         <p:spPr>
           <a:xfrm>
-            <a:off x="866440" y="927100"/>
-            <a:ext cx="6345260" cy="709864"/>
+            <a:off x="1154954" y="973668"/>
+            <a:ext cx="8825659" cy="706964"/>
           </a:xfrm>
         </p:spPr>
         <p:txBody>
           <a:bodyPr/>
           <a:lstStyle>
             <a:lvl1pPr>
-              <a:defRPr sz="3200"/>
+              <a:defRPr sz="3600"/>
             </a:lvl1pPr>
           </a:lstStyle>
           <a:p>
@@ -5790,8 +5475,8 @@
         </p:nvSpPr>
         <p:spPr>
           <a:xfrm>
-            <a:off x="866440" y="4179596"/>
-            <a:ext cx="2313432" cy="657962"/>
+            <a:off x="1154954" y="4532844"/>
+            <a:ext cx="3050438" cy="576262"/>
           </a:xfrm>
         </p:spPr>
         <p:txBody>
@@ -5801,7 +5486,7 @@
           <a:lstStyle>
             <a:lvl1pPr marL="0" indent="0">
               <a:buNone/>
-              <a:defRPr sz="2000" b="0">
+              <a:defRPr sz="2400" b="0">
                 <a:solidFill>
                   <a:schemeClr val="accent1">
                     <a:lumMod val="60000"/>
@@ -5854,7 +5539,7 @@
       </p:sp>
       <p:sp>
         <p:nvSpPr>
-          <p:cNvPr id="22" name="Picture Placeholder 2"/>
+          <p:cNvPr id="19" name="Picture Placeholder 2"/>
           <p:cNvSpPr>
             <a:spLocks noGrp="1" noChangeAspect="1"/>
           </p:cNvSpPr>
@@ -5864,8 +5549,8 @@
         </p:nvSpPr>
         <p:spPr>
           <a:xfrm>
-            <a:off x="1019055" y="2489200"/>
-            <a:ext cx="2015144" cy="1447342"/>
+            <a:off x="1334553" y="2603500"/>
+            <a:ext cx="2691242" cy="1591510"/>
           </a:xfrm>
           <a:prstGeom prst="roundRect">
             <a:avLst>
@@ -5933,7 +5618,7 @@
       </p:sp>
       <p:sp>
         <p:nvSpPr>
-          <p:cNvPr id="23" name="Text Placeholder 3"/>
+          <p:cNvPr id="22" name="Text Placeholder 3"/>
           <p:cNvSpPr>
             <a:spLocks noGrp="1"/>
           </p:cNvSpPr>
@@ -5943,8 +5628,8 @@
         </p:nvSpPr>
         <p:spPr>
           <a:xfrm>
-            <a:off x="866439" y="4837558"/>
-            <a:ext cx="2313432" cy="1187321"/>
+            <a:off x="1154954" y="5109106"/>
+            <a:ext cx="3050438" cy="917952"/>
           </a:xfrm>
         </p:spPr>
         <p:txBody>
@@ -5954,7 +5639,7 @@
           <a:lstStyle>
             <a:lvl1pPr marL="0" indent="0">
               <a:buNone/>
-              <a:defRPr sz="1200"/>
+              <a:defRPr sz="1400"/>
             </a:lvl1pPr>
             <a:lvl2pPr marL="457200" indent="0">
               <a:buNone/>
@@ -6010,8 +5695,8 @@
         </p:nvSpPr>
         <p:spPr>
           <a:xfrm>
-            <a:off x="3411125" y="4179595"/>
-            <a:ext cx="2318918" cy="657962"/>
+            <a:off x="4568865" y="4532844"/>
+            <a:ext cx="3050438" cy="576263"/>
           </a:xfrm>
         </p:spPr>
         <p:txBody>
@@ -6021,7 +5706,7 @@
           <a:lstStyle>
             <a:lvl1pPr marL="0" indent="0">
               <a:buNone/>
-              <a:defRPr sz="2000" b="0">
+              <a:defRPr sz="2400" b="0">
                 <a:solidFill>
                   <a:schemeClr val="accent1">
                     <a:lumMod val="60000"/>
@@ -6074,7 +5759,7 @@
       </p:sp>
       <p:sp>
         <p:nvSpPr>
-          <p:cNvPr id="38" name="Picture Placeholder 2"/>
+          <p:cNvPr id="41" name="Picture Placeholder 2"/>
           <p:cNvSpPr>
             <a:spLocks noGrp="1" noChangeAspect="1"/>
           </p:cNvSpPr>
@@ -6084,8 +5769,8 @@
         </p:nvSpPr>
         <p:spPr>
           <a:xfrm>
-            <a:off x="3553189" y="2489200"/>
-            <a:ext cx="2015144" cy="1447342"/>
+            <a:off x="4748462" y="2603500"/>
+            <a:ext cx="2691243" cy="1591510"/>
           </a:xfrm>
           <a:prstGeom prst="roundRect">
             <a:avLst>
@@ -6153,7 +5838,7 @@
       </p:sp>
       <p:sp>
         <p:nvSpPr>
-          <p:cNvPr id="24" name="Text Placeholder 3"/>
+          <p:cNvPr id="23" name="Text Placeholder 3"/>
           <p:cNvSpPr>
             <a:spLocks noGrp="1"/>
           </p:cNvSpPr>
@@ -6163,8 +5848,8 @@
         </p:nvSpPr>
         <p:spPr>
           <a:xfrm>
-            <a:off x="3411125" y="4848208"/>
-            <a:ext cx="2318918" cy="1187321"/>
+            <a:off x="4570172" y="5109105"/>
+            <a:ext cx="3050438" cy="917952"/>
           </a:xfrm>
         </p:spPr>
         <p:txBody>
@@ -6174,7 +5859,7 @@
           <a:lstStyle>
             <a:lvl1pPr marL="0" indent="0">
               <a:buNone/>
-              <a:defRPr sz="1200"/>
+              <a:defRPr sz="1400"/>
             </a:lvl1pPr>
             <a:lvl2pPr marL="457200" indent="0">
               <a:buNone/>
@@ -6230,8 +5915,8 @@
         </p:nvSpPr>
         <p:spPr>
           <a:xfrm>
-            <a:off x="5958642" y="4179596"/>
-            <a:ext cx="2318918" cy="657962"/>
+            <a:off x="7982775" y="4532845"/>
+            <a:ext cx="3051095" cy="576262"/>
           </a:xfrm>
         </p:spPr>
         <p:txBody>
@@ -6241,7 +5926,7 @@
           <a:lstStyle>
             <a:lvl1pPr marL="0" indent="0">
               <a:buNone/>
-              <a:defRPr sz="2000" b="0">
+              <a:defRPr sz="2400" b="0">
                 <a:solidFill>
                   <a:schemeClr val="accent1">
                     <a:lumMod val="60000"/>
@@ -6294,7 +5979,7 @@
       </p:sp>
       <p:sp>
         <p:nvSpPr>
-          <p:cNvPr id="39" name="Picture Placeholder 2"/>
+          <p:cNvPr id="42" name="Picture Placeholder 2"/>
           <p:cNvSpPr>
             <a:spLocks noGrp="1" noChangeAspect="1"/>
           </p:cNvSpPr>
@@ -6304,8 +5989,8 @@
         </p:nvSpPr>
         <p:spPr>
           <a:xfrm>
-            <a:off x="6108641" y="2489200"/>
-            <a:ext cx="2015144" cy="1447342"/>
+            <a:off x="8163031" y="2603500"/>
+            <a:ext cx="2691242" cy="1591510"/>
           </a:xfrm>
           <a:prstGeom prst="roundRect">
             <a:avLst>
@@ -6373,7 +6058,7 @@
       </p:sp>
       <p:sp>
         <p:nvSpPr>
-          <p:cNvPr id="27" name="Text Placeholder 3"/>
+          <p:cNvPr id="24" name="Text Placeholder 3"/>
           <p:cNvSpPr>
             <a:spLocks noGrp="1"/>
           </p:cNvSpPr>
@@ -6383,8 +6068,8 @@
         </p:nvSpPr>
         <p:spPr>
           <a:xfrm>
-            <a:off x="5958642" y="4837558"/>
-            <a:ext cx="2318918" cy="1187321"/>
+            <a:off x="7982775" y="5109104"/>
+            <a:ext cx="3051096" cy="917952"/>
           </a:xfrm>
         </p:spPr>
         <p:txBody>
@@ -6394,7 +6079,7 @@
           <a:lstStyle>
             <a:lvl1pPr marL="0" indent="0">
               <a:buNone/>
-              <a:defRPr sz="1200"/>
+              <a:defRPr sz="1400"/>
             </a:lvl1pPr>
             <a:lvl2pPr marL="457200" indent="0">
               <a:buNone/>
@@ -6440,14 +6125,14 @@
       </p:sp>
       <p:cxnSp>
         <p:nvCxnSpPr>
-          <p:cNvPr id="40" name="Straight Connector 39"/>
+          <p:cNvPr id="43" name="Straight Connector 42"/>
           <p:cNvCxnSpPr/>
           <p:nvPr/>
         </p:nvCxnSpPr>
         <p:spPr>
           <a:xfrm>
-            <a:off x="3290019" y="2489201"/>
-            <a:ext cx="0" cy="3546328"/>
+            <a:off x="4405831" y="2569633"/>
+            <a:ext cx="0" cy="3492499"/>
           </a:xfrm>
           <a:prstGeom prst="line">
             <a:avLst/>
@@ -6477,14 +6162,14 @@
       </p:cxnSp>
       <p:cxnSp>
         <p:nvCxnSpPr>
-          <p:cNvPr id="41" name="Straight Connector 40"/>
+          <p:cNvPr id="44" name="Straight Connector 43"/>
           <p:cNvCxnSpPr/>
           <p:nvPr/>
         </p:nvCxnSpPr>
         <p:spPr>
           <a:xfrm>
-            <a:off x="5849521" y="2489201"/>
-            <a:ext cx="0" cy="3546328"/>
+            <a:off x="7797802" y="2569633"/>
+            <a:ext cx="0" cy="3492499"/>
           </a:xfrm>
           <a:prstGeom prst="line">
             <a:avLst/>
@@ -6529,7 +6214,7 @@
           <a:p>
             <a:fld id="{5BCAD085-E8A6-8845-BD4E-CB4CCA059FC4}" type="datetimeFigureOut">
               <a:rPr lang="en-US" smtClean="0"/>
-              <a:t>3/11/2023</a:t>
+              <a:t>4/11/2023</a:t>
             </a:fld>
             <a:endParaRPr lang="en-US"/>
           </a:p>
@@ -6545,7 +6230,12 @@
             <p:ph type="ftr" sz="quarter" idx="11"/>
           </p:nvPr>
         </p:nvSpPr>
-        <p:spPr/>
+        <p:spPr>
+          <a:xfrm>
+            <a:off x="561111" y="6391838"/>
+            <a:ext cx="3644282" cy="304801"/>
+          </a:xfrm>
+        </p:spPr>
         <p:txBody>
           <a:bodyPr/>
           <a:lstStyle/>
@@ -6564,22 +6254,10 @@
             <p:ph type="sldNum" sz="quarter" idx="12"/>
           </p:nvPr>
         </p:nvSpPr>
-        <p:spPr>
-          <a:xfrm>
-            <a:off x="7678616" y="295730"/>
-            <a:ext cx="791308" cy="767687"/>
-          </a:xfrm>
-          <a:prstGeom prst="rect">
-            <a:avLst/>
-          </a:prstGeom>
-        </p:spPr>
+        <p:spPr/>
         <p:txBody>
           <a:bodyPr/>
-          <a:lstStyle>
-            <a:lvl1pPr algn="ctr">
-              <a:defRPr sz="2800"/>
-            </a:lvl1pPr>
-          </a:lstStyle>
+          <a:lstStyle/>
           <a:p>
             <a:fld id="{C1FF6DA9-008F-8B48-92A6-B652298478BF}" type="slidenum">
               <a:rPr lang="en-US" smtClean="0"/>
@@ -6592,7 +6270,7 @@
     </p:spTree>
     <p:extLst>
       <p:ext uri="{BB962C8B-B14F-4D97-AF65-F5344CB8AC3E}">
-        <p14:creationId xmlns:p14="http://schemas.microsoft.com/office/powerpoint/2010/main" val="1353335420"/>
+        <p14:creationId xmlns:p14="http://schemas.microsoft.com/office/powerpoint/2010/main" val="1003148548"/>
       </p:ext>
     </p:extLst>
   </p:cSld>
@@ -6629,7 +6307,12 @@
             <p:ph type="title"/>
           </p:nvPr>
         </p:nvSpPr>
-        <p:spPr/>
+        <p:spPr>
+          <a:xfrm>
+            <a:off x="1154954" y="973668"/>
+            <a:ext cx="8825659" cy="706964"/>
+          </a:xfrm>
+        </p:spPr>
         <p:txBody>
           <a:bodyPr/>
           <a:lstStyle/>
@@ -6652,7 +6335,12 @@
             <p:ph type="body" orient="vert" idx="1"/>
           </p:nvPr>
         </p:nvSpPr>
-        <p:spPr/>
+        <p:spPr>
+          <a:xfrm>
+            <a:off x="1154954" y="2603500"/>
+            <a:ext cx="8825659" cy="3416300"/>
+          </a:xfrm>
+        </p:spPr>
         <p:txBody>
           <a:bodyPr vert="eaVert" anchor="t" anchorCtr="0"/>
           <a:lstStyle/>
@@ -6704,14 +6392,19 @@
             <p:ph type="dt" sz="half" idx="10"/>
           </p:nvPr>
         </p:nvSpPr>
-        <p:spPr/>
+        <p:spPr>
+          <a:xfrm>
+            <a:off x="10695439" y="6391838"/>
+            <a:ext cx="990599" cy="304799"/>
+          </a:xfrm>
+        </p:spPr>
         <p:txBody>
           <a:bodyPr/>
           <a:lstStyle/>
           <a:p>
             <a:fld id="{5BCAD085-E8A6-8845-BD4E-CB4CCA059FC4}" type="datetimeFigureOut">
               <a:rPr lang="en-US" smtClean="0"/>
-              <a:t>3/11/2023</a:t>
+              <a:t>4/11/2023</a:t>
             </a:fld>
             <a:endParaRPr lang="en-US"/>
           </a:p>
@@ -6746,22 +6439,10 @@
             <p:ph type="sldNum" sz="quarter" idx="12"/>
           </p:nvPr>
         </p:nvSpPr>
-        <p:spPr>
-          <a:xfrm>
-            <a:off x="7678616" y="295730"/>
-            <a:ext cx="791308" cy="767687"/>
-          </a:xfrm>
-          <a:prstGeom prst="rect">
-            <a:avLst/>
-          </a:prstGeom>
-        </p:spPr>
+        <p:spPr/>
         <p:txBody>
           <a:bodyPr/>
-          <a:lstStyle>
-            <a:lvl1pPr algn="ctr">
-              <a:defRPr sz="2800"/>
-            </a:lvl1pPr>
-          </a:lstStyle>
+          <a:lstStyle/>
           <a:p>
             <a:fld id="{C1FF6DA9-008F-8B48-92A6-B652298478BF}" type="slidenum">
               <a:rPr lang="en-US" smtClean="0"/>
@@ -6774,7 +6455,7 @@
     </p:spTree>
     <p:extLst>
       <p:ext uri="{BB962C8B-B14F-4D97-AF65-F5344CB8AC3E}">
-        <p14:creationId xmlns:p14="http://schemas.microsoft.com/office/powerpoint/2010/main" val="781669143"/>
+        <p14:creationId xmlns:p14="http://schemas.microsoft.com/office/powerpoint/2010/main" val="4128743480"/>
       </p:ext>
     </p:extLst>
   </p:cSld>
@@ -6803,28 +6484,28 @@
       </p:grpSpPr>
       <p:grpSp>
         <p:nvGrpSpPr>
-          <p:cNvPr id="7" name="Group 6"/>
+          <p:cNvPr id="9" name="Group 8"/>
           <p:cNvGrpSpPr/>
           <p:nvPr/>
         </p:nvGrpSpPr>
         <p:grpSpPr>
           <a:xfrm>
-            <a:off x="-1588" y="0"/>
-            <a:ext cx="9120420" cy="6860798"/>
-            <a:chOff x="-1588" y="0"/>
-            <a:chExt cx="9120420" cy="6860798"/>
+            <a:off x="0" y="0"/>
+            <a:ext cx="12192000" cy="6858000"/>
+            <a:chOff x="0" y="0"/>
+            <a:chExt cx="12192000" cy="6858000"/>
           </a:xfrm>
         </p:grpSpPr>
         <p:sp>
           <p:nvSpPr>
-            <p:cNvPr id="11" name="Rectangle 10"/>
+            <p:cNvPr id="12" name="Rectangle 11"/>
             <p:cNvSpPr/>
             <p:nvPr/>
           </p:nvSpPr>
           <p:spPr>
             <a:xfrm>
               <a:off x="0" y="0"/>
-              <a:ext cx="9118832" cy="6858000"/>
+              <a:ext cx="12192000" cy="6858000"/>
             </a:xfrm>
             <a:prstGeom prst="rect">
               <a:avLst/>
@@ -6845,9 +6526,8 @@
                   </a:schemeClr>
                 </a:duotone>
               </a:blip>
-              <a:srcRect/>
               <a:stretch>
-                <a:fillRect l="-16713" r="-16989"/>
+                <a:fillRect/>
               </a:stretch>
             </a:blipFill>
             <a:ln>
@@ -6873,7 +6553,64 @@
         </p:sp>
         <p:sp>
           <p:nvSpPr>
-            <p:cNvPr id="12" name="Oval 11"/>
+            <p:cNvPr id="15" name="Oval 14"/>
+            <p:cNvSpPr/>
+            <p:nvPr/>
+          </p:nvSpPr>
+          <p:spPr>
+            <a:xfrm>
+              <a:off x="0" y="2667000"/>
+              <a:ext cx="4191000" cy="4191000"/>
+            </a:xfrm>
+            <a:prstGeom prst="ellipse">
+              <a:avLst/>
+            </a:prstGeom>
+            <a:gradFill flip="none" rotWithShape="1">
+              <a:gsLst>
+                <a:gs pos="0">
+                  <a:schemeClr val="accent5">
+                    <a:alpha val="11000"/>
+                  </a:schemeClr>
+                </a:gs>
+                <a:gs pos="75000">
+                  <a:schemeClr val="accent5">
+                    <a:alpha val="0"/>
+                  </a:schemeClr>
+                </a:gs>
+                <a:gs pos="36000">
+                  <a:schemeClr val="accent5">
+                    <a:alpha val="10000"/>
+                  </a:schemeClr>
+                </a:gs>
+              </a:gsLst>
+              <a:path path="circle">
+                <a:fillToRect l="50000" t="50000" r="50000" b="50000"/>
+              </a:path>
+              <a:tileRect/>
+            </a:gradFill>
+            <a:ln>
+              <a:noFill/>
+            </a:ln>
+            <a:effectLst/>
+          </p:spPr>
+          <p:style>
+            <a:lnRef idx="1">
+              <a:schemeClr val="accent1"/>
+            </a:lnRef>
+            <a:fillRef idx="3">
+              <a:schemeClr val="accent1"/>
+            </a:fillRef>
+            <a:effectRef idx="2">
+              <a:schemeClr val="accent1"/>
+            </a:effectRef>
+            <a:fontRef idx="minor">
+              <a:schemeClr val="lt1"/>
+            </a:fontRef>
+          </p:style>
+        </p:sp>
+        <p:sp>
+          <p:nvSpPr>
+            <p:cNvPr id="16" name="Oval 15"/>
             <p:cNvSpPr/>
             <p:nvPr/>
           </p:nvSpPr>
@@ -6930,14 +6667,14 @@
         </p:sp>
         <p:sp>
           <p:nvSpPr>
-            <p:cNvPr id="13" name="Oval 12"/>
+            <p:cNvPr id="18" name="Oval 17"/>
             <p:cNvSpPr/>
             <p:nvPr/>
           </p:nvSpPr>
           <p:spPr>
             <a:xfrm>
-              <a:off x="6299432" y="1676400"/>
-              <a:ext cx="2819400" cy="2819400"/>
+              <a:off x="8609012" y="5867400"/>
+              <a:ext cx="990600" cy="990600"/>
             </a:xfrm>
             <a:prstGeom prst="ellipse">
               <a:avLst/>
@@ -6946,17 +6683,17 @@
               <a:gsLst>
                 <a:gs pos="0">
                   <a:schemeClr val="accent5">
-                    <a:alpha val="7000"/>
+                    <a:alpha val="14000"/>
                   </a:schemeClr>
                 </a:gs>
-                <a:gs pos="69000">
+                <a:gs pos="66000">
                   <a:schemeClr val="accent5">
                     <a:alpha val="0"/>
                   </a:schemeClr>
                 </a:gs>
                 <a:gs pos="36000">
                   <a:schemeClr val="accent5">
-                    <a:alpha val="6000"/>
+                    <a:alpha val="7000"/>
                   </a:schemeClr>
                 </a:gs>
               </a:gsLst>
@@ -6987,14 +6724,14 @@
         </p:sp>
         <p:sp>
           <p:nvSpPr>
-            <p:cNvPr id="14" name="Oval 13"/>
+            <p:cNvPr id="19" name="Oval 18"/>
             <p:cNvSpPr/>
             <p:nvPr/>
           </p:nvSpPr>
           <p:spPr>
             <a:xfrm>
-              <a:off x="5689832" y="0"/>
-              <a:ext cx="1600200" cy="1600200"/>
+              <a:off x="8609012" y="1676400"/>
+              <a:ext cx="2819400" cy="2819400"/>
             </a:xfrm>
             <a:prstGeom prst="ellipse">
               <a:avLst/>
@@ -7003,17 +6740,17 @@
               <a:gsLst>
                 <a:gs pos="0">
                   <a:schemeClr val="accent5">
-                    <a:alpha val="14000"/>
+                    <a:alpha val="7000"/>
                   </a:schemeClr>
                 </a:gs>
-                <a:gs pos="73000">
+                <a:gs pos="69000">
                   <a:schemeClr val="accent5">
                     <a:alpha val="0"/>
                   </a:schemeClr>
                 </a:gs>
                 <a:gs pos="36000">
                   <a:schemeClr val="accent5">
-                    <a:alpha val="7000"/>
+                    <a:alpha val="6000"/>
                   </a:schemeClr>
                 </a:gs>
               </a:gsLst>
@@ -7044,14 +6781,14 @@
         </p:sp>
         <p:sp>
           <p:nvSpPr>
-            <p:cNvPr id="15" name="Oval 14"/>
+            <p:cNvPr id="20" name="Oval 19"/>
             <p:cNvSpPr/>
             <p:nvPr/>
           </p:nvSpPr>
           <p:spPr>
             <a:xfrm>
-              <a:off x="6299432" y="5870198"/>
-              <a:ext cx="990600" cy="990600"/>
+              <a:off x="7999412" y="8464"/>
+              <a:ext cx="1600200" cy="1600200"/>
             </a:xfrm>
             <a:prstGeom prst="ellipse">
               <a:avLst/>
@@ -7063,7 +6800,7 @@
                     <a:alpha val="14000"/>
                   </a:schemeClr>
                 </a:gs>
-                <a:gs pos="66000">
+                <a:gs pos="73000">
                   <a:schemeClr val="accent5">
                     <a:alpha val="0"/>
                   </a:schemeClr>
@@ -7101,41 +6838,21 @@
         </p:sp>
         <p:sp>
           <p:nvSpPr>
-            <p:cNvPr id="16" name="Oval 15"/>
+            <p:cNvPr id="7" name="Rectangle 6"/>
             <p:cNvSpPr/>
             <p:nvPr/>
           </p:nvSpPr>
-          <p:spPr>
+          <p:spPr bwMode="gray">
             <a:xfrm>
-              <a:off x="-1588" y="2667000"/>
-              <a:ext cx="4191000" cy="4191000"/>
+              <a:off x="414867" y="402165"/>
+              <a:ext cx="6510866" cy="6053670"/>
             </a:xfrm>
-            <a:prstGeom prst="ellipse">
+            <a:prstGeom prst="rect">
               <a:avLst/>
             </a:prstGeom>
-            <a:gradFill flip="none" rotWithShape="1">
-              <a:gsLst>
-                <a:gs pos="0">
-                  <a:schemeClr val="accent5">
-                    <a:alpha val="11000"/>
-                  </a:schemeClr>
-                </a:gs>
-                <a:gs pos="75000">
-                  <a:schemeClr val="accent5">
-                    <a:alpha val="0"/>
-                  </a:schemeClr>
-                </a:gs>
-                <a:gs pos="36000">
-                  <a:schemeClr val="accent5">
-                    <a:alpha val="10000"/>
-                  </a:schemeClr>
-                </a:gs>
-              </a:gsLst>
-              <a:path path="circle">
-                <a:fillToRect l="50000" t="50000" r="50000" b="50000"/>
-              </a:path>
-              <a:tileRect/>
-            </a:gradFill>
+            <a:solidFill>
+              <a:schemeClr val="bg1"/>
+            </a:solidFill>
             <a:ln>
               <a:noFill/>
             </a:ln>
@@ -7158,14 +6875,14 @@
         </p:sp>
         <p:sp>
           <p:nvSpPr>
-            <p:cNvPr id="19" name="Freeform 5"/>
+            <p:cNvPr id="17" name="Freeform 5"/>
             <p:cNvSpPr/>
             <p:nvPr/>
           </p:nvSpPr>
           <p:spPr bwMode="gray">
-            <a:xfrm rot="4966650">
-              <a:off x="4673046" y="5107506"/>
-              <a:ext cx="2377690" cy="317748"/>
+            <a:xfrm rot="5101749">
+              <a:off x="6294738" y="4577737"/>
+              <a:ext cx="3299407" cy="440924"/>
             </a:xfrm>
             <a:custGeom>
               <a:avLst/>
@@ -7303,256 +7020,255 @@
             </a:ln>
           </p:spPr>
         </p:sp>
+        <p:sp>
+          <p:nvSpPr>
+            <p:cNvPr id="10" name="Freeform 5"/>
+            <p:cNvSpPr/>
+            <p:nvPr/>
+          </p:nvSpPr>
+          <p:spPr bwMode="gray">
+            <a:xfrm rot="5400000">
+              <a:off x="4449232" y="2801721"/>
+              <a:ext cx="6053670" cy="1254558"/>
+            </a:xfrm>
+            <a:custGeom>
+              <a:avLst/>
+              <a:gdLst/>
+              <a:ahLst/>
+              <a:cxnLst/>
+              <a:rect l="l" t="t" r="r" b="b"/>
+              <a:pathLst>
+                <a:path w="10000" h="8000">
+                  <a:moveTo>
+                    <a:pt x="0" y="0"/>
+                  </a:moveTo>
+                  <a:lnTo>
+                    <a:pt x="0" y="7970"/>
+                  </a:lnTo>
+                  <a:lnTo>
+                    <a:pt x="10000" y="8000"/>
+                  </a:lnTo>
+                  <a:lnTo>
+                    <a:pt x="10000" y="7"/>
+                  </a:lnTo>
+                  <a:lnTo>
+                    <a:pt x="10000" y="7"/>
+                  </a:lnTo>
+                  <a:lnTo>
+                    <a:pt x="9773" y="156"/>
+                  </a:lnTo>
+                  <a:lnTo>
+                    <a:pt x="9547" y="298"/>
+                  </a:lnTo>
+                  <a:lnTo>
+                    <a:pt x="9320" y="437"/>
+                  </a:lnTo>
+                  <a:lnTo>
+                    <a:pt x="9092" y="556"/>
+                  </a:lnTo>
+                  <a:lnTo>
+                    <a:pt x="8865" y="676"/>
+                  </a:lnTo>
+                  <a:lnTo>
+                    <a:pt x="8637" y="788"/>
+                  </a:lnTo>
+                  <a:lnTo>
+                    <a:pt x="8412" y="884"/>
+                  </a:lnTo>
+                  <a:lnTo>
+                    <a:pt x="8184" y="975"/>
+                  </a:lnTo>
+                  <a:lnTo>
+                    <a:pt x="7957" y="1058"/>
+                  </a:lnTo>
+                  <a:lnTo>
+                    <a:pt x="7734" y="1130"/>
+                  </a:lnTo>
+                  <a:lnTo>
+                    <a:pt x="7508" y="1202"/>
+                  </a:lnTo>
+                  <a:lnTo>
+                    <a:pt x="7285" y="1262"/>
+                  </a:lnTo>
+                  <a:lnTo>
+                    <a:pt x="7062" y="1309"/>
+                  </a:lnTo>
+                  <a:lnTo>
+                    <a:pt x="6840" y="1358"/>
+                  </a:lnTo>
+                  <a:lnTo>
+                    <a:pt x="6620" y="1399"/>
+                  </a:lnTo>
+                  <a:lnTo>
+                    <a:pt x="6402" y="1428"/>
+                  </a:lnTo>
+                  <a:lnTo>
+                    <a:pt x="6184" y="1453"/>
+                  </a:lnTo>
+                  <a:lnTo>
+                    <a:pt x="5968" y="1477"/>
+                  </a:lnTo>
+                  <a:lnTo>
+                    <a:pt x="5755" y="1488"/>
+                  </a:lnTo>
+                  <a:lnTo>
+                    <a:pt x="5542" y="1500"/>
+                  </a:lnTo>
+                  <a:lnTo>
+                    <a:pt x="5332" y="1506"/>
+                  </a:lnTo>
+                  <a:lnTo>
+                    <a:pt x="5124" y="1500"/>
+                  </a:lnTo>
+                  <a:lnTo>
+                    <a:pt x="4918" y="1500"/>
+                  </a:lnTo>
+                  <a:lnTo>
+                    <a:pt x="4714" y="1488"/>
+                  </a:lnTo>
+                  <a:lnTo>
+                    <a:pt x="4514" y="1470"/>
+                  </a:lnTo>
+                  <a:lnTo>
+                    <a:pt x="4316" y="1453"/>
+                  </a:lnTo>
+                  <a:lnTo>
+                    <a:pt x="4122" y="1434"/>
+                  </a:lnTo>
+                  <a:lnTo>
+                    <a:pt x="3929" y="1405"/>
+                  </a:lnTo>
+                  <a:lnTo>
+                    <a:pt x="3739" y="1374"/>
+                  </a:lnTo>
+                  <a:lnTo>
+                    <a:pt x="3553" y="1346"/>
+                  </a:lnTo>
+                  <a:lnTo>
+                    <a:pt x="3190" y="1267"/>
+                  </a:lnTo>
+                  <a:lnTo>
+                    <a:pt x="2842" y="1183"/>
+                  </a:lnTo>
+                  <a:lnTo>
+                    <a:pt x="2508" y="1095"/>
+                  </a:lnTo>
+                  <a:lnTo>
+                    <a:pt x="2192" y="998"/>
+                  </a:lnTo>
+                  <a:lnTo>
+                    <a:pt x="1890" y="897"/>
+                  </a:lnTo>
+                  <a:lnTo>
+                    <a:pt x="1610" y="788"/>
+                  </a:lnTo>
+                  <a:lnTo>
+                    <a:pt x="1347" y="681"/>
+                  </a:lnTo>
+                  <a:lnTo>
+                    <a:pt x="1105" y="574"/>
+                  </a:lnTo>
+                  <a:lnTo>
+                    <a:pt x="883" y="473"/>
+                  </a:lnTo>
+                  <a:lnTo>
+                    <a:pt x="686" y="377"/>
+                  </a:lnTo>
+                  <a:lnTo>
+                    <a:pt x="508" y="286"/>
+                  </a:lnTo>
+                  <a:lnTo>
+                    <a:pt x="358" y="210"/>
+                  </a:lnTo>
+                  <a:lnTo>
+                    <a:pt x="232" y="138"/>
+                  </a:lnTo>
+                  <a:lnTo>
+                    <a:pt x="59" y="35"/>
+                  </a:lnTo>
+                  <a:lnTo>
+                    <a:pt x="0" y="0"/>
+                  </a:lnTo>
+                  <a:lnTo>
+                    <a:pt x="0" y="0"/>
+                  </a:lnTo>
+                  <a:close/>
+                </a:path>
+              </a:pathLst>
+            </a:custGeom>
+            <a:solidFill>
+              <a:schemeClr val="bg1"/>
+            </a:solidFill>
+            <a:ln>
+              <a:noFill/>
+            </a:ln>
+          </p:spPr>
+        </p:sp>
+        <p:sp>
+          <p:nvSpPr>
+            <p:cNvPr id="13" name="Freeform 5"/>
+            <p:cNvSpPr>
+              <a:spLocks noEditPoints="1"/>
+            </p:cNvSpPr>
+            <p:nvPr/>
+          </p:nvSpPr>
+          <p:spPr bwMode="gray">
+            <a:xfrm>
+              <a:off x="0" y="1587"/>
+              <a:ext cx="12192000" cy="6856413"/>
+            </a:xfrm>
+            <a:custGeom>
+              <a:avLst/>
+              <a:gdLst/>
+              <a:ahLst/>
+              <a:cxnLst/>
+              <a:rect l="0" t="0" r="r" b="b"/>
+              <a:pathLst>
+                <a:path w="15356" h="8638">
+                  <a:moveTo>
+                    <a:pt x="0" y="0"/>
+                  </a:moveTo>
+                  <a:lnTo>
+                    <a:pt x="0" y="8638"/>
+                  </a:lnTo>
+                  <a:lnTo>
+                    <a:pt x="15356" y="8638"/>
+                  </a:lnTo>
+                  <a:lnTo>
+                    <a:pt x="15356" y="0"/>
+                  </a:lnTo>
+                  <a:lnTo>
+                    <a:pt x="0" y="0"/>
+                  </a:lnTo>
+                  <a:close/>
+                  <a:moveTo>
+                    <a:pt x="14748" y="8038"/>
+                  </a:moveTo>
+                  <a:lnTo>
+                    <a:pt x="600" y="8038"/>
+                  </a:lnTo>
+                  <a:lnTo>
+                    <a:pt x="600" y="592"/>
+                  </a:lnTo>
+                  <a:lnTo>
+                    <a:pt x="14748" y="592"/>
+                  </a:lnTo>
+                  <a:lnTo>
+                    <a:pt x="14748" y="8038"/>
+                  </a:lnTo>
+                  <a:close/>
+                </a:path>
+              </a:pathLst>
+            </a:custGeom>
+            <a:solidFill>
+              <a:schemeClr val="bg1"/>
+            </a:solidFill>
+            <a:ln>
+              <a:noFill/>
+            </a:ln>
+          </p:spPr>
+        </p:sp>
       </p:grpSp>
-      <p:sp>
-        <p:nvSpPr>
-          <p:cNvPr id="17" name="Rectangle 16"/>
-          <p:cNvSpPr/>
-          <p:nvPr/>
-        </p:nvSpPr>
-        <p:spPr>
-          <a:xfrm>
-            <a:off x="414867" y="402165"/>
-            <a:ext cx="4610565" cy="6053670"/>
-          </a:xfrm>
-          <a:prstGeom prst="rect">
-            <a:avLst/>
-          </a:prstGeom>
-          <a:solidFill>
-            <a:schemeClr val="bg1"/>
-          </a:solidFill>
-          <a:ln>
-            <a:noFill/>
-          </a:ln>
-          <a:effectLst/>
-        </p:spPr>
-        <p:style>
-          <a:lnRef idx="1">
-            <a:schemeClr val="accent1"/>
-          </a:lnRef>
-          <a:fillRef idx="3">
-            <a:schemeClr val="accent1"/>
-          </a:fillRef>
-          <a:effectRef idx="2">
-            <a:schemeClr val="accent1"/>
-          </a:effectRef>
-          <a:fontRef idx="minor">
-            <a:schemeClr val="lt1"/>
-          </a:fontRef>
-        </p:style>
-      </p:sp>
-      <p:sp>
-        <p:nvSpPr>
-          <p:cNvPr id="10" name="Freeform 9"/>
-          <p:cNvSpPr/>
-          <p:nvPr/>
-        </p:nvSpPr>
-        <p:spPr bwMode="gray">
-          <a:xfrm rot="5400000">
-            <a:off x="1299309" y="1765596"/>
-            <a:ext cx="5995993" cy="3326809"/>
-          </a:xfrm>
-          <a:custGeom>
-            <a:avLst/>
-            <a:gdLst/>
-            <a:ahLst/>
-            <a:cxnLst/>
-            <a:rect l="0" t="0" r="r" b="b"/>
-            <a:pathLst>
-              <a:path w="4960" h="2752">
-                <a:moveTo>
-                  <a:pt x="0" y="0"/>
-                </a:moveTo>
-                <a:lnTo>
-                  <a:pt x="0" y="324"/>
-                </a:lnTo>
-                <a:lnTo>
-                  <a:pt x="0" y="1992"/>
-                </a:lnTo>
-                <a:lnTo>
-                  <a:pt x="0" y="2752"/>
-                </a:lnTo>
-                <a:lnTo>
-                  <a:pt x="4960" y="2752"/>
-                </a:lnTo>
-                <a:lnTo>
-                  <a:pt x="4960" y="1992"/>
-                </a:lnTo>
-                <a:lnTo>
-                  <a:pt x="4960" y="324"/>
-                </a:lnTo>
-                <a:lnTo>
-                  <a:pt x="4960" y="0"/>
-                </a:lnTo>
-                <a:lnTo>
-                  <a:pt x="4960" y="0"/>
-                </a:lnTo>
-                <a:lnTo>
-                  <a:pt x="4734" y="34"/>
-                </a:lnTo>
-                <a:lnTo>
-                  <a:pt x="4510" y="64"/>
-                </a:lnTo>
-                <a:lnTo>
-                  <a:pt x="4284" y="90"/>
-                </a:lnTo>
-                <a:lnTo>
-                  <a:pt x="4060" y="114"/>
-                </a:lnTo>
-                <a:lnTo>
-                  <a:pt x="3836" y="132"/>
-                </a:lnTo>
-                <a:lnTo>
-                  <a:pt x="3614" y="146"/>
-                </a:lnTo>
-                <a:lnTo>
-                  <a:pt x="3392" y="158"/>
-                </a:lnTo>
-                <a:lnTo>
-                  <a:pt x="3174" y="166"/>
-                </a:lnTo>
-                <a:lnTo>
-                  <a:pt x="2960" y="172"/>
-                </a:lnTo>
-                <a:lnTo>
-                  <a:pt x="2748" y="174"/>
-                </a:lnTo>
-                <a:lnTo>
-                  <a:pt x="2542" y="174"/>
-                </a:lnTo>
-                <a:lnTo>
-                  <a:pt x="2338" y="174"/>
-                </a:lnTo>
-                <a:lnTo>
-                  <a:pt x="2140" y="170"/>
-                </a:lnTo>
-                <a:lnTo>
-                  <a:pt x="1948" y="164"/>
-                </a:lnTo>
-                <a:lnTo>
-                  <a:pt x="1762" y="156"/>
-                </a:lnTo>
-                <a:lnTo>
-                  <a:pt x="1582" y="148"/>
-                </a:lnTo>
-                <a:lnTo>
-                  <a:pt x="1410" y="138"/>
-                </a:lnTo>
-                <a:lnTo>
-                  <a:pt x="1244" y="128"/>
-                </a:lnTo>
-                <a:lnTo>
-                  <a:pt x="1088" y="116"/>
-                </a:lnTo>
-                <a:lnTo>
-                  <a:pt x="938" y="104"/>
-                </a:lnTo>
-                <a:lnTo>
-                  <a:pt x="668" y="78"/>
-                </a:lnTo>
-                <a:lnTo>
-                  <a:pt x="438" y="54"/>
-                </a:lnTo>
-                <a:lnTo>
-                  <a:pt x="254" y="34"/>
-                </a:lnTo>
-                <a:lnTo>
-                  <a:pt x="116" y="16"/>
-                </a:lnTo>
-                <a:lnTo>
-                  <a:pt x="0" y="0"/>
-                </a:lnTo>
-                <a:lnTo>
-                  <a:pt x="0" y="0"/>
-                </a:lnTo>
-                <a:close/>
-              </a:path>
-            </a:pathLst>
-          </a:custGeom>
-          <a:solidFill>
-            <a:schemeClr val="bg1"/>
-          </a:solidFill>
-          <a:ln>
-            <a:noFill/>
-          </a:ln>
-        </p:spPr>
-      </p:sp>
-      <p:sp>
-        <p:nvSpPr>
-          <p:cNvPr id="18" name="Freeform 5"/>
-          <p:cNvSpPr>
-            <a:spLocks noEditPoints="1"/>
-          </p:cNvSpPr>
-          <p:nvPr/>
-        </p:nvSpPr>
-        <p:spPr bwMode="gray">
-          <a:xfrm>
-            <a:off x="0" y="0"/>
-            <a:ext cx="9144000" cy="6858000"/>
-          </a:xfrm>
-          <a:custGeom>
-            <a:avLst/>
-            <a:gdLst/>
-            <a:ahLst/>
-            <a:cxnLst/>
-            <a:rect l="0" t="0" r="r" b="b"/>
-            <a:pathLst>
-              <a:path w="5760" h="4320">
-                <a:moveTo>
-                  <a:pt x="0" y="0"/>
-                </a:moveTo>
-                <a:lnTo>
-                  <a:pt x="0" y="4320"/>
-                </a:lnTo>
-                <a:lnTo>
-                  <a:pt x="5760" y="4320"/>
-                </a:lnTo>
-                <a:lnTo>
-                  <a:pt x="5760" y="0"/>
-                </a:lnTo>
-                <a:lnTo>
-                  <a:pt x="0" y="0"/>
-                </a:lnTo>
-                <a:close/>
-                <a:moveTo>
-                  <a:pt x="5444" y="4004"/>
-                </a:moveTo>
-                <a:lnTo>
-                  <a:pt x="324" y="4004"/>
-                </a:lnTo>
-                <a:lnTo>
-                  <a:pt x="324" y="324"/>
-                </a:lnTo>
-                <a:lnTo>
-                  <a:pt x="5444" y="324"/>
-                </a:lnTo>
-                <a:lnTo>
-                  <a:pt x="5444" y="4004"/>
-                </a:lnTo>
-                <a:close/>
-              </a:path>
-            </a:pathLst>
-          </a:custGeom>
-          <a:solidFill>
-            <a:srgbClr val="FFFFFF"/>
-          </a:solidFill>
-          <a:ln>
-            <a:noFill/>
-          </a:ln>
-          <a:extLst>
-            <a:ext uri="{91240B29-F687-4f45-9708-019B960494DF}">
-              <a14:hiddenLine xmlns:a14="http://schemas.microsoft.com/office/drawing/2010/main" xmlns="" w="9525">
-                <a:solidFill>
-                  <a:srgbClr val="000000"/>
-                </a:solidFill>
-                <a:round/>
-                <a:headEnd/>
-                <a:tailEnd/>
-              </a14:hiddenLine>
-            </a:ext>
-          </a:extLst>
-        </p:spPr>
-      </p:sp>
       <p:sp>
         <p:nvSpPr>
           <p:cNvPr id="2" name="Vertical Title 1"/>
@@ -7565,12 +7281,12 @@
         </p:nvSpPr>
         <p:spPr>
           <a:xfrm>
-            <a:off x="6174928" y="1447799"/>
-            <a:ext cx="1113516" cy="4572001"/>
+            <a:off x="8585235" y="1278467"/>
+            <a:ext cx="1409965" cy="4748590"/>
           </a:xfrm>
         </p:spPr>
         <p:txBody>
-          <a:bodyPr vert="eaVert" anchor="ctr" anchorCtr="0"/>
+          <a:bodyPr vert="eaVert" anchor="b" anchorCtr="0"/>
           <a:lstStyle/>
           <a:p>
             <a:r>
@@ -7593,8 +7309,8 @@
         </p:nvSpPr>
         <p:spPr>
           <a:xfrm>
-            <a:off x="866738" y="1447799"/>
-            <a:ext cx="4416936" cy="4572001"/>
+            <a:off x="1154954" y="1278467"/>
+            <a:ext cx="6256025" cy="4748590"/>
           </a:xfrm>
         </p:spPr>
         <p:txBody>
@@ -7648,14 +7364,19 @@
             <p:ph type="dt" sz="half" idx="10"/>
           </p:nvPr>
         </p:nvSpPr>
-        <p:spPr/>
+        <p:spPr>
+          <a:xfrm>
+            <a:off x="10653104" y="6391838"/>
+            <a:ext cx="992135" cy="304799"/>
+          </a:xfrm>
+        </p:spPr>
         <p:txBody>
           <a:bodyPr/>
           <a:lstStyle/>
           <a:p>
             <a:fld id="{5BCAD085-E8A6-8845-BD4E-CB4CCA059FC4}" type="datetimeFigureOut">
               <a:rPr lang="en-US" smtClean="0"/>
-              <a:t>3/11/2023</a:t>
+              <a:t>4/11/2023</a:t>
             </a:fld>
             <a:endParaRPr lang="en-US"/>
           </a:p>
@@ -7682,14 +7403,14 @@
       </p:sp>
       <p:sp>
         <p:nvSpPr>
-          <p:cNvPr id="9" name="Rectangle 8"/>
+          <p:cNvPr id="14" name="Rectangle 13"/>
           <p:cNvSpPr/>
           <p:nvPr/>
         </p:nvSpPr>
         <p:spPr>
           <a:xfrm>
-            <a:off x="7745644" y="0"/>
-            <a:ext cx="685800" cy="1099458"/>
+            <a:off x="10437812" y="0"/>
+            <a:ext cx="685800" cy="1143000"/>
           </a:xfrm>
           <a:prstGeom prst="rect">
             <a:avLst/>
@@ -7726,22 +7447,10 @@
             <p:ph type="sldNum" sz="quarter" idx="12"/>
           </p:nvPr>
         </p:nvSpPr>
-        <p:spPr>
-          <a:xfrm>
-            <a:off x="7678616" y="295730"/>
-            <a:ext cx="791308" cy="767687"/>
-          </a:xfrm>
-          <a:prstGeom prst="rect">
-            <a:avLst/>
-          </a:prstGeom>
-        </p:spPr>
+        <p:spPr/>
         <p:txBody>
           <a:bodyPr/>
-          <a:lstStyle>
-            <a:lvl1pPr algn="ctr">
-              <a:defRPr sz="2800"/>
-            </a:lvl1pPr>
-          </a:lstStyle>
+          <a:lstStyle/>
           <a:p>
             <a:fld id="{C1FF6DA9-008F-8B48-92A6-B652298478BF}" type="slidenum">
               <a:rPr lang="en-US" smtClean="0"/>
@@ -7754,7 +7463,7 @@
     </p:spTree>
     <p:extLst>
       <p:ext uri="{BB962C8B-B14F-4D97-AF65-F5344CB8AC3E}">
-        <p14:creationId xmlns:p14="http://schemas.microsoft.com/office/powerpoint/2010/main" val="2234969943"/>
+        <p14:creationId xmlns:p14="http://schemas.microsoft.com/office/powerpoint/2010/main" val="2764440114"/>
       </p:ext>
     </p:extLst>
   </p:cSld>
@@ -7791,19 +7500,10 @@
             <p:ph type="title"/>
           </p:nvPr>
         </p:nvSpPr>
-        <p:spPr>
-          <a:xfrm>
-            <a:off x="865970" y="927098"/>
-            <a:ext cx="6343672" cy="709865"/>
-          </a:xfrm>
-        </p:spPr>
+        <p:spPr/>
         <p:txBody>
-          <a:bodyPr anchor="ctr"/>
-          <a:lstStyle>
-            <a:lvl1pPr>
-              <a:defRPr sz="3200"/>
-            </a:lvl1pPr>
-          </a:lstStyle>
+          <a:bodyPr/>
+          <a:lstStyle/>
           <a:p>
             <a:r>
               <a:rPr lang="en-US"/>
@@ -7823,7 +7523,12 @@
             <p:ph idx="1"/>
           </p:nvPr>
         </p:nvSpPr>
-        <p:spPr/>
+        <p:spPr>
+          <a:xfrm>
+            <a:off x="1154954" y="2603500"/>
+            <a:ext cx="8825659" cy="3416300"/>
+          </a:xfrm>
+        </p:spPr>
         <p:txBody>
           <a:bodyPr/>
           <a:lstStyle/>
@@ -7882,7 +7587,7 @@
           <a:p>
             <a:fld id="{5BCAD085-E8A6-8845-BD4E-CB4CCA059FC4}" type="datetimeFigureOut">
               <a:rPr lang="en-US" smtClean="0"/>
-              <a:t>3/11/2023</a:t>
+              <a:t>4/11/2023</a:t>
             </a:fld>
             <a:endParaRPr lang="en-US"/>
           </a:p>
@@ -7917,22 +7622,10 @@
             <p:ph type="sldNum" sz="quarter" idx="12"/>
           </p:nvPr>
         </p:nvSpPr>
-        <p:spPr>
-          <a:xfrm>
-            <a:off x="7678616" y="295730"/>
-            <a:ext cx="791308" cy="767687"/>
-          </a:xfrm>
-          <a:prstGeom prst="rect">
-            <a:avLst/>
-          </a:prstGeom>
-        </p:spPr>
+        <p:spPr/>
         <p:txBody>
-          <a:bodyPr anchor="b"/>
-          <a:lstStyle>
-            <a:lvl1pPr algn="ctr">
-              <a:defRPr sz="2800"/>
-            </a:lvl1pPr>
-          </a:lstStyle>
+          <a:bodyPr/>
+          <a:lstStyle/>
           <a:p>
             <a:fld id="{C1FF6DA9-008F-8B48-92A6-B652298478BF}" type="slidenum">
               <a:rPr lang="en-US" smtClean="0"/>
@@ -7945,7 +7638,7 @@
     </p:spTree>
     <p:extLst>
       <p:ext uri="{BB962C8B-B14F-4D97-AF65-F5344CB8AC3E}">
-        <p14:creationId xmlns:p14="http://schemas.microsoft.com/office/powerpoint/2010/main" val="3726181994"/>
+        <p14:creationId xmlns:p14="http://schemas.microsoft.com/office/powerpoint/2010/main" val="2449495833"/>
       </p:ext>
     </p:extLst>
   </p:cSld>
@@ -7974,28 +7667,28 @@
       </p:grpSpPr>
       <p:grpSp>
         <p:nvGrpSpPr>
-          <p:cNvPr id="7" name="Group 6"/>
+          <p:cNvPr id="8" name="Group 7"/>
           <p:cNvGrpSpPr/>
           <p:nvPr/>
         </p:nvGrpSpPr>
         <p:grpSpPr>
           <a:xfrm>
-            <a:off x="-1588" y="0"/>
-            <a:ext cx="9145588" cy="6860798"/>
-            <a:chOff x="-1588" y="0"/>
-            <a:chExt cx="9145588" cy="6860798"/>
+            <a:off x="0" y="0"/>
+            <a:ext cx="12192000" cy="6858000"/>
+            <a:chOff x="0" y="0"/>
+            <a:chExt cx="12192000" cy="6858000"/>
           </a:xfrm>
         </p:grpSpPr>
         <p:sp>
           <p:nvSpPr>
-            <p:cNvPr id="12" name="Rectangle 11"/>
+            <p:cNvPr id="14" name="Rectangle 13"/>
             <p:cNvSpPr/>
             <p:nvPr/>
           </p:nvSpPr>
           <p:spPr>
             <a:xfrm>
               <a:off x="0" y="0"/>
-              <a:ext cx="9118832" cy="6858000"/>
+              <a:ext cx="12192000" cy="6858000"/>
             </a:xfrm>
             <a:prstGeom prst="rect">
               <a:avLst/>
@@ -8016,9 +7709,8 @@
                   </a:schemeClr>
                 </a:duotone>
               </a:blip>
-              <a:srcRect/>
               <a:stretch>
-                <a:fillRect l="-16713" r="-16989"/>
+                <a:fillRect/>
               </a:stretch>
             </a:blipFill>
             <a:ln>
@@ -8044,7 +7736,64 @@
         </p:sp>
         <p:sp>
           <p:nvSpPr>
-            <p:cNvPr id="13" name="Oval 12"/>
+            <p:cNvPr id="17" name="Oval 16"/>
+            <p:cNvSpPr/>
+            <p:nvPr/>
+          </p:nvSpPr>
+          <p:spPr>
+            <a:xfrm>
+              <a:off x="0" y="2667000"/>
+              <a:ext cx="4191000" cy="4191000"/>
+            </a:xfrm>
+            <a:prstGeom prst="ellipse">
+              <a:avLst/>
+            </a:prstGeom>
+            <a:gradFill flip="none" rotWithShape="1">
+              <a:gsLst>
+                <a:gs pos="0">
+                  <a:schemeClr val="accent5">
+                    <a:alpha val="11000"/>
+                  </a:schemeClr>
+                </a:gs>
+                <a:gs pos="75000">
+                  <a:schemeClr val="accent5">
+                    <a:alpha val="0"/>
+                  </a:schemeClr>
+                </a:gs>
+                <a:gs pos="36000">
+                  <a:schemeClr val="accent5">
+                    <a:alpha val="10000"/>
+                  </a:schemeClr>
+                </a:gs>
+              </a:gsLst>
+              <a:path path="circle">
+                <a:fillToRect l="50000" t="50000" r="50000" b="50000"/>
+              </a:path>
+              <a:tileRect/>
+            </a:gradFill>
+            <a:ln>
+              <a:noFill/>
+            </a:ln>
+            <a:effectLst/>
+          </p:spPr>
+          <p:style>
+            <a:lnRef idx="1">
+              <a:schemeClr val="accent1"/>
+            </a:lnRef>
+            <a:fillRef idx="3">
+              <a:schemeClr val="accent1"/>
+            </a:fillRef>
+            <a:effectRef idx="2">
+              <a:schemeClr val="accent1"/>
+            </a:effectRef>
+            <a:fontRef idx="minor">
+              <a:schemeClr val="lt1"/>
+            </a:fontRef>
+          </p:style>
+        </p:sp>
+        <p:sp>
+          <p:nvSpPr>
+            <p:cNvPr id="18" name="Oval 17"/>
             <p:cNvSpPr/>
             <p:nvPr/>
           </p:nvSpPr>
@@ -8101,14 +7850,14 @@
         </p:sp>
         <p:sp>
           <p:nvSpPr>
-            <p:cNvPr id="14" name="Oval 13"/>
+            <p:cNvPr id="19" name="Oval 18"/>
             <p:cNvSpPr/>
             <p:nvPr/>
           </p:nvSpPr>
           <p:spPr>
             <a:xfrm>
-              <a:off x="6299432" y="1676400"/>
-              <a:ext cx="2819400" cy="2819400"/>
+              <a:off x="8609012" y="5867400"/>
+              <a:ext cx="990600" cy="990600"/>
             </a:xfrm>
             <a:prstGeom prst="ellipse">
               <a:avLst/>
@@ -8117,17 +7866,17 @@
               <a:gsLst>
                 <a:gs pos="0">
                   <a:schemeClr val="accent5">
-                    <a:alpha val="7000"/>
+                    <a:alpha val="14000"/>
                   </a:schemeClr>
                 </a:gs>
-                <a:gs pos="69000">
+                <a:gs pos="66000">
                   <a:schemeClr val="accent5">
                     <a:alpha val="0"/>
                   </a:schemeClr>
                 </a:gs>
                 <a:gs pos="36000">
                   <a:schemeClr val="accent5">
-                    <a:alpha val="6000"/>
+                    <a:alpha val="7000"/>
                   </a:schemeClr>
                 </a:gs>
               </a:gsLst>
@@ -8158,14 +7907,14 @@
         </p:sp>
         <p:sp>
           <p:nvSpPr>
-            <p:cNvPr id="15" name="Oval 14"/>
+            <p:cNvPr id="20" name="Oval 19"/>
             <p:cNvSpPr/>
             <p:nvPr/>
           </p:nvSpPr>
           <p:spPr>
             <a:xfrm>
-              <a:off x="5689832" y="0"/>
-              <a:ext cx="1600200" cy="1600200"/>
+              <a:off x="8609012" y="1676400"/>
+              <a:ext cx="2819400" cy="2819400"/>
             </a:xfrm>
             <a:prstGeom prst="ellipse">
               <a:avLst/>
@@ -8174,17 +7923,17 @@
               <a:gsLst>
                 <a:gs pos="0">
                   <a:schemeClr val="accent5">
-                    <a:alpha val="14000"/>
+                    <a:alpha val="7000"/>
                   </a:schemeClr>
                 </a:gs>
-                <a:gs pos="73000">
+                <a:gs pos="69000">
                   <a:schemeClr val="accent5">
                     <a:alpha val="0"/>
                   </a:schemeClr>
                 </a:gs>
                 <a:gs pos="36000">
                   <a:schemeClr val="accent5">
-                    <a:alpha val="7000"/>
+                    <a:alpha val="6000"/>
                   </a:schemeClr>
                 </a:gs>
               </a:gsLst>
@@ -8215,14 +7964,14 @@
         </p:sp>
         <p:sp>
           <p:nvSpPr>
-            <p:cNvPr id="16" name="Oval 15"/>
+            <p:cNvPr id="21" name="Oval 20"/>
             <p:cNvSpPr/>
             <p:nvPr/>
           </p:nvSpPr>
           <p:spPr>
             <a:xfrm>
-              <a:off x="6299432" y="5870198"/>
-              <a:ext cx="990600" cy="990600"/>
+              <a:off x="7999412" y="8464"/>
+              <a:ext cx="1600200" cy="1600200"/>
             </a:xfrm>
             <a:prstGeom prst="ellipse">
               <a:avLst/>
@@ -8234,7 +7983,7 @@
                     <a:alpha val="14000"/>
                   </a:schemeClr>
                 </a:gs>
-                <a:gs pos="66000">
+                <a:gs pos="73000">
                   <a:schemeClr val="accent5">
                     <a:alpha val="0"/>
                   </a:schemeClr>
@@ -8272,71 +8021,14 @@
         </p:sp>
         <p:sp>
           <p:nvSpPr>
-            <p:cNvPr id="17" name="Oval 16"/>
-            <p:cNvSpPr/>
-            <p:nvPr/>
-          </p:nvSpPr>
-          <p:spPr>
-            <a:xfrm>
-              <a:off x="-1588" y="2667000"/>
-              <a:ext cx="4191000" cy="4191000"/>
-            </a:xfrm>
-            <a:prstGeom prst="ellipse">
-              <a:avLst/>
-            </a:prstGeom>
-            <a:gradFill flip="none" rotWithShape="1">
-              <a:gsLst>
-                <a:gs pos="0">
-                  <a:schemeClr val="accent5">
-                    <a:alpha val="11000"/>
-                  </a:schemeClr>
-                </a:gs>
-                <a:gs pos="75000">
-                  <a:schemeClr val="accent5">
-                    <a:alpha val="0"/>
-                  </a:schemeClr>
-                </a:gs>
-                <a:gs pos="36000">
-                  <a:schemeClr val="accent5">
-                    <a:alpha val="10000"/>
-                  </a:schemeClr>
-                </a:gs>
-              </a:gsLst>
-              <a:path path="circle">
-                <a:fillToRect l="50000" t="50000" r="50000" b="50000"/>
-              </a:path>
-              <a:tileRect/>
-            </a:gradFill>
-            <a:ln>
-              <a:noFill/>
-            </a:ln>
-            <a:effectLst/>
-          </p:spPr>
-          <p:style>
-            <a:lnRef idx="1">
-              <a:schemeClr val="accent1"/>
-            </a:lnRef>
-            <a:fillRef idx="3">
-              <a:schemeClr val="accent1"/>
-            </a:fillRef>
-            <a:effectRef idx="2">
-              <a:schemeClr val="accent1"/>
-            </a:effectRef>
-            <a:fontRef idx="minor">
-              <a:schemeClr val="lt1"/>
-            </a:fontRef>
-          </p:style>
-        </p:sp>
-        <p:sp>
-          <p:nvSpPr>
             <p:cNvPr id="10" name="Rectangle 9"/>
             <p:cNvSpPr/>
             <p:nvPr/>
           </p:nvSpPr>
-          <p:spPr>
+          <p:spPr bwMode="gray">
             <a:xfrm>
-              <a:off x="5283673" y="402165"/>
-              <a:ext cx="3465769" cy="6053670"/>
+              <a:off x="7289800" y="402165"/>
+              <a:ext cx="4478865" cy="6053670"/>
             </a:xfrm>
             <a:prstGeom prst="rect">
               <a:avLst/>
@@ -8366,121 +8058,169 @@
         </p:sp>
         <p:sp>
           <p:nvSpPr>
-            <p:cNvPr id="11" name="Freeform 10"/>
+            <p:cNvPr id="11" name="Freeform 5"/>
             <p:cNvSpPr/>
             <p:nvPr/>
           </p:nvSpPr>
           <p:spPr bwMode="gray">
             <a:xfrm rot="16200000">
-              <a:off x="3105027" y="1765596"/>
-              <a:ext cx="5995993" cy="3326809"/>
+              <a:off x="3787244" y="2801721"/>
+              <a:ext cx="6053670" cy="1254558"/>
             </a:xfrm>
             <a:custGeom>
               <a:avLst/>
               <a:gdLst/>
               <a:ahLst/>
               <a:cxnLst/>
-              <a:rect l="0" t="0" r="r" b="b"/>
+              <a:rect l="l" t="t" r="r" b="b"/>
               <a:pathLst>
-                <a:path w="4960" h="2752">
+                <a:path w="10000" h="8000">
                   <a:moveTo>
                     <a:pt x="0" y="0"/>
                   </a:moveTo>
                   <a:lnTo>
-                    <a:pt x="0" y="324"/>
-                  </a:lnTo>
-                  <a:lnTo>
-                    <a:pt x="0" y="1992"/>
-                  </a:lnTo>
-                  <a:lnTo>
-                    <a:pt x="0" y="2752"/>
-                  </a:lnTo>
-                  <a:lnTo>
-                    <a:pt x="4960" y="2752"/>
-                  </a:lnTo>
-                  <a:lnTo>
-                    <a:pt x="4960" y="1992"/>
-                  </a:lnTo>
-                  <a:lnTo>
-                    <a:pt x="4960" y="324"/>
-                  </a:lnTo>
-                  <a:lnTo>
-                    <a:pt x="4960" y="0"/>
-                  </a:lnTo>
-                  <a:lnTo>
-                    <a:pt x="4960" y="0"/>
-                  </a:lnTo>
-                  <a:lnTo>
-                    <a:pt x="4734" y="34"/>
-                  </a:lnTo>
-                  <a:lnTo>
-                    <a:pt x="4510" y="64"/>
-                  </a:lnTo>
-                  <a:lnTo>
-                    <a:pt x="4284" y="90"/>
-                  </a:lnTo>
-                  <a:lnTo>
-                    <a:pt x="4060" y="114"/>
-                  </a:lnTo>
-                  <a:lnTo>
-                    <a:pt x="3836" y="132"/>
-                  </a:lnTo>
-                  <a:lnTo>
-                    <a:pt x="3614" y="146"/>
-                  </a:lnTo>
-                  <a:lnTo>
-                    <a:pt x="3392" y="158"/>
-                  </a:lnTo>
-                  <a:lnTo>
-                    <a:pt x="3174" y="166"/>
-                  </a:lnTo>
-                  <a:lnTo>
-                    <a:pt x="2960" y="172"/>
-                  </a:lnTo>
-                  <a:lnTo>
-                    <a:pt x="2748" y="174"/>
-                  </a:lnTo>
-                  <a:lnTo>
-                    <a:pt x="2542" y="174"/>
-                  </a:lnTo>
-                  <a:lnTo>
-                    <a:pt x="2338" y="174"/>
-                  </a:lnTo>
-                  <a:lnTo>
-                    <a:pt x="2140" y="170"/>
-                  </a:lnTo>
-                  <a:lnTo>
-                    <a:pt x="1948" y="164"/>
-                  </a:lnTo>
-                  <a:lnTo>
-                    <a:pt x="1762" y="156"/>
-                  </a:lnTo>
-                  <a:lnTo>
-                    <a:pt x="1582" y="148"/>
-                  </a:lnTo>
-                  <a:lnTo>
-                    <a:pt x="1410" y="138"/>
-                  </a:lnTo>
-                  <a:lnTo>
-                    <a:pt x="1244" y="128"/>
-                  </a:lnTo>
-                  <a:lnTo>
-                    <a:pt x="1088" y="116"/>
-                  </a:lnTo>
-                  <a:lnTo>
-                    <a:pt x="938" y="104"/>
-                  </a:lnTo>
-                  <a:lnTo>
-                    <a:pt x="668" y="78"/>
-                  </a:lnTo>
-                  <a:lnTo>
-                    <a:pt x="438" y="54"/>
-                  </a:lnTo>
-                  <a:lnTo>
-                    <a:pt x="254" y="34"/>
-                  </a:lnTo>
-                  <a:lnTo>
-                    <a:pt x="116" y="16"/>
+                    <a:pt x="0" y="7970"/>
+                  </a:lnTo>
+                  <a:lnTo>
+                    <a:pt x="10000" y="8000"/>
+                  </a:lnTo>
+                  <a:lnTo>
+                    <a:pt x="10000" y="7"/>
+                  </a:lnTo>
+                  <a:lnTo>
+                    <a:pt x="10000" y="7"/>
+                  </a:lnTo>
+                  <a:lnTo>
+                    <a:pt x="9773" y="156"/>
+                  </a:lnTo>
+                  <a:lnTo>
+                    <a:pt x="9547" y="298"/>
+                  </a:lnTo>
+                  <a:lnTo>
+                    <a:pt x="9320" y="437"/>
+                  </a:lnTo>
+                  <a:lnTo>
+                    <a:pt x="9092" y="556"/>
+                  </a:lnTo>
+                  <a:lnTo>
+                    <a:pt x="8865" y="676"/>
+                  </a:lnTo>
+                  <a:lnTo>
+                    <a:pt x="8637" y="788"/>
+                  </a:lnTo>
+                  <a:lnTo>
+                    <a:pt x="8412" y="884"/>
+                  </a:lnTo>
+                  <a:lnTo>
+                    <a:pt x="8184" y="975"/>
+                  </a:lnTo>
+                  <a:lnTo>
+                    <a:pt x="7957" y="1058"/>
+                  </a:lnTo>
+                  <a:lnTo>
+                    <a:pt x="7734" y="1130"/>
+                  </a:lnTo>
+                  <a:lnTo>
+                    <a:pt x="7508" y="1202"/>
+                  </a:lnTo>
+                  <a:lnTo>
+                    <a:pt x="7285" y="1262"/>
+                  </a:lnTo>
+                  <a:lnTo>
+                    <a:pt x="7062" y="1309"/>
+                  </a:lnTo>
+                  <a:lnTo>
+                    <a:pt x="6840" y="1358"/>
+                  </a:lnTo>
+                  <a:lnTo>
+                    <a:pt x="6620" y="1399"/>
+                  </a:lnTo>
+                  <a:lnTo>
+                    <a:pt x="6402" y="1428"/>
+                  </a:lnTo>
+                  <a:lnTo>
+                    <a:pt x="6184" y="1453"/>
+                  </a:lnTo>
+                  <a:lnTo>
+                    <a:pt x="5968" y="1477"/>
+                  </a:lnTo>
+                  <a:lnTo>
+                    <a:pt x="5755" y="1488"/>
+                  </a:lnTo>
+                  <a:lnTo>
+                    <a:pt x="5542" y="1500"/>
+                  </a:lnTo>
+                  <a:lnTo>
+                    <a:pt x="5332" y="1506"/>
+                  </a:lnTo>
+                  <a:lnTo>
+                    <a:pt x="5124" y="1500"/>
+                  </a:lnTo>
+                  <a:lnTo>
+                    <a:pt x="4918" y="1500"/>
+                  </a:lnTo>
+                  <a:lnTo>
+                    <a:pt x="4714" y="1488"/>
+                  </a:lnTo>
+                  <a:lnTo>
+                    <a:pt x="4514" y="1470"/>
+                  </a:lnTo>
+                  <a:lnTo>
+                    <a:pt x="4316" y="1453"/>
+                  </a:lnTo>
+                  <a:lnTo>
+                    <a:pt x="4122" y="1434"/>
+                  </a:lnTo>
+                  <a:lnTo>
+                    <a:pt x="3929" y="1405"/>
+                  </a:lnTo>
+                  <a:lnTo>
+                    <a:pt x="3739" y="1374"/>
+                  </a:lnTo>
+                  <a:lnTo>
+                    <a:pt x="3553" y="1346"/>
+                  </a:lnTo>
+                  <a:lnTo>
+                    <a:pt x="3190" y="1267"/>
+                  </a:lnTo>
+                  <a:lnTo>
+                    <a:pt x="2842" y="1183"/>
+                  </a:lnTo>
+                  <a:lnTo>
+                    <a:pt x="2508" y="1095"/>
+                  </a:lnTo>
+                  <a:lnTo>
+                    <a:pt x="2192" y="998"/>
+                  </a:lnTo>
+                  <a:lnTo>
+                    <a:pt x="1890" y="897"/>
+                  </a:lnTo>
+                  <a:lnTo>
+                    <a:pt x="1610" y="788"/>
+                  </a:lnTo>
+                  <a:lnTo>
+                    <a:pt x="1347" y="681"/>
+                  </a:lnTo>
+                  <a:lnTo>
+                    <a:pt x="1105" y="574"/>
+                  </a:lnTo>
+                  <a:lnTo>
+                    <a:pt x="883" y="473"/>
+                  </a:lnTo>
+                  <a:lnTo>
+                    <a:pt x="686" y="377"/>
+                  </a:lnTo>
+                  <a:lnTo>
+                    <a:pt x="508" y="286"/>
+                  </a:lnTo>
+                  <a:lnTo>
+                    <a:pt x="358" y="210"/>
+                  </a:lnTo>
+                  <a:lnTo>
+                    <a:pt x="232" y="138"/>
+                  </a:lnTo>
+                  <a:lnTo>
+                    <a:pt x="59" y="35"/>
                   </a:lnTo>
                   <a:lnTo>
                     <a:pt x="0" y="0"/>
@@ -8502,14 +8242,14 @@
         </p:sp>
         <p:sp>
           <p:nvSpPr>
-            <p:cNvPr id="18" name="Freeform 5"/>
+            <p:cNvPr id="12" name="Freeform 5"/>
             <p:cNvSpPr/>
             <p:nvPr/>
           </p:nvSpPr>
           <p:spPr bwMode="gray">
-            <a:xfrm rot="15687606">
-              <a:off x="3320102" y="1458373"/>
-              <a:ext cx="2377690" cy="317748"/>
+            <a:xfrm rot="15922489">
+              <a:off x="4698352" y="1826078"/>
+              <a:ext cx="3299407" cy="440924"/>
             </a:xfrm>
             <a:custGeom>
               <a:avLst/>
@@ -8649,7 +8389,7 @@
         </p:sp>
         <p:sp>
           <p:nvSpPr>
-            <p:cNvPr id="19" name="Freeform 5"/>
+            <p:cNvPr id="15" name="Freeform 5"/>
             <p:cNvSpPr>
               <a:spLocks noEditPoints="1"/>
             </p:cNvSpPr>
@@ -8657,8 +8397,8 @@
           </p:nvSpPr>
           <p:spPr bwMode="gray">
             <a:xfrm>
-              <a:off x="0" y="0"/>
-              <a:ext cx="9144000" cy="6858000"/>
+              <a:off x="0" y="1587"/>
+              <a:ext cx="12192000" cy="6856413"/>
             </a:xfrm>
             <a:custGeom>
               <a:avLst/>
@@ -8667,60 +8407,48 @@
               <a:cxnLst/>
               <a:rect l="0" t="0" r="r" b="b"/>
               <a:pathLst>
-                <a:path w="5760" h="4320">
+                <a:path w="15356" h="8638">
                   <a:moveTo>
                     <a:pt x="0" y="0"/>
                   </a:moveTo>
                   <a:lnTo>
-                    <a:pt x="0" y="4320"/>
-                  </a:lnTo>
-                  <a:lnTo>
-                    <a:pt x="5760" y="4320"/>
-                  </a:lnTo>
-                  <a:lnTo>
-                    <a:pt x="5760" y="0"/>
+                    <a:pt x="0" y="8638"/>
+                  </a:lnTo>
+                  <a:lnTo>
+                    <a:pt x="15356" y="8638"/>
+                  </a:lnTo>
+                  <a:lnTo>
+                    <a:pt x="15356" y="0"/>
                   </a:lnTo>
                   <a:lnTo>
                     <a:pt x="0" y="0"/>
                   </a:lnTo>
                   <a:close/>
                   <a:moveTo>
-                    <a:pt x="5444" y="4004"/>
+                    <a:pt x="14748" y="8038"/>
                   </a:moveTo>
                   <a:lnTo>
-                    <a:pt x="324" y="4004"/>
-                  </a:lnTo>
-                  <a:lnTo>
-                    <a:pt x="324" y="324"/>
-                  </a:lnTo>
-                  <a:lnTo>
-                    <a:pt x="5444" y="324"/>
-                  </a:lnTo>
-                  <a:lnTo>
-                    <a:pt x="5444" y="4004"/>
+                    <a:pt x="600" y="8038"/>
+                  </a:lnTo>
+                  <a:lnTo>
+                    <a:pt x="600" y="592"/>
+                  </a:lnTo>
+                  <a:lnTo>
+                    <a:pt x="14748" y="592"/>
+                  </a:lnTo>
+                  <a:lnTo>
+                    <a:pt x="14748" y="8038"/>
                   </a:lnTo>
                   <a:close/>
                 </a:path>
               </a:pathLst>
             </a:custGeom>
             <a:solidFill>
-              <a:srgbClr val="FFFFFF"/>
+              <a:schemeClr val="bg1"/>
             </a:solidFill>
             <a:ln>
               <a:noFill/>
             </a:ln>
-            <a:extLst>
-              <a:ext uri="{91240B29-F687-4f45-9708-019B960494DF}">
-                <a14:hiddenLine xmlns:a14="http://schemas.microsoft.com/office/drawing/2010/main" xmlns="" w="9525">
-                  <a:solidFill>
-                    <a:srgbClr val="000000"/>
-                  </a:solidFill>
-                  <a:round/>
-                  <a:headEnd/>
-                  <a:tailEnd/>
-                </a14:hiddenLine>
-              </a:ext>
-            </a:extLst>
           </p:spPr>
         </p:sp>
       </p:grpSp>
@@ -8736,15 +8464,15 @@
         </p:nvSpPr>
         <p:spPr>
           <a:xfrm>
-            <a:off x="877534" y="2257588"/>
-            <a:ext cx="3090672" cy="3020344"/>
+            <a:off x="1154954" y="2677645"/>
+            <a:ext cx="4351025" cy="2283824"/>
           </a:xfrm>
         </p:spPr>
         <p:txBody>
           <a:bodyPr anchor="ctr"/>
           <a:lstStyle>
             <a:lvl1pPr algn="l">
-              <a:defRPr sz="3200" b="0" cap="none"/>
+              <a:defRPr sz="4000" b="0" cap="none"/>
             </a:lvl1pPr>
           </a:lstStyle>
           <a:p>
@@ -8768,8 +8496,8 @@
         </p:nvSpPr>
         <p:spPr>
           <a:xfrm>
-            <a:off x="5119261" y="2257588"/>
-            <a:ext cx="3082516" cy="3020344"/>
+            <a:off x="6895559" y="2677644"/>
+            <a:ext cx="3757545" cy="2283824"/>
           </a:xfrm>
         </p:spPr>
         <p:txBody>
@@ -8893,7 +8621,7 @@
           <a:p>
             <a:fld id="{5BCAD085-E8A6-8845-BD4E-CB4CCA059FC4}" type="datetimeFigureOut">
               <a:rPr lang="en-US" smtClean="0"/>
-              <a:t>3/11/2023</a:t>
+              <a:t>4/11/2023</a:t>
             </a:fld>
             <a:endParaRPr lang="en-US"/>
           </a:p>
@@ -8920,14 +8648,14 @@
       </p:sp>
       <p:sp>
         <p:nvSpPr>
-          <p:cNvPr id="8" name="Rectangle 7"/>
+          <p:cNvPr id="16" name="Rectangle 15"/>
           <p:cNvSpPr/>
           <p:nvPr/>
         </p:nvSpPr>
         <p:spPr>
           <a:xfrm>
-            <a:off x="7745644" y="0"/>
-            <a:ext cx="685800" cy="1099458"/>
+            <a:off x="10437812" y="0"/>
+            <a:ext cx="685800" cy="1143000"/>
           </a:xfrm>
           <a:prstGeom prst="rect">
             <a:avLst/>
@@ -8964,22 +8692,10 @@
             <p:ph type="sldNum" sz="quarter" idx="12"/>
           </p:nvPr>
         </p:nvSpPr>
-        <p:spPr>
-          <a:xfrm>
-            <a:off x="7678616" y="295730"/>
-            <a:ext cx="791308" cy="767687"/>
-          </a:xfrm>
-          <a:prstGeom prst="rect">
-            <a:avLst/>
-          </a:prstGeom>
-        </p:spPr>
+        <p:spPr/>
         <p:txBody>
-          <a:bodyPr anchor="b"/>
-          <a:lstStyle>
-            <a:lvl1pPr algn="ctr">
-              <a:defRPr sz="2800"/>
-            </a:lvl1pPr>
-          </a:lstStyle>
+          <a:bodyPr/>
+          <a:lstStyle/>
           <a:p>
             <a:fld id="{C1FF6DA9-008F-8B48-92A6-B652298478BF}" type="slidenum">
               <a:rPr lang="en-US" smtClean="0"/>
@@ -8992,7 +8708,7 @@
     </p:spTree>
     <p:extLst>
       <p:ext uri="{BB962C8B-B14F-4D97-AF65-F5344CB8AC3E}">
-        <p14:creationId xmlns:p14="http://schemas.microsoft.com/office/powerpoint/2010/main" val="3306918435"/>
+        <p14:creationId xmlns:p14="http://schemas.microsoft.com/office/powerpoint/2010/main" val="4149495594"/>
       </p:ext>
     </p:extLst>
   </p:cSld>
@@ -9031,7 +8747,7 @@
         </p:nvSpPr>
         <p:spPr/>
         <p:txBody>
-          <a:bodyPr anchor="ctr"/>
+          <a:bodyPr/>
           <a:lstStyle/>
           <a:p>
             <a:r>
@@ -9054,8 +8770,8 @@
         </p:nvSpPr>
         <p:spPr>
           <a:xfrm>
-            <a:off x="866440" y="2489200"/>
-            <a:ext cx="3636980" cy="3530603"/>
+            <a:off x="1154954" y="2603500"/>
+            <a:ext cx="4825158" cy="3416301"/>
           </a:xfrm>
         </p:spPr>
         <p:txBody>
@@ -9113,8 +8829,8 @@
         </p:nvSpPr>
         <p:spPr>
           <a:xfrm>
-            <a:off x="4640581" y="2489203"/>
-            <a:ext cx="3636980" cy="3530600"/>
+            <a:off x="6208712" y="2603500"/>
+            <a:ext cx="4825159" cy="3416300"/>
           </a:xfrm>
         </p:spPr>
         <p:txBody>
@@ -9177,7 +8893,7 @@
           <a:p>
             <a:fld id="{5BCAD085-E8A6-8845-BD4E-CB4CCA059FC4}" type="datetimeFigureOut">
               <a:rPr lang="en-US" smtClean="0"/>
-              <a:t>3/11/2023</a:t>
+              <a:t>4/11/2023</a:t>
             </a:fld>
             <a:endParaRPr lang="en-US"/>
           </a:p>
@@ -9212,22 +8928,10 @@
             <p:ph type="sldNum" sz="quarter" idx="12"/>
           </p:nvPr>
         </p:nvSpPr>
-        <p:spPr>
-          <a:xfrm>
-            <a:off x="7678616" y="295730"/>
-            <a:ext cx="791308" cy="767687"/>
-          </a:xfrm>
-          <a:prstGeom prst="rect">
-            <a:avLst/>
-          </a:prstGeom>
-        </p:spPr>
+        <p:spPr/>
         <p:txBody>
-          <a:bodyPr anchor="b"/>
-          <a:lstStyle>
-            <a:lvl1pPr algn="ctr">
-              <a:defRPr sz="2800"/>
-            </a:lvl1pPr>
-          </a:lstStyle>
+          <a:bodyPr/>
+          <a:lstStyle/>
           <a:p>
             <a:fld id="{C1FF6DA9-008F-8B48-92A6-B652298478BF}" type="slidenum">
               <a:rPr lang="en-US" smtClean="0"/>
@@ -9240,7 +8944,7 @@
     </p:spTree>
     <p:extLst>
       <p:ext uri="{BB962C8B-B14F-4D97-AF65-F5344CB8AC3E}">
-        <p14:creationId xmlns:p14="http://schemas.microsoft.com/office/powerpoint/2010/main" val="617071223"/>
+        <p14:creationId xmlns:p14="http://schemas.microsoft.com/office/powerpoint/2010/main" val="1618588243"/>
       </p:ext>
     </p:extLst>
   </p:cSld>
@@ -9306,8 +9010,8 @@
         </p:nvSpPr>
         <p:spPr>
           <a:xfrm>
-            <a:off x="869918" y="2489200"/>
-            <a:ext cx="3633502" cy="759290"/>
+            <a:off x="1154954" y="2603500"/>
+            <a:ext cx="4825157" cy="576262"/>
           </a:xfrm>
         </p:spPr>
         <p:txBody>
@@ -9319,10 +9023,7 @@
               <a:buNone/>
               <a:defRPr sz="2400" b="0">
                 <a:solidFill>
-                  <a:schemeClr val="accent1">
-                    <a:lumMod val="60000"/>
-                    <a:lumOff val="40000"/>
-                  </a:schemeClr>
+                  <a:schemeClr val="accent1"/>
                 </a:solidFill>
               </a:defRPr>
             </a:lvl1pPr>
@@ -9380,8 +9081,8 @@
         </p:nvSpPr>
         <p:spPr>
           <a:xfrm>
-            <a:off x="866440" y="3248490"/>
-            <a:ext cx="3636980" cy="2771311"/>
+            <a:off x="1154954" y="3179762"/>
+            <a:ext cx="4825158" cy="2840039"/>
           </a:xfrm>
         </p:spPr>
         <p:txBody>
@@ -9439,8 +9140,8 @@
         </p:nvSpPr>
         <p:spPr>
           <a:xfrm>
-            <a:off x="4640581" y="2489200"/>
-            <a:ext cx="3636979" cy="756635"/>
+            <a:off x="6208712" y="2603500"/>
+            <a:ext cx="4825159" cy="576262"/>
           </a:xfrm>
         </p:spPr>
         <p:txBody>
@@ -9452,10 +9153,7 @@
               <a:buNone/>
               <a:defRPr sz="2400" b="0">
                 <a:solidFill>
-                  <a:schemeClr val="accent1">
-                    <a:lumMod val="60000"/>
-                    <a:lumOff val="40000"/>
-                  </a:schemeClr>
+                  <a:schemeClr val="accent1"/>
                 </a:solidFill>
               </a:defRPr>
             </a:lvl1pPr>
@@ -9513,15 +9211,43 @@
         </p:nvSpPr>
         <p:spPr>
           <a:xfrm>
-            <a:off x="4640581" y="3245835"/>
-            <a:ext cx="3636980" cy="2773967"/>
+            <a:off x="6208712" y="3179762"/>
+            <a:ext cx="4825159" cy="2840039"/>
           </a:xfrm>
         </p:spPr>
         <p:txBody>
           <a:bodyPr>
             <a:normAutofit/>
           </a:bodyPr>
-          <a:lstStyle/>
+          <a:lstStyle>
+            <a:lvl1pPr>
+              <a:defRPr sz="1800"/>
+            </a:lvl1pPr>
+            <a:lvl2pPr>
+              <a:defRPr sz="1600"/>
+            </a:lvl2pPr>
+            <a:lvl3pPr>
+              <a:defRPr sz="1400"/>
+            </a:lvl3pPr>
+            <a:lvl4pPr>
+              <a:defRPr sz="1200"/>
+            </a:lvl4pPr>
+            <a:lvl5pPr>
+              <a:defRPr sz="1200"/>
+            </a:lvl5pPr>
+            <a:lvl6pPr>
+              <a:defRPr sz="1200"/>
+            </a:lvl6pPr>
+            <a:lvl7pPr>
+              <a:defRPr sz="1200"/>
+            </a:lvl7pPr>
+            <a:lvl8pPr>
+              <a:defRPr sz="1200"/>
+            </a:lvl8pPr>
+            <a:lvl9pPr>
+              <a:defRPr sz="1200"/>
+            </a:lvl9pPr>
+          </a:lstStyle>
           <a:p>
             <a:pPr lvl="0"/>
             <a:r>
@@ -9577,7 +9303,7 @@
           <a:p>
             <a:fld id="{5BCAD085-E8A6-8845-BD4E-CB4CCA059FC4}" type="datetimeFigureOut">
               <a:rPr lang="en-US" smtClean="0"/>
-              <a:t>3/11/2023</a:t>
+              <a:t>4/11/2023</a:t>
             </a:fld>
             <a:endParaRPr lang="en-US"/>
           </a:p>
@@ -9612,22 +9338,10 @@
             <p:ph type="sldNum" sz="quarter" idx="12"/>
           </p:nvPr>
         </p:nvSpPr>
-        <p:spPr>
-          <a:xfrm>
-            <a:off x="7678616" y="295730"/>
-            <a:ext cx="791308" cy="767687"/>
-          </a:xfrm>
-          <a:prstGeom prst="rect">
-            <a:avLst/>
-          </a:prstGeom>
-        </p:spPr>
+        <p:spPr/>
         <p:txBody>
-          <a:bodyPr anchor="b"/>
-          <a:lstStyle>
-            <a:lvl1pPr algn="ctr">
-              <a:defRPr sz="2800"/>
-            </a:lvl1pPr>
-          </a:lstStyle>
+          <a:bodyPr/>
+          <a:lstStyle/>
           <a:p>
             <a:fld id="{C1FF6DA9-008F-8B48-92A6-B652298478BF}" type="slidenum">
               <a:rPr lang="en-US" smtClean="0"/>
@@ -9640,7 +9354,7 @@
     </p:spTree>
     <p:extLst>
       <p:ext uri="{BB962C8B-B14F-4D97-AF65-F5344CB8AC3E}">
-        <p14:creationId xmlns:p14="http://schemas.microsoft.com/office/powerpoint/2010/main" val="2893203833"/>
+        <p14:creationId xmlns:p14="http://schemas.microsoft.com/office/powerpoint/2010/main" val="2499744488"/>
       </p:ext>
     </p:extLst>
   </p:cSld>
@@ -9669,7 +9383,7 @@
       </p:grpSpPr>
       <p:sp>
         <p:nvSpPr>
-          <p:cNvPr id="2" name="Title 1"/>
+          <p:cNvPr id="9" name="Title 1"/>
           <p:cNvSpPr>
             <a:spLocks noGrp="1"/>
           </p:cNvSpPr>
@@ -9677,10 +9391,19 @@
             <p:ph type="title"/>
           </p:nvPr>
         </p:nvSpPr>
-        <p:spPr/>
+        <p:spPr>
+          <a:xfrm>
+            <a:off x="1154954" y="973668"/>
+            <a:ext cx="8761413" cy="706964"/>
+          </a:xfrm>
+        </p:spPr>
         <p:txBody>
           <a:bodyPr/>
-          <a:lstStyle/>
+          <a:lstStyle>
+            <a:lvl1pPr>
+              <a:defRPr/>
+            </a:lvl1pPr>
+          </a:lstStyle>
           <a:p>
             <a:r>
               <a:rPr lang="en-US"/>
@@ -9707,7 +9430,7 @@
           <a:p>
             <a:fld id="{5BCAD085-E8A6-8845-BD4E-CB4CCA059FC4}" type="datetimeFigureOut">
               <a:rPr lang="en-US" smtClean="0"/>
-              <a:t>3/11/2023</a:t>
+              <a:t>4/11/2023</a:t>
             </a:fld>
             <a:endParaRPr lang="en-US"/>
           </a:p>
@@ -9742,22 +9465,10 @@
             <p:ph type="sldNum" sz="quarter" idx="12"/>
           </p:nvPr>
         </p:nvSpPr>
-        <p:spPr>
-          <a:xfrm>
-            <a:off x="7678616" y="295730"/>
-            <a:ext cx="791308" cy="767687"/>
-          </a:xfrm>
-          <a:prstGeom prst="rect">
-            <a:avLst/>
-          </a:prstGeom>
-        </p:spPr>
+        <p:spPr/>
         <p:txBody>
-          <a:bodyPr anchor="b"/>
-          <a:lstStyle>
-            <a:lvl1pPr algn="ctr">
-              <a:defRPr sz="2800"/>
-            </a:lvl1pPr>
-          </a:lstStyle>
+          <a:bodyPr/>
+          <a:lstStyle/>
           <a:p>
             <a:fld id="{C1FF6DA9-008F-8B48-92A6-B652298478BF}" type="slidenum">
               <a:rPr lang="en-US" smtClean="0"/>
@@ -9770,7 +9481,7 @@
     </p:spTree>
     <p:extLst>
       <p:ext uri="{BB962C8B-B14F-4D97-AF65-F5344CB8AC3E}">
-        <p14:creationId xmlns:p14="http://schemas.microsoft.com/office/powerpoint/2010/main" val="1535939114"/>
+        <p14:creationId xmlns:p14="http://schemas.microsoft.com/office/powerpoint/2010/main" val="2301755544"/>
       </p:ext>
     </p:extLst>
   </p:cSld>
@@ -9781,7 +9492,7 @@
 </file>
 
 <file path=ppt/slideLayouts/slideLayout7.xml><?xml version="1.0" encoding="utf-8"?>
-<p:sldLayout xmlns:a="http://schemas.openxmlformats.org/drawingml/2006/main" xmlns:r="http://schemas.openxmlformats.org/officeDocument/2006/relationships" xmlns:p="http://schemas.openxmlformats.org/presentationml/2006/main" type="blank" preserve="1">
+<p:sldLayout xmlns:a="http://schemas.openxmlformats.org/drawingml/2006/main" xmlns:r="http://schemas.openxmlformats.org/officeDocument/2006/relationships" xmlns:p="http://schemas.openxmlformats.org/presentationml/2006/main" showMasterSp="0" type="blank" preserve="1">
   <p:cSld name="Blank">
     <p:spTree>
       <p:nvGrpSpPr>
@@ -9799,14 +9510,56 @@
       </p:grpSpPr>
       <p:sp>
         <p:nvSpPr>
-          <p:cNvPr id="5" name="Rectangle 4"/>
+          <p:cNvPr id="2" name="Date Placeholder 1"/>
+          <p:cNvSpPr>
+            <a:spLocks noGrp="1"/>
+          </p:cNvSpPr>
+          <p:nvPr>
+            <p:ph type="dt" sz="half" idx="10"/>
+          </p:nvPr>
+        </p:nvSpPr>
+        <p:spPr/>
+        <p:txBody>
+          <a:bodyPr/>
+          <a:lstStyle/>
+          <a:p>
+            <a:fld id="{5BCAD085-E8A6-8845-BD4E-CB4CCA059FC4}" type="datetimeFigureOut">
+              <a:rPr lang="en-US" smtClean="0"/>
+              <a:t>4/11/2023</a:t>
+            </a:fld>
+            <a:endParaRPr lang="en-US"/>
+          </a:p>
+        </p:txBody>
+      </p:sp>
+      <p:sp>
+        <p:nvSpPr>
+          <p:cNvPr id="3" name="Footer Placeholder 2"/>
+          <p:cNvSpPr>
+            <a:spLocks noGrp="1"/>
+          </p:cNvSpPr>
+          <p:nvPr>
+            <p:ph type="ftr" sz="quarter" idx="11"/>
+          </p:nvPr>
+        </p:nvSpPr>
+        <p:spPr/>
+        <p:txBody>
+          <a:bodyPr/>
+          <a:lstStyle/>
+          <a:p>
+            <a:endParaRPr lang="en-US"/>
+          </a:p>
+        </p:txBody>
+      </p:sp>
+      <p:sp>
+        <p:nvSpPr>
+          <p:cNvPr id="7" name="Rectangle 6"/>
           <p:cNvSpPr/>
           <p:nvPr/>
         </p:nvSpPr>
         <p:spPr>
           <a:xfrm>
-            <a:off x="7745644" y="0"/>
-            <a:ext cx="685800" cy="1099458"/>
+            <a:off x="10437812" y="0"/>
+            <a:ext cx="685800" cy="1143000"/>
           </a:xfrm>
           <a:prstGeom prst="rect">
             <a:avLst/>
@@ -9835,48 +9588,6 @@
       </p:sp>
       <p:sp>
         <p:nvSpPr>
-          <p:cNvPr id="2" name="Date Placeholder 1"/>
-          <p:cNvSpPr>
-            <a:spLocks noGrp="1"/>
-          </p:cNvSpPr>
-          <p:nvPr>
-            <p:ph type="dt" sz="half" idx="10"/>
-          </p:nvPr>
-        </p:nvSpPr>
-        <p:spPr/>
-        <p:txBody>
-          <a:bodyPr/>
-          <a:lstStyle/>
-          <a:p>
-            <a:fld id="{5BCAD085-E8A6-8845-BD4E-CB4CCA059FC4}" type="datetimeFigureOut">
-              <a:rPr lang="en-US" smtClean="0"/>
-              <a:t>3/11/2023</a:t>
-            </a:fld>
-            <a:endParaRPr lang="en-US"/>
-          </a:p>
-        </p:txBody>
-      </p:sp>
-      <p:sp>
-        <p:nvSpPr>
-          <p:cNvPr id="3" name="Footer Placeholder 2"/>
-          <p:cNvSpPr>
-            <a:spLocks noGrp="1"/>
-          </p:cNvSpPr>
-          <p:nvPr>
-            <p:ph type="ftr" sz="quarter" idx="11"/>
-          </p:nvPr>
-        </p:nvSpPr>
-        <p:spPr/>
-        <p:txBody>
-          <a:bodyPr/>
-          <a:lstStyle/>
-          <a:p>
-            <a:endParaRPr lang="en-US"/>
-          </a:p>
-        </p:txBody>
-      </p:sp>
-      <p:sp>
-        <p:nvSpPr>
           <p:cNvPr id="4" name="Slide Number Placeholder 3"/>
           <p:cNvSpPr>
             <a:spLocks noGrp="1"/>
@@ -9885,22 +9596,10 @@
             <p:ph type="sldNum" sz="quarter" idx="12"/>
           </p:nvPr>
         </p:nvSpPr>
-        <p:spPr>
-          <a:xfrm>
-            <a:off x="7678616" y="295730"/>
-            <a:ext cx="791308" cy="767687"/>
-          </a:xfrm>
-          <a:prstGeom prst="rect">
-            <a:avLst/>
-          </a:prstGeom>
-        </p:spPr>
+        <p:spPr/>
         <p:txBody>
           <a:bodyPr/>
-          <a:lstStyle>
-            <a:lvl1pPr algn="ctr">
-              <a:defRPr sz="2800"/>
-            </a:lvl1pPr>
-          </a:lstStyle>
+          <a:lstStyle/>
           <a:p>
             <a:fld id="{C1FF6DA9-008F-8B48-92A6-B652298478BF}" type="slidenum">
               <a:rPr lang="en-US" smtClean="0"/>
@@ -9913,7 +9612,7 @@
     </p:spTree>
     <p:extLst>
       <p:ext uri="{BB962C8B-B14F-4D97-AF65-F5344CB8AC3E}">
-        <p14:creationId xmlns:p14="http://schemas.microsoft.com/office/powerpoint/2010/main" val="2925548359"/>
+        <p14:creationId xmlns:p14="http://schemas.microsoft.com/office/powerpoint/2010/main" val="4180205655"/>
       </p:ext>
     </p:extLst>
   </p:cSld>
@@ -9942,28 +9641,28 @@
       </p:grpSpPr>
       <p:grpSp>
         <p:nvGrpSpPr>
-          <p:cNvPr id="8" name="Group 7"/>
+          <p:cNvPr id="9" name="Group 8"/>
           <p:cNvGrpSpPr/>
           <p:nvPr/>
         </p:nvGrpSpPr>
         <p:grpSpPr>
           <a:xfrm>
-            <a:off x="-1588" y="0"/>
-            <a:ext cx="9145588" cy="6860798"/>
-            <a:chOff x="-1588" y="0"/>
-            <a:chExt cx="9145588" cy="6860798"/>
+            <a:off x="0" y="0"/>
+            <a:ext cx="12192000" cy="6858000"/>
+            <a:chOff x="0" y="0"/>
+            <a:chExt cx="12192000" cy="6858000"/>
           </a:xfrm>
         </p:grpSpPr>
         <p:sp>
           <p:nvSpPr>
-            <p:cNvPr id="13" name="Rectangle 12"/>
+            <p:cNvPr id="14" name="Rectangle 13"/>
             <p:cNvSpPr/>
             <p:nvPr/>
           </p:nvSpPr>
           <p:spPr>
             <a:xfrm>
               <a:off x="0" y="0"/>
-              <a:ext cx="9118832" cy="6858000"/>
+              <a:ext cx="12192000" cy="6858000"/>
             </a:xfrm>
             <a:prstGeom prst="rect">
               <a:avLst/>
@@ -9984,9 +9683,8 @@
                   </a:schemeClr>
                 </a:duotone>
               </a:blip>
-              <a:srcRect/>
               <a:stretch>
-                <a:fillRect l="-16713" r="-16989"/>
+                <a:fillRect/>
               </a:stretch>
             </a:blipFill>
             <a:ln>
@@ -10012,7 +9710,64 @@
         </p:sp>
         <p:sp>
           <p:nvSpPr>
-            <p:cNvPr id="14" name="Oval 13"/>
+            <p:cNvPr id="17" name="Oval 16"/>
+            <p:cNvSpPr/>
+            <p:nvPr/>
+          </p:nvSpPr>
+          <p:spPr>
+            <a:xfrm>
+              <a:off x="0" y="2667000"/>
+              <a:ext cx="4191000" cy="4191000"/>
+            </a:xfrm>
+            <a:prstGeom prst="ellipse">
+              <a:avLst/>
+            </a:prstGeom>
+            <a:gradFill flip="none" rotWithShape="1">
+              <a:gsLst>
+                <a:gs pos="0">
+                  <a:schemeClr val="accent5">
+                    <a:alpha val="11000"/>
+                  </a:schemeClr>
+                </a:gs>
+                <a:gs pos="75000">
+                  <a:schemeClr val="accent5">
+                    <a:alpha val="0"/>
+                  </a:schemeClr>
+                </a:gs>
+                <a:gs pos="36000">
+                  <a:schemeClr val="accent5">
+                    <a:alpha val="10000"/>
+                  </a:schemeClr>
+                </a:gs>
+              </a:gsLst>
+              <a:path path="circle">
+                <a:fillToRect l="50000" t="50000" r="50000" b="50000"/>
+              </a:path>
+              <a:tileRect/>
+            </a:gradFill>
+            <a:ln>
+              <a:noFill/>
+            </a:ln>
+            <a:effectLst/>
+          </p:spPr>
+          <p:style>
+            <a:lnRef idx="1">
+              <a:schemeClr val="accent1"/>
+            </a:lnRef>
+            <a:fillRef idx="3">
+              <a:schemeClr val="accent1"/>
+            </a:fillRef>
+            <a:effectRef idx="2">
+              <a:schemeClr val="accent1"/>
+            </a:effectRef>
+            <a:fontRef idx="minor">
+              <a:schemeClr val="lt1"/>
+            </a:fontRef>
+          </p:style>
+        </p:sp>
+        <p:sp>
+          <p:nvSpPr>
+            <p:cNvPr id="19" name="Oval 18"/>
             <p:cNvSpPr/>
             <p:nvPr/>
           </p:nvSpPr>
@@ -10069,14 +9824,14 @@
         </p:sp>
         <p:sp>
           <p:nvSpPr>
-            <p:cNvPr id="15" name="Oval 14"/>
+            <p:cNvPr id="20" name="Oval 19"/>
             <p:cNvSpPr/>
             <p:nvPr/>
           </p:nvSpPr>
           <p:spPr>
             <a:xfrm>
-              <a:off x="6299432" y="1676400"/>
-              <a:ext cx="2819400" cy="2819400"/>
+              <a:off x="8609012" y="5867400"/>
+              <a:ext cx="990600" cy="990600"/>
             </a:xfrm>
             <a:prstGeom prst="ellipse">
               <a:avLst/>
@@ -10085,17 +9840,17 @@
               <a:gsLst>
                 <a:gs pos="0">
                   <a:schemeClr val="accent5">
-                    <a:alpha val="7000"/>
+                    <a:alpha val="14000"/>
                   </a:schemeClr>
                 </a:gs>
-                <a:gs pos="69000">
+                <a:gs pos="66000">
                   <a:schemeClr val="accent5">
                     <a:alpha val="0"/>
                   </a:schemeClr>
                 </a:gs>
                 <a:gs pos="36000">
                   <a:schemeClr val="accent5">
-                    <a:alpha val="6000"/>
+                    <a:alpha val="7000"/>
                   </a:schemeClr>
                 </a:gs>
               </a:gsLst>
@@ -10126,14 +9881,14 @@
         </p:sp>
         <p:sp>
           <p:nvSpPr>
-            <p:cNvPr id="16" name="Oval 15"/>
+            <p:cNvPr id="21" name="Oval 20"/>
             <p:cNvSpPr/>
             <p:nvPr/>
           </p:nvSpPr>
           <p:spPr>
             <a:xfrm>
-              <a:off x="5689832" y="0"/>
-              <a:ext cx="1600200" cy="1600200"/>
+              <a:off x="8609012" y="1676400"/>
+              <a:ext cx="2819400" cy="2819400"/>
             </a:xfrm>
             <a:prstGeom prst="ellipse">
               <a:avLst/>
@@ -10142,17 +9897,17 @@
               <a:gsLst>
                 <a:gs pos="0">
                   <a:schemeClr val="accent5">
-                    <a:alpha val="14000"/>
+                    <a:alpha val="7000"/>
                   </a:schemeClr>
                 </a:gs>
-                <a:gs pos="73000">
+                <a:gs pos="69000">
                   <a:schemeClr val="accent5">
                     <a:alpha val="0"/>
                   </a:schemeClr>
                 </a:gs>
                 <a:gs pos="36000">
                   <a:schemeClr val="accent5">
-                    <a:alpha val="7000"/>
+                    <a:alpha val="6000"/>
                   </a:schemeClr>
                 </a:gs>
               </a:gsLst>
@@ -10183,14 +9938,14 @@
         </p:sp>
         <p:sp>
           <p:nvSpPr>
-            <p:cNvPr id="17" name="Oval 16"/>
+            <p:cNvPr id="22" name="Oval 21"/>
             <p:cNvSpPr/>
             <p:nvPr/>
           </p:nvSpPr>
           <p:spPr>
             <a:xfrm>
-              <a:off x="6299432" y="5870198"/>
-              <a:ext cx="990600" cy="990600"/>
+              <a:off x="7999412" y="8464"/>
+              <a:ext cx="1600200" cy="1600200"/>
             </a:xfrm>
             <a:prstGeom prst="ellipse">
               <a:avLst/>
@@ -10202,7 +9957,7 @@
                     <a:alpha val="14000"/>
                   </a:schemeClr>
                 </a:gs>
-                <a:gs pos="66000">
+                <a:gs pos="73000">
                   <a:schemeClr val="accent5">
                     <a:alpha val="0"/>
                   </a:schemeClr>
@@ -10240,71 +9995,14 @@
         </p:sp>
         <p:sp>
           <p:nvSpPr>
-            <p:cNvPr id="18" name="Oval 17"/>
-            <p:cNvSpPr/>
-            <p:nvPr/>
-          </p:nvSpPr>
-          <p:spPr>
-            <a:xfrm>
-              <a:off x="-1588" y="2667000"/>
-              <a:ext cx="4191000" cy="4191000"/>
-            </a:xfrm>
-            <a:prstGeom prst="ellipse">
-              <a:avLst/>
-            </a:prstGeom>
-            <a:gradFill flip="none" rotWithShape="1">
-              <a:gsLst>
-                <a:gs pos="0">
-                  <a:schemeClr val="accent5">
-                    <a:alpha val="11000"/>
-                  </a:schemeClr>
-                </a:gs>
-                <a:gs pos="75000">
-                  <a:schemeClr val="accent5">
-                    <a:alpha val="0"/>
-                  </a:schemeClr>
-                </a:gs>
-                <a:gs pos="36000">
-                  <a:schemeClr val="accent5">
-                    <a:alpha val="10000"/>
-                  </a:schemeClr>
-                </a:gs>
-              </a:gsLst>
-              <a:path path="circle">
-                <a:fillToRect l="50000" t="50000" r="50000" b="50000"/>
-              </a:path>
-              <a:tileRect/>
-            </a:gradFill>
-            <a:ln>
-              <a:noFill/>
-            </a:ln>
-            <a:effectLst/>
-          </p:spPr>
-          <p:style>
-            <a:lnRef idx="1">
-              <a:schemeClr val="accent1"/>
-            </a:lnRef>
-            <a:fillRef idx="3">
-              <a:schemeClr val="accent1"/>
-            </a:fillRef>
-            <a:effectRef idx="2">
-              <a:schemeClr val="accent1"/>
-            </a:effectRef>
-            <a:fontRef idx="minor">
-              <a:schemeClr val="lt1"/>
-            </a:fontRef>
-          </p:style>
-        </p:sp>
-        <p:sp>
-          <p:nvSpPr>
             <p:cNvPr id="11" name="Rectangle 10"/>
             <p:cNvSpPr/>
             <p:nvPr/>
           </p:nvSpPr>
-          <p:spPr>
+          <p:spPr bwMode="gray">
             <a:xfrm>
-              <a:off x="5283673" y="402165"/>
-              <a:ext cx="3465769" cy="6053670"/>
+              <a:off x="5713412" y="402165"/>
+              <a:ext cx="6055253" cy="6053670"/>
             </a:xfrm>
             <a:prstGeom prst="rect">
               <a:avLst/>
@@ -10334,150 +10032,14 @@
         </p:sp>
         <p:sp>
           <p:nvSpPr>
-            <p:cNvPr id="12" name="Freeform 11"/>
+            <p:cNvPr id="18" name="Freeform 5"/>
             <p:cNvSpPr/>
             <p:nvPr/>
           </p:nvSpPr>
           <p:spPr bwMode="gray">
-            <a:xfrm rot="16200000">
-              <a:off x="2548536" y="1765596"/>
-              <a:ext cx="5995993" cy="3326809"/>
-            </a:xfrm>
-            <a:custGeom>
-              <a:avLst/>
-              <a:gdLst/>
-              <a:ahLst/>
-              <a:cxnLst/>
-              <a:rect l="0" t="0" r="r" b="b"/>
-              <a:pathLst>
-                <a:path w="4960" h="2752">
-                  <a:moveTo>
-                    <a:pt x="0" y="0"/>
-                  </a:moveTo>
-                  <a:lnTo>
-                    <a:pt x="0" y="324"/>
-                  </a:lnTo>
-                  <a:lnTo>
-                    <a:pt x="0" y="1992"/>
-                  </a:lnTo>
-                  <a:lnTo>
-                    <a:pt x="0" y="2752"/>
-                  </a:lnTo>
-                  <a:lnTo>
-                    <a:pt x="4960" y="2752"/>
-                  </a:lnTo>
-                  <a:lnTo>
-                    <a:pt x="4960" y="1992"/>
-                  </a:lnTo>
-                  <a:lnTo>
-                    <a:pt x="4960" y="324"/>
-                  </a:lnTo>
-                  <a:lnTo>
-                    <a:pt x="4960" y="0"/>
-                  </a:lnTo>
-                  <a:lnTo>
-                    <a:pt x="4960" y="0"/>
-                  </a:lnTo>
-                  <a:lnTo>
-                    <a:pt x="4734" y="34"/>
-                  </a:lnTo>
-                  <a:lnTo>
-                    <a:pt x="4510" y="64"/>
-                  </a:lnTo>
-                  <a:lnTo>
-                    <a:pt x="4284" y="90"/>
-                  </a:lnTo>
-                  <a:lnTo>
-                    <a:pt x="4060" y="114"/>
-                  </a:lnTo>
-                  <a:lnTo>
-                    <a:pt x="3836" y="132"/>
-                  </a:lnTo>
-                  <a:lnTo>
-                    <a:pt x="3614" y="146"/>
-                  </a:lnTo>
-                  <a:lnTo>
-                    <a:pt x="3392" y="158"/>
-                  </a:lnTo>
-                  <a:lnTo>
-                    <a:pt x="3174" y="166"/>
-                  </a:lnTo>
-                  <a:lnTo>
-                    <a:pt x="2960" y="172"/>
-                  </a:lnTo>
-                  <a:lnTo>
-                    <a:pt x="2748" y="174"/>
-                  </a:lnTo>
-                  <a:lnTo>
-                    <a:pt x="2542" y="174"/>
-                  </a:lnTo>
-                  <a:lnTo>
-                    <a:pt x="2338" y="174"/>
-                  </a:lnTo>
-                  <a:lnTo>
-                    <a:pt x="2140" y="170"/>
-                  </a:lnTo>
-                  <a:lnTo>
-                    <a:pt x="1948" y="164"/>
-                  </a:lnTo>
-                  <a:lnTo>
-                    <a:pt x="1762" y="156"/>
-                  </a:lnTo>
-                  <a:lnTo>
-                    <a:pt x="1582" y="148"/>
-                  </a:lnTo>
-                  <a:lnTo>
-                    <a:pt x="1410" y="138"/>
-                  </a:lnTo>
-                  <a:lnTo>
-                    <a:pt x="1244" y="128"/>
-                  </a:lnTo>
-                  <a:lnTo>
-                    <a:pt x="1088" y="116"/>
-                  </a:lnTo>
-                  <a:lnTo>
-                    <a:pt x="938" y="104"/>
-                  </a:lnTo>
-                  <a:lnTo>
-                    <a:pt x="668" y="78"/>
-                  </a:lnTo>
-                  <a:lnTo>
-                    <a:pt x="438" y="54"/>
-                  </a:lnTo>
-                  <a:lnTo>
-                    <a:pt x="254" y="34"/>
-                  </a:lnTo>
-                  <a:lnTo>
-                    <a:pt x="116" y="16"/>
-                  </a:lnTo>
-                  <a:lnTo>
-                    <a:pt x="0" y="0"/>
-                  </a:lnTo>
-                  <a:lnTo>
-                    <a:pt x="0" y="0"/>
-                  </a:lnTo>
-                  <a:close/>
-                </a:path>
-              </a:pathLst>
-            </a:custGeom>
-            <a:solidFill>
-              <a:schemeClr val="bg1"/>
-            </a:solidFill>
-            <a:ln>
-              <a:noFill/>
-            </a:ln>
-          </p:spPr>
-        </p:sp>
-        <p:sp>
-          <p:nvSpPr>
-            <p:cNvPr id="22" name="Freeform 5"/>
-            <p:cNvSpPr/>
-            <p:nvPr/>
-          </p:nvSpPr>
-          <p:spPr bwMode="gray">
-            <a:xfrm rot="15687606">
-              <a:off x="2769747" y="1458373"/>
-              <a:ext cx="2377690" cy="317748"/>
+            <a:xfrm rot="15922489">
+              <a:off x="3140485" y="1826078"/>
+              <a:ext cx="3299407" cy="440924"/>
             </a:xfrm>
             <a:custGeom>
               <a:avLst/>
@@ -10617,7 +10179,191 @@
         </p:sp>
         <p:sp>
           <p:nvSpPr>
-            <p:cNvPr id="19" name="Freeform 5"/>
+            <p:cNvPr id="12" name="Freeform 5"/>
+            <p:cNvSpPr/>
+            <p:nvPr/>
+          </p:nvSpPr>
+          <p:spPr bwMode="gray">
+            <a:xfrm rot="16200000">
+              <a:off x="2229377" y="2801721"/>
+              <a:ext cx="6053670" cy="1254558"/>
+            </a:xfrm>
+            <a:custGeom>
+              <a:avLst/>
+              <a:gdLst/>
+              <a:ahLst/>
+              <a:cxnLst/>
+              <a:rect l="l" t="t" r="r" b="b"/>
+              <a:pathLst>
+                <a:path w="10000" h="8000">
+                  <a:moveTo>
+                    <a:pt x="0" y="0"/>
+                  </a:moveTo>
+                  <a:lnTo>
+                    <a:pt x="0" y="7970"/>
+                  </a:lnTo>
+                  <a:lnTo>
+                    <a:pt x="10000" y="8000"/>
+                  </a:lnTo>
+                  <a:lnTo>
+                    <a:pt x="10000" y="7"/>
+                  </a:lnTo>
+                  <a:lnTo>
+                    <a:pt x="10000" y="7"/>
+                  </a:lnTo>
+                  <a:lnTo>
+                    <a:pt x="9773" y="156"/>
+                  </a:lnTo>
+                  <a:lnTo>
+                    <a:pt x="9547" y="298"/>
+                  </a:lnTo>
+                  <a:lnTo>
+                    <a:pt x="9320" y="437"/>
+                  </a:lnTo>
+                  <a:lnTo>
+                    <a:pt x="9092" y="556"/>
+                  </a:lnTo>
+                  <a:lnTo>
+                    <a:pt x="8865" y="676"/>
+                  </a:lnTo>
+                  <a:lnTo>
+                    <a:pt x="8637" y="788"/>
+                  </a:lnTo>
+                  <a:lnTo>
+                    <a:pt x="8412" y="884"/>
+                  </a:lnTo>
+                  <a:lnTo>
+                    <a:pt x="8184" y="975"/>
+                  </a:lnTo>
+                  <a:lnTo>
+                    <a:pt x="7957" y="1058"/>
+                  </a:lnTo>
+                  <a:lnTo>
+                    <a:pt x="7734" y="1130"/>
+                  </a:lnTo>
+                  <a:lnTo>
+                    <a:pt x="7508" y="1202"/>
+                  </a:lnTo>
+                  <a:lnTo>
+                    <a:pt x="7285" y="1262"/>
+                  </a:lnTo>
+                  <a:lnTo>
+                    <a:pt x="7062" y="1309"/>
+                  </a:lnTo>
+                  <a:lnTo>
+                    <a:pt x="6840" y="1358"/>
+                  </a:lnTo>
+                  <a:lnTo>
+                    <a:pt x="6620" y="1399"/>
+                  </a:lnTo>
+                  <a:lnTo>
+                    <a:pt x="6402" y="1428"/>
+                  </a:lnTo>
+                  <a:lnTo>
+                    <a:pt x="6184" y="1453"/>
+                  </a:lnTo>
+                  <a:lnTo>
+                    <a:pt x="5968" y="1477"/>
+                  </a:lnTo>
+                  <a:lnTo>
+                    <a:pt x="5755" y="1488"/>
+                  </a:lnTo>
+                  <a:lnTo>
+                    <a:pt x="5542" y="1500"/>
+                  </a:lnTo>
+                  <a:lnTo>
+                    <a:pt x="5332" y="1506"/>
+                  </a:lnTo>
+                  <a:lnTo>
+                    <a:pt x="5124" y="1500"/>
+                  </a:lnTo>
+                  <a:lnTo>
+                    <a:pt x="4918" y="1500"/>
+                  </a:lnTo>
+                  <a:lnTo>
+                    <a:pt x="4714" y="1488"/>
+                  </a:lnTo>
+                  <a:lnTo>
+                    <a:pt x="4514" y="1470"/>
+                  </a:lnTo>
+                  <a:lnTo>
+                    <a:pt x="4316" y="1453"/>
+                  </a:lnTo>
+                  <a:lnTo>
+                    <a:pt x="4122" y="1434"/>
+                  </a:lnTo>
+                  <a:lnTo>
+                    <a:pt x="3929" y="1405"/>
+                  </a:lnTo>
+                  <a:lnTo>
+                    <a:pt x="3739" y="1374"/>
+                  </a:lnTo>
+                  <a:lnTo>
+                    <a:pt x="3553" y="1346"/>
+                  </a:lnTo>
+                  <a:lnTo>
+                    <a:pt x="3190" y="1267"/>
+                  </a:lnTo>
+                  <a:lnTo>
+                    <a:pt x="2842" y="1183"/>
+                  </a:lnTo>
+                  <a:lnTo>
+                    <a:pt x="2508" y="1095"/>
+                  </a:lnTo>
+                  <a:lnTo>
+                    <a:pt x="2192" y="998"/>
+                  </a:lnTo>
+                  <a:lnTo>
+                    <a:pt x="1890" y="897"/>
+                  </a:lnTo>
+                  <a:lnTo>
+                    <a:pt x="1610" y="788"/>
+                  </a:lnTo>
+                  <a:lnTo>
+                    <a:pt x="1347" y="681"/>
+                  </a:lnTo>
+                  <a:lnTo>
+                    <a:pt x="1105" y="574"/>
+                  </a:lnTo>
+                  <a:lnTo>
+                    <a:pt x="883" y="473"/>
+                  </a:lnTo>
+                  <a:lnTo>
+                    <a:pt x="686" y="377"/>
+                  </a:lnTo>
+                  <a:lnTo>
+                    <a:pt x="508" y="286"/>
+                  </a:lnTo>
+                  <a:lnTo>
+                    <a:pt x="358" y="210"/>
+                  </a:lnTo>
+                  <a:lnTo>
+                    <a:pt x="232" y="138"/>
+                  </a:lnTo>
+                  <a:lnTo>
+                    <a:pt x="59" y="35"/>
+                  </a:lnTo>
+                  <a:lnTo>
+                    <a:pt x="0" y="0"/>
+                  </a:lnTo>
+                  <a:lnTo>
+                    <a:pt x="0" y="0"/>
+                  </a:lnTo>
+                  <a:close/>
+                </a:path>
+              </a:pathLst>
+            </a:custGeom>
+            <a:solidFill>
+              <a:schemeClr val="bg1"/>
+            </a:solidFill>
+            <a:ln>
+              <a:noFill/>
+            </a:ln>
+          </p:spPr>
+        </p:sp>
+        <p:sp>
+          <p:nvSpPr>
+            <p:cNvPr id="15" name="Freeform 5"/>
             <p:cNvSpPr>
               <a:spLocks noEditPoints="1"/>
             </p:cNvSpPr>
@@ -10625,8 +10371,8 @@
           </p:nvSpPr>
           <p:spPr bwMode="gray">
             <a:xfrm>
-              <a:off x="0" y="0"/>
-              <a:ext cx="9144000" cy="6858000"/>
+              <a:off x="0" y="1587"/>
+              <a:ext cx="12192000" cy="6856413"/>
             </a:xfrm>
             <a:custGeom>
               <a:avLst/>
@@ -10635,60 +10381,48 @@
               <a:cxnLst/>
               <a:rect l="0" t="0" r="r" b="b"/>
               <a:pathLst>
-                <a:path w="5760" h="4320">
+                <a:path w="15356" h="8638">
                   <a:moveTo>
                     <a:pt x="0" y="0"/>
                   </a:moveTo>
                   <a:lnTo>
-                    <a:pt x="0" y="4320"/>
-                  </a:lnTo>
-                  <a:lnTo>
-                    <a:pt x="5760" y="4320"/>
-                  </a:lnTo>
-                  <a:lnTo>
-                    <a:pt x="5760" y="0"/>
+                    <a:pt x="0" y="8638"/>
+                  </a:lnTo>
+                  <a:lnTo>
+                    <a:pt x="15356" y="8638"/>
+                  </a:lnTo>
+                  <a:lnTo>
+                    <a:pt x="15356" y="0"/>
                   </a:lnTo>
                   <a:lnTo>
                     <a:pt x="0" y="0"/>
                   </a:lnTo>
                   <a:close/>
                   <a:moveTo>
-                    <a:pt x="5444" y="4004"/>
+                    <a:pt x="14748" y="8038"/>
                   </a:moveTo>
                   <a:lnTo>
-                    <a:pt x="324" y="4004"/>
-                  </a:lnTo>
-                  <a:lnTo>
-                    <a:pt x="324" y="324"/>
-                  </a:lnTo>
-                  <a:lnTo>
-                    <a:pt x="5444" y="324"/>
-                  </a:lnTo>
-                  <a:lnTo>
-                    <a:pt x="5444" y="4004"/>
+                    <a:pt x="600" y="8038"/>
+                  </a:lnTo>
+                  <a:lnTo>
+                    <a:pt x="600" y="592"/>
+                  </a:lnTo>
+                  <a:lnTo>
+                    <a:pt x="14748" y="592"/>
+                  </a:lnTo>
+                  <a:lnTo>
+                    <a:pt x="14748" y="8038"/>
                   </a:lnTo>
                   <a:close/>
                 </a:path>
               </a:pathLst>
             </a:custGeom>
             <a:solidFill>
-              <a:srgbClr val="FFFFFF"/>
+              <a:schemeClr val="bg1"/>
             </a:solidFill>
             <a:ln>
               <a:noFill/>
             </a:ln>
-            <a:extLst>
-              <a:ext uri="{91240B29-F687-4f45-9708-019B960494DF}">
-                <a14:hiddenLine xmlns:a14="http://schemas.microsoft.com/office/drawing/2010/main" xmlns="" w="9525">
-                  <a:solidFill>
-                    <a:srgbClr val="000000"/>
-                  </a:solidFill>
-                  <a:round/>
-                  <a:headEnd/>
-                  <a:tailEnd/>
-                </a14:hiddenLine>
-              </a:ext>
-            </a:extLst>
           </p:spPr>
         </p:sp>
       </p:grpSp>
@@ -10704,8 +10438,8 @@
         </p:nvSpPr>
         <p:spPr>
           <a:xfrm>
-            <a:off x="866440" y="1447800"/>
-            <a:ext cx="2712590" cy="1495588"/>
+            <a:off x="1154955" y="1295400"/>
+            <a:ext cx="2793158" cy="1600200"/>
           </a:xfrm>
         </p:spPr>
         <p:txBody>
@@ -10736,8 +10470,8 @@
         </p:nvSpPr>
         <p:spPr>
           <a:xfrm>
-            <a:off x="4568927" y="1447800"/>
-            <a:ext cx="3632850" cy="4572000"/>
+            <a:off x="5781146" y="1447800"/>
+            <a:ext cx="5190066" cy="4572000"/>
           </a:xfrm>
         </p:spPr>
         <p:txBody>
@@ -10795,8 +10529,8 @@
         </p:nvSpPr>
         <p:spPr bwMode="gray">
           <a:xfrm>
-            <a:off x="866441" y="3086845"/>
-            <a:ext cx="2712589" cy="2933701"/>
+            <a:off x="1154954" y="3129280"/>
+            <a:ext cx="2793158" cy="2895599"/>
           </a:xfrm>
         </p:spPr>
         <p:txBody>
@@ -10872,7 +10606,7 @@
           <a:p>
             <a:fld id="{5BCAD085-E8A6-8845-BD4E-CB4CCA059FC4}" type="datetimeFigureOut">
               <a:rPr lang="en-US" smtClean="0"/>
-              <a:t>3/11/2023</a:t>
+              <a:t>4/11/2023</a:t>
             </a:fld>
             <a:endParaRPr lang="en-US"/>
           </a:p>
@@ -10899,14 +10633,14 @@
       </p:sp>
       <p:sp>
         <p:nvSpPr>
-          <p:cNvPr id="9" name="Rectangle 8"/>
+          <p:cNvPr id="16" name="Rectangle 15"/>
           <p:cNvSpPr/>
           <p:nvPr/>
         </p:nvSpPr>
         <p:spPr>
           <a:xfrm>
-            <a:off x="7745644" y="0"/>
-            <a:ext cx="685800" cy="1099458"/>
+            <a:off x="10437812" y="0"/>
+            <a:ext cx="685800" cy="1143000"/>
           </a:xfrm>
           <a:prstGeom prst="rect">
             <a:avLst/>
@@ -10943,22 +10677,10 @@
             <p:ph type="sldNum" sz="quarter" idx="12"/>
           </p:nvPr>
         </p:nvSpPr>
-        <p:spPr>
-          <a:xfrm>
-            <a:off x="7678616" y="295730"/>
-            <a:ext cx="791308" cy="767687"/>
-          </a:xfrm>
-          <a:prstGeom prst="rect">
-            <a:avLst/>
-          </a:prstGeom>
-        </p:spPr>
+        <p:spPr/>
         <p:txBody>
           <a:bodyPr/>
-          <a:lstStyle>
-            <a:lvl1pPr algn="ctr">
-              <a:defRPr sz="2800"/>
-            </a:lvl1pPr>
-          </a:lstStyle>
+          <a:lstStyle/>
           <a:p>
             <a:fld id="{C1FF6DA9-008F-8B48-92A6-B652298478BF}" type="slidenum">
               <a:rPr lang="en-US" smtClean="0"/>
@@ -10971,7 +10693,7 @@
     </p:spTree>
     <p:extLst>
       <p:ext uri="{BB962C8B-B14F-4D97-AF65-F5344CB8AC3E}">
-        <p14:creationId xmlns:p14="http://schemas.microsoft.com/office/powerpoint/2010/main" val="4233178210"/>
+        <p14:creationId xmlns:p14="http://schemas.microsoft.com/office/powerpoint/2010/main" val="1075458886"/>
       </p:ext>
     </p:extLst>
   </p:cSld>
@@ -11000,28 +10722,28 @@
       </p:grpSpPr>
       <p:grpSp>
         <p:nvGrpSpPr>
-          <p:cNvPr id="8" name="Group 7"/>
+          <p:cNvPr id="9" name="Group 8"/>
           <p:cNvGrpSpPr/>
           <p:nvPr/>
         </p:nvGrpSpPr>
         <p:grpSpPr>
           <a:xfrm>
-            <a:off x="-1588" y="0"/>
-            <a:ext cx="9145588" cy="6860798"/>
-            <a:chOff x="-1588" y="0"/>
-            <a:chExt cx="9145588" cy="6860798"/>
+            <a:off x="0" y="0"/>
+            <a:ext cx="12192000" cy="6858000"/>
+            <a:chOff x="0" y="0"/>
+            <a:chExt cx="12192000" cy="6858000"/>
           </a:xfrm>
         </p:grpSpPr>
         <p:sp>
           <p:nvSpPr>
-            <p:cNvPr id="13" name="Rectangle 12"/>
+            <p:cNvPr id="14" name="Rectangle 13"/>
             <p:cNvSpPr/>
             <p:nvPr/>
           </p:nvSpPr>
           <p:spPr>
             <a:xfrm>
               <a:off x="0" y="0"/>
-              <a:ext cx="9118832" cy="6858000"/>
+              <a:ext cx="12192000" cy="6858000"/>
             </a:xfrm>
             <a:prstGeom prst="rect">
               <a:avLst/>
@@ -11042,9 +10764,8 @@
                   </a:schemeClr>
                 </a:duotone>
               </a:blip>
-              <a:srcRect/>
               <a:stretch>
-                <a:fillRect l="-16713" r="-16989"/>
+                <a:fillRect/>
               </a:stretch>
             </a:blipFill>
             <a:ln>
@@ -11070,7 +10791,64 @@
         </p:sp>
         <p:sp>
           <p:nvSpPr>
-            <p:cNvPr id="14" name="Oval 13"/>
+            <p:cNvPr id="17" name="Oval 16"/>
+            <p:cNvSpPr/>
+            <p:nvPr/>
+          </p:nvSpPr>
+          <p:spPr>
+            <a:xfrm>
+              <a:off x="0" y="2667000"/>
+              <a:ext cx="4191000" cy="4191000"/>
+            </a:xfrm>
+            <a:prstGeom prst="ellipse">
+              <a:avLst/>
+            </a:prstGeom>
+            <a:gradFill flip="none" rotWithShape="1">
+              <a:gsLst>
+                <a:gs pos="0">
+                  <a:schemeClr val="accent5">
+                    <a:alpha val="11000"/>
+                  </a:schemeClr>
+                </a:gs>
+                <a:gs pos="75000">
+                  <a:schemeClr val="accent5">
+                    <a:alpha val="0"/>
+                  </a:schemeClr>
+                </a:gs>
+                <a:gs pos="36000">
+                  <a:schemeClr val="accent5">
+                    <a:alpha val="10000"/>
+                  </a:schemeClr>
+                </a:gs>
+              </a:gsLst>
+              <a:path path="circle">
+                <a:fillToRect l="50000" t="50000" r="50000" b="50000"/>
+              </a:path>
+              <a:tileRect/>
+            </a:gradFill>
+            <a:ln>
+              <a:noFill/>
+            </a:ln>
+            <a:effectLst/>
+          </p:spPr>
+          <p:style>
+            <a:lnRef idx="1">
+              <a:schemeClr val="accent1"/>
+            </a:lnRef>
+            <a:fillRef idx="3">
+              <a:schemeClr val="accent1"/>
+            </a:fillRef>
+            <a:effectRef idx="2">
+              <a:schemeClr val="accent1"/>
+            </a:effectRef>
+            <a:fontRef idx="minor">
+              <a:schemeClr val="lt1"/>
+            </a:fontRef>
+          </p:style>
+        </p:sp>
+        <p:sp>
+          <p:nvSpPr>
+            <p:cNvPr id="18" name="Oval 17"/>
             <p:cNvSpPr/>
             <p:nvPr/>
           </p:nvSpPr>
@@ -11127,14 +10905,14 @@
         </p:sp>
         <p:sp>
           <p:nvSpPr>
-            <p:cNvPr id="15" name="Oval 14"/>
+            <p:cNvPr id="19" name="Oval 18"/>
             <p:cNvSpPr/>
             <p:nvPr/>
           </p:nvSpPr>
           <p:spPr>
             <a:xfrm>
-              <a:off x="6299432" y="1676400"/>
-              <a:ext cx="2819400" cy="2819400"/>
+              <a:off x="8609012" y="5867400"/>
+              <a:ext cx="990600" cy="990600"/>
             </a:xfrm>
             <a:prstGeom prst="ellipse">
               <a:avLst/>
@@ -11143,17 +10921,17 @@
               <a:gsLst>
                 <a:gs pos="0">
                   <a:schemeClr val="accent5">
-                    <a:alpha val="7000"/>
+                    <a:alpha val="14000"/>
                   </a:schemeClr>
                 </a:gs>
-                <a:gs pos="69000">
+                <a:gs pos="66000">
                   <a:schemeClr val="accent5">
                     <a:alpha val="0"/>
                   </a:schemeClr>
                 </a:gs>
                 <a:gs pos="36000">
                   <a:schemeClr val="accent5">
-                    <a:alpha val="6000"/>
+                    <a:alpha val="7000"/>
                   </a:schemeClr>
                 </a:gs>
               </a:gsLst>
@@ -11184,14 +10962,14 @@
         </p:sp>
         <p:sp>
           <p:nvSpPr>
-            <p:cNvPr id="16" name="Oval 15"/>
+            <p:cNvPr id="20" name="Oval 19"/>
             <p:cNvSpPr/>
             <p:nvPr/>
           </p:nvSpPr>
           <p:spPr>
             <a:xfrm>
-              <a:off x="5689832" y="0"/>
-              <a:ext cx="1600200" cy="1600200"/>
+              <a:off x="8609012" y="1676400"/>
+              <a:ext cx="2819400" cy="2819400"/>
             </a:xfrm>
             <a:prstGeom prst="ellipse">
               <a:avLst/>
@@ -11200,17 +10978,17 @@
               <a:gsLst>
                 <a:gs pos="0">
                   <a:schemeClr val="accent5">
-                    <a:alpha val="14000"/>
+                    <a:alpha val="7000"/>
                   </a:schemeClr>
                 </a:gs>
-                <a:gs pos="73000">
+                <a:gs pos="69000">
                   <a:schemeClr val="accent5">
                     <a:alpha val="0"/>
                   </a:schemeClr>
                 </a:gs>
                 <a:gs pos="36000">
                   <a:schemeClr val="accent5">
-                    <a:alpha val="7000"/>
+                    <a:alpha val="6000"/>
                   </a:schemeClr>
                 </a:gs>
               </a:gsLst>
@@ -11241,14 +11019,14 @@
         </p:sp>
         <p:sp>
           <p:nvSpPr>
-            <p:cNvPr id="17" name="Oval 16"/>
+            <p:cNvPr id="21" name="Oval 20"/>
             <p:cNvSpPr/>
             <p:nvPr/>
           </p:nvSpPr>
           <p:spPr>
             <a:xfrm>
-              <a:off x="6299432" y="5870198"/>
-              <a:ext cx="990600" cy="990600"/>
+              <a:off x="7999412" y="8464"/>
+              <a:ext cx="1600200" cy="1600200"/>
             </a:xfrm>
             <a:prstGeom prst="ellipse">
               <a:avLst/>
@@ -11260,7 +11038,7 @@
                     <a:alpha val="14000"/>
                   </a:schemeClr>
                 </a:gs>
-                <a:gs pos="66000">
+                <a:gs pos="73000">
                   <a:schemeClr val="accent5">
                     <a:alpha val="0"/>
                   </a:schemeClr>
@@ -11298,71 +11076,14 @@
         </p:sp>
         <p:sp>
           <p:nvSpPr>
-            <p:cNvPr id="18" name="Oval 17"/>
-            <p:cNvSpPr/>
-            <p:nvPr/>
-          </p:nvSpPr>
-          <p:spPr>
-            <a:xfrm>
-              <a:off x="-1588" y="2667000"/>
-              <a:ext cx="4191000" cy="4191000"/>
-            </a:xfrm>
-            <a:prstGeom prst="ellipse">
-              <a:avLst/>
-            </a:prstGeom>
-            <a:gradFill flip="none" rotWithShape="1">
-              <a:gsLst>
-                <a:gs pos="0">
-                  <a:schemeClr val="accent5">
-                    <a:alpha val="11000"/>
-                  </a:schemeClr>
-                </a:gs>
-                <a:gs pos="75000">
-                  <a:schemeClr val="accent5">
-                    <a:alpha val="0"/>
-                  </a:schemeClr>
-                </a:gs>
-                <a:gs pos="36000">
-                  <a:schemeClr val="accent5">
-                    <a:alpha val="10000"/>
-                  </a:schemeClr>
-                </a:gs>
-              </a:gsLst>
-              <a:path path="circle">
-                <a:fillToRect l="50000" t="50000" r="50000" b="50000"/>
-              </a:path>
-              <a:tileRect/>
-            </a:gradFill>
-            <a:ln>
-              <a:noFill/>
-            </a:ln>
-            <a:effectLst/>
-          </p:spPr>
-          <p:style>
-            <a:lnRef idx="1">
-              <a:schemeClr val="accent1"/>
-            </a:lnRef>
-            <a:fillRef idx="3">
-              <a:schemeClr val="accent1"/>
-            </a:fillRef>
-            <a:effectRef idx="2">
-              <a:schemeClr val="accent1"/>
-            </a:effectRef>
-            <a:fontRef idx="minor">
-              <a:schemeClr val="lt1"/>
-            </a:fontRef>
-          </p:style>
-        </p:sp>
-        <p:sp>
-          <p:nvSpPr>
             <p:cNvPr id="11" name="Rectangle 10"/>
             <p:cNvSpPr/>
             <p:nvPr/>
           </p:nvSpPr>
-          <p:spPr>
+          <p:spPr bwMode="gray">
             <a:xfrm>
-              <a:off x="5283673" y="402165"/>
-              <a:ext cx="3465769" cy="6053670"/>
+              <a:off x="6172200" y="402165"/>
+              <a:ext cx="5596465" cy="6053670"/>
             </a:xfrm>
             <a:prstGeom prst="rect">
               <a:avLst/>
@@ -11392,150 +11113,14 @@
         </p:sp>
         <p:sp>
           <p:nvSpPr>
-            <p:cNvPr id="12" name="Freeform 11"/>
+            <p:cNvPr id="22" name="Freeform 5"/>
             <p:cNvSpPr/>
             <p:nvPr/>
           </p:nvSpPr>
           <p:spPr bwMode="gray">
-            <a:xfrm rot="16200000">
-              <a:off x="2852610" y="1765596"/>
-              <a:ext cx="5995993" cy="3326809"/>
-            </a:xfrm>
-            <a:custGeom>
-              <a:avLst/>
-              <a:gdLst/>
-              <a:ahLst/>
-              <a:cxnLst/>
-              <a:rect l="0" t="0" r="r" b="b"/>
-              <a:pathLst>
-                <a:path w="4960" h="2752">
-                  <a:moveTo>
-                    <a:pt x="0" y="0"/>
-                  </a:moveTo>
-                  <a:lnTo>
-                    <a:pt x="0" y="324"/>
-                  </a:lnTo>
-                  <a:lnTo>
-                    <a:pt x="0" y="1992"/>
-                  </a:lnTo>
-                  <a:lnTo>
-                    <a:pt x="0" y="2752"/>
-                  </a:lnTo>
-                  <a:lnTo>
-                    <a:pt x="4960" y="2752"/>
-                  </a:lnTo>
-                  <a:lnTo>
-                    <a:pt x="4960" y="1992"/>
-                  </a:lnTo>
-                  <a:lnTo>
-                    <a:pt x="4960" y="324"/>
-                  </a:lnTo>
-                  <a:lnTo>
-                    <a:pt x="4960" y="0"/>
-                  </a:lnTo>
-                  <a:lnTo>
-                    <a:pt x="4960" y="0"/>
-                  </a:lnTo>
-                  <a:lnTo>
-                    <a:pt x="4734" y="34"/>
-                  </a:lnTo>
-                  <a:lnTo>
-                    <a:pt x="4510" y="64"/>
-                  </a:lnTo>
-                  <a:lnTo>
-                    <a:pt x="4284" y="90"/>
-                  </a:lnTo>
-                  <a:lnTo>
-                    <a:pt x="4060" y="114"/>
-                  </a:lnTo>
-                  <a:lnTo>
-                    <a:pt x="3836" y="132"/>
-                  </a:lnTo>
-                  <a:lnTo>
-                    <a:pt x="3614" y="146"/>
-                  </a:lnTo>
-                  <a:lnTo>
-                    <a:pt x="3392" y="158"/>
-                  </a:lnTo>
-                  <a:lnTo>
-                    <a:pt x="3174" y="166"/>
-                  </a:lnTo>
-                  <a:lnTo>
-                    <a:pt x="2960" y="172"/>
-                  </a:lnTo>
-                  <a:lnTo>
-                    <a:pt x="2748" y="174"/>
-                  </a:lnTo>
-                  <a:lnTo>
-                    <a:pt x="2542" y="174"/>
-                  </a:lnTo>
-                  <a:lnTo>
-                    <a:pt x="2338" y="174"/>
-                  </a:lnTo>
-                  <a:lnTo>
-                    <a:pt x="2140" y="170"/>
-                  </a:lnTo>
-                  <a:lnTo>
-                    <a:pt x="1948" y="164"/>
-                  </a:lnTo>
-                  <a:lnTo>
-                    <a:pt x="1762" y="156"/>
-                  </a:lnTo>
-                  <a:lnTo>
-                    <a:pt x="1582" y="148"/>
-                  </a:lnTo>
-                  <a:lnTo>
-                    <a:pt x="1410" y="138"/>
-                  </a:lnTo>
-                  <a:lnTo>
-                    <a:pt x="1244" y="128"/>
-                  </a:lnTo>
-                  <a:lnTo>
-                    <a:pt x="1088" y="116"/>
-                  </a:lnTo>
-                  <a:lnTo>
-                    <a:pt x="938" y="104"/>
-                  </a:lnTo>
-                  <a:lnTo>
-                    <a:pt x="668" y="78"/>
-                  </a:lnTo>
-                  <a:lnTo>
-                    <a:pt x="438" y="54"/>
-                  </a:lnTo>
-                  <a:lnTo>
-                    <a:pt x="254" y="34"/>
-                  </a:lnTo>
-                  <a:lnTo>
-                    <a:pt x="116" y="16"/>
-                  </a:lnTo>
-                  <a:lnTo>
-                    <a:pt x="0" y="0"/>
-                  </a:lnTo>
-                  <a:lnTo>
-                    <a:pt x="0" y="0"/>
-                  </a:lnTo>
-                  <a:close/>
-                </a:path>
-              </a:pathLst>
-            </a:custGeom>
-            <a:solidFill>
-              <a:schemeClr val="bg1"/>
-            </a:solidFill>
-            <a:ln>
-              <a:noFill/>
-            </a:ln>
-          </p:spPr>
-        </p:sp>
-        <p:sp>
-          <p:nvSpPr>
-            <p:cNvPr id="24" name="Freeform 5"/>
-            <p:cNvSpPr/>
-            <p:nvPr/>
-          </p:nvSpPr>
-          <p:spPr bwMode="gray">
-            <a:xfrm rot="15687606">
-              <a:off x="3074559" y="1458373"/>
-              <a:ext cx="2377690" cy="317748"/>
+            <a:xfrm rot="15922489">
+              <a:off x="4203594" y="1826078"/>
+              <a:ext cx="3299407" cy="440924"/>
             </a:xfrm>
             <a:custGeom>
               <a:avLst/>
@@ -11675,7 +11260,191 @@
         </p:sp>
         <p:sp>
           <p:nvSpPr>
-            <p:cNvPr id="19" name="Freeform 5"/>
+            <p:cNvPr id="12" name="Freeform 5"/>
+            <p:cNvSpPr/>
+            <p:nvPr/>
+          </p:nvSpPr>
+          <p:spPr bwMode="gray">
+            <a:xfrm rot="16200000">
+              <a:off x="3295432" y="2801721"/>
+              <a:ext cx="6053670" cy="1254558"/>
+            </a:xfrm>
+            <a:custGeom>
+              <a:avLst/>
+              <a:gdLst/>
+              <a:ahLst/>
+              <a:cxnLst/>
+              <a:rect l="l" t="t" r="r" b="b"/>
+              <a:pathLst>
+                <a:path w="10000" h="8000">
+                  <a:moveTo>
+                    <a:pt x="0" y="0"/>
+                  </a:moveTo>
+                  <a:lnTo>
+                    <a:pt x="0" y="7970"/>
+                  </a:lnTo>
+                  <a:lnTo>
+                    <a:pt x="10000" y="8000"/>
+                  </a:lnTo>
+                  <a:lnTo>
+                    <a:pt x="10000" y="7"/>
+                  </a:lnTo>
+                  <a:lnTo>
+                    <a:pt x="10000" y="7"/>
+                  </a:lnTo>
+                  <a:lnTo>
+                    <a:pt x="9773" y="156"/>
+                  </a:lnTo>
+                  <a:lnTo>
+                    <a:pt x="9547" y="298"/>
+                  </a:lnTo>
+                  <a:lnTo>
+                    <a:pt x="9320" y="437"/>
+                  </a:lnTo>
+                  <a:lnTo>
+                    <a:pt x="9092" y="556"/>
+                  </a:lnTo>
+                  <a:lnTo>
+                    <a:pt x="8865" y="676"/>
+                  </a:lnTo>
+                  <a:lnTo>
+                    <a:pt x="8637" y="788"/>
+                  </a:lnTo>
+                  <a:lnTo>
+                    <a:pt x="8412" y="884"/>
+                  </a:lnTo>
+                  <a:lnTo>
+                    <a:pt x="8184" y="975"/>
+                  </a:lnTo>
+                  <a:lnTo>
+                    <a:pt x="7957" y="1058"/>
+                  </a:lnTo>
+                  <a:lnTo>
+                    <a:pt x="7734" y="1130"/>
+                  </a:lnTo>
+                  <a:lnTo>
+                    <a:pt x="7508" y="1202"/>
+                  </a:lnTo>
+                  <a:lnTo>
+                    <a:pt x="7285" y="1262"/>
+                  </a:lnTo>
+                  <a:lnTo>
+                    <a:pt x="7062" y="1309"/>
+                  </a:lnTo>
+                  <a:lnTo>
+                    <a:pt x="6840" y="1358"/>
+                  </a:lnTo>
+                  <a:lnTo>
+                    <a:pt x="6620" y="1399"/>
+                  </a:lnTo>
+                  <a:lnTo>
+                    <a:pt x="6402" y="1428"/>
+                  </a:lnTo>
+                  <a:lnTo>
+                    <a:pt x="6184" y="1453"/>
+                  </a:lnTo>
+                  <a:lnTo>
+                    <a:pt x="5968" y="1477"/>
+                  </a:lnTo>
+                  <a:lnTo>
+                    <a:pt x="5755" y="1488"/>
+                  </a:lnTo>
+                  <a:lnTo>
+                    <a:pt x="5542" y="1500"/>
+                  </a:lnTo>
+                  <a:lnTo>
+                    <a:pt x="5332" y="1506"/>
+                  </a:lnTo>
+                  <a:lnTo>
+                    <a:pt x="5124" y="1500"/>
+                  </a:lnTo>
+                  <a:lnTo>
+                    <a:pt x="4918" y="1500"/>
+                  </a:lnTo>
+                  <a:lnTo>
+                    <a:pt x="4714" y="1488"/>
+                  </a:lnTo>
+                  <a:lnTo>
+                    <a:pt x="4514" y="1470"/>
+                  </a:lnTo>
+                  <a:lnTo>
+                    <a:pt x="4316" y="1453"/>
+                  </a:lnTo>
+                  <a:lnTo>
+                    <a:pt x="4122" y="1434"/>
+                  </a:lnTo>
+                  <a:lnTo>
+                    <a:pt x="3929" y="1405"/>
+                  </a:lnTo>
+                  <a:lnTo>
+                    <a:pt x="3739" y="1374"/>
+                  </a:lnTo>
+                  <a:lnTo>
+                    <a:pt x="3553" y="1346"/>
+                  </a:lnTo>
+                  <a:lnTo>
+                    <a:pt x="3190" y="1267"/>
+                  </a:lnTo>
+                  <a:lnTo>
+                    <a:pt x="2842" y="1183"/>
+                  </a:lnTo>
+                  <a:lnTo>
+                    <a:pt x="2508" y="1095"/>
+                  </a:lnTo>
+                  <a:lnTo>
+                    <a:pt x="2192" y="998"/>
+                  </a:lnTo>
+                  <a:lnTo>
+                    <a:pt x="1890" y="897"/>
+                  </a:lnTo>
+                  <a:lnTo>
+                    <a:pt x="1610" y="788"/>
+                  </a:lnTo>
+                  <a:lnTo>
+                    <a:pt x="1347" y="681"/>
+                  </a:lnTo>
+                  <a:lnTo>
+                    <a:pt x="1105" y="574"/>
+                  </a:lnTo>
+                  <a:lnTo>
+                    <a:pt x="883" y="473"/>
+                  </a:lnTo>
+                  <a:lnTo>
+                    <a:pt x="686" y="377"/>
+                  </a:lnTo>
+                  <a:lnTo>
+                    <a:pt x="508" y="286"/>
+                  </a:lnTo>
+                  <a:lnTo>
+                    <a:pt x="358" y="210"/>
+                  </a:lnTo>
+                  <a:lnTo>
+                    <a:pt x="232" y="138"/>
+                  </a:lnTo>
+                  <a:lnTo>
+                    <a:pt x="59" y="35"/>
+                  </a:lnTo>
+                  <a:lnTo>
+                    <a:pt x="0" y="0"/>
+                  </a:lnTo>
+                  <a:lnTo>
+                    <a:pt x="0" y="0"/>
+                  </a:lnTo>
+                  <a:close/>
+                </a:path>
+              </a:pathLst>
+            </a:custGeom>
+            <a:solidFill>
+              <a:schemeClr val="bg1"/>
+            </a:solidFill>
+            <a:ln>
+              <a:noFill/>
+            </a:ln>
+          </p:spPr>
+        </p:sp>
+        <p:sp>
+          <p:nvSpPr>
+            <p:cNvPr id="15" name="Freeform 5"/>
             <p:cNvSpPr>
               <a:spLocks noEditPoints="1"/>
             </p:cNvSpPr>
@@ -11683,8 +11452,8 @@
           </p:nvSpPr>
           <p:spPr bwMode="gray">
             <a:xfrm>
-              <a:off x="0" y="0"/>
-              <a:ext cx="9144000" cy="6858000"/>
+              <a:off x="0" y="1587"/>
+              <a:ext cx="12192000" cy="6856413"/>
             </a:xfrm>
             <a:custGeom>
               <a:avLst/>
@@ -11693,60 +11462,48 @@
               <a:cxnLst/>
               <a:rect l="0" t="0" r="r" b="b"/>
               <a:pathLst>
-                <a:path w="5760" h="4320">
+                <a:path w="15356" h="8638">
                   <a:moveTo>
                     <a:pt x="0" y="0"/>
                   </a:moveTo>
                   <a:lnTo>
-                    <a:pt x="0" y="4320"/>
-                  </a:lnTo>
-                  <a:lnTo>
-                    <a:pt x="5760" y="4320"/>
-                  </a:lnTo>
-                  <a:lnTo>
-                    <a:pt x="5760" y="0"/>
+                    <a:pt x="0" y="8638"/>
+                  </a:lnTo>
+                  <a:lnTo>
+                    <a:pt x="15356" y="8638"/>
+                  </a:lnTo>
+                  <a:lnTo>
+                    <a:pt x="15356" y="0"/>
                   </a:lnTo>
                   <a:lnTo>
                     <a:pt x="0" y="0"/>
                   </a:lnTo>
                   <a:close/>
                   <a:moveTo>
-                    <a:pt x="5444" y="4004"/>
+                    <a:pt x="14748" y="8038"/>
                   </a:moveTo>
                   <a:lnTo>
-                    <a:pt x="324" y="4004"/>
-                  </a:lnTo>
-                  <a:lnTo>
-                    <a:pt x="324" y="324"/>
-                  </a:lnTo>
-                  <a:lnTo>
-                    <a:pt x="5444" y="324"/>
-                  </a:lnTo>
-                  <a:lnTo>
-                    <a:pt x="5444" y="4004"/>
+                    <a:pt x="600" y="8038"/>
+                  </a:lnTo>
+                  <a:lnTo>
+                    <a:pt x="600" y="592"/>
+                  </a:lnTo>
+                  <a:lnTo>
+                    <a:pt x="14748" y="592"/>
+                  </a:lnTo>
+                  <a:lnTo>
+                    <a:pt x="14748" y="8038"/>
                   </a:lnTo>
                   <a:close/>
                 </a:path>
               </a:pathLst>
             </a:custGeom>
             <a:solidFill>
-              <a:srgbClr val="FFFFFF"/>
+              <a:schemeClr val="bg1"/>
             </a:solidFill>
             <a:ln>
               <a:noFill/>
             </a:ln>
-            <a:extLst>
-              <a:ext uri="{91240B29-F687-4f45-9708-019B960494DF}">
-                <a14:hiddenLine xmlns:a14="http://schemas.microsoft.com/office/drawing/2010/main" xmlns="" w="9525">
-                  <a:solidFill>
-                    <a:srgbClr val="000000"/>
-                  </a:solidFill>
-                  <a:round/>
-                  <a:headEnd/>
-                  <a:tailEnd/>
-                </a14:hiddenLine>
-              </a:ext>
-            </a:extLst>
           </p:spPr>
         </p:sp>
       </p:grpSp>
@@ -11762,8 +11519,8 @@
         </p:nvSpPr>
         <p:spPr>
           <a:xfrm>
-            <a:off x="866440" y="1381390"/>
-            <a:ext cx="2987089" cy="1574808"/>
+            <a:off x="1154955" y="1693333"/>
+            <a:ext cx="3865134" cy="1735667"/>
           </a:xfrm>
         </p:spPr>
         <p:txBody>
@@ -11772,7 +11529,7 @@
           </a:bodyPr>
           <a:lstStyle>
             <a:lvl1pPr algn="l">
-              <a:defRPr sz="2400" b="0"/>
+              <a:defRPr sz="3600" b="0"/>
             </a:lvl1pPr>
           </a:lstStyle>
           <a:p>
@@ -11796,8 +11553,8 @@
         </p:nvSpPr>
         <p:spPr>
           <a:xfrm>
-            <a:off x="4722909" y="1320800"/>
-            <a:ext cx="2791102" cy="4216400"/>
+            <a:off x="6547870" y="1143000"/>
+            <a:ext cx="3227193" cy="4572000"/>
           </a:xfrm>
           <a:prstGeom prst="roundRect">
             <a:avLst>
@@ -11855,6 +11612,9 @@
             </a:lvl9pPr>
           </a:lstStyle>
           <a:p>
+            <a:pPr marL="0" lvl="0" indent="0" algn="ctr">
+              <a:buNone/>
+            </a:pPr>
             <a:r>
               <a:rPr lang="en-US"/>
               <a:t>Click icon to add picture</a:t>
@@ -11873,10 +11633,10 @@
             <p:ph type="body" sz="half" idx="2"/>
           </p:nvPr>
         </p:nvSpPr>
-        <p:spPr>
+        <p:spPr bwMode="gray">
           <a:xfrm>
-            <a:off x="866440" y="3086100"/>
-            <a:ext cx="2987089" cy="2451100"/>
+            <a:off x="1154954" y="3657600"/>
+            <a:ext cx="3859212" cy="1371600"/>
           </a:xfrm>
         </p:spPr>
         <p:txBody>
@@ -11954,7 +11714,7 @@
           <a:p>
             <a:fld id="{5BCAD085-E8A6-8845-BD4E-CB4CCA059FC4}" type="datetimeFigureOut">
               <a:rPr lang="en-US" smtClean="0"/>
-              <a:t>3/11/2023</a:t>
+              <a:t>4/11/2023</a:t>
             </a:fld>
             <a:endParaRPr lang="en-US"/>
           </a:p>
@@ -11981,14 +11741,14 @@
       </p:sp>
       <p:sp>
         <p:nvSpPr>
-          <p:cNvPr id="10" name="Rectangle 9"/>
+          <p:cNvPr id="16" name="Rectangle 15"/>
           <p:cNvSpPr/>
           <p:nvPr/>
         </p:nvSpPr>
         <p:spPr>
           <a:xfrm>
-            <a:off x="7745644" y="0"/>
-            <a:ext cx="685800" cy="1099458"/>
+            <a:off x="10437812" y="0"/>
+            <a:ext cx="685800" cy="1143000"/>
           </a:xfrm>
           <a:prstGeom prst="rect">
             <a:avLst/>
@@ -12025,22 +11785,10 @@
             <p:ph type="sldNum" sz="quarter" idx="12"/>
           </p:nvPr>
         </p:nvSpPr>
-        <p:spPr>
-          <a:xfrm>
-            <a:off x="7678616" y="295730"/>
-            <a:ext cx="791308" cy="767687"/>
-          </a:xfrm>
-          <a:prstGeom prst="rect">
-            <a:avLst/>
-          </a:prstGeom>
-        </p:spPr>
+        <p:spPr/>
         <p:txBody>
           <a:bodyPr/>
-          <a:lstStyle>
-            <a:lvl1pPr algn="ctr">
-              <a:defRPr sz="2800"/>
-            </a:lvl1pPr>
-          </a:lstStyle>
+          <a:lstStyle/>
           <a:p>
             <a:fld id="{C1FF6DA9-008F-8B48-92A6-B652298478BF}" type="slidenum">
               <a:rPr lang="en-US" smtClean="0"/>
@@ -12053,7 +11801,7 @@
     </p:spTree>
     <p:extLst>
       <p:ext uri="{BB962C8B-B14F-4D97-AF65-F5344CB8AC3E}">
-        <p14:creationId xmlns:p14="http://schemas.microsoft.com/office/powerpoint/2010/main" val="3726725852"/>
+        <p14:creationId xmlns:p14="http://schemas.microsoft.com/office/powerpoint/2010/main" val="2896275820"/>
       </p:ext>
     </p:extLst>
   </p:cSld>
@@ -12087,28 +11835,28 @@
       </p:grpSpPr>
       <p:grpSp>
         <p:nvGrpSpPr>
-          <p:cNvPr id="6" name="Group 5"/>
+          <p:cNvPr id="8" name="Group 7"/>
           <p:cNvGrpSpPr/>
           <p:nvPr/>
         </p:nvGrpSpPr>
         <p:grpSpPr>
           <a:xfrm>
-            <a:off x="-1588" y="0"/>
-            <a:ext cx="9145588" cy="6860798"/>
-            <a:chOff x="-1588" y="0"/>
-            <a:chExt cx="9145588" cy="6860798"/>
+            <a:off x="0" y="0"/>
+            <a:ext cx="12192000" cy="6858000"/>
+            <a:chOff x="0" y="0"/>
+            <a:chExt cx="12192000" cy="6858000"/>
           </a:xfrm>
         </p:grpSpPr>
         <p:sp>
           <p:nvSpPr>
-            <p:cNvPr id="14" name="Rectangle 13"/>
+            <p:cNvPr id="7" name="Rectangle 6"/>
             <p:cNvSpPr/>
             <p:nvPr/>
           </p:nvSpPr>
           <p:spPr>
             <a:xfrm>
               <a:off x="0" y="0"/>
-              <a:ext cx="9118832" cy="6858000"/>
+              <a:ext cx="12192000" cy="6858000"/>
             </a:xfrm>
             <a:prstGeom prst="rect">
               <a:avLst/>
@@ -12129,9 +11877,8 @@
                   </a:schemeClr>
                 </a:duotone>
               </a:blip>
-              <a:srcRect/>
               <a:stretch>
-                <a:fillRect l="-16713" r="-16989"/>
+                <a:fillRect/>
               </a:stretch>
             </a:blipFill>
             <a:ln>
@@ -12157,7 +11904,64 @@
         </p:sp>
         <p:sp>
           <p:nvSpPr>
-            <p:cNvPr id="21" name="Oval 20"/>
+            <p:cNvPr id="13" name="Oval 12"/>
+            <p:cNvSpPr/>
+            <p:nvPr/>
+          </p:nvSpPr>
+          <p:spPr>
+            <a:xfrm>
+              <a:off x="0" y="2667000"/>
+              <a:ext cx="4191000" cy="4191000"/>
+            </a:xfrm>
+            <a:prstGeom prst="ellipse">
+              <a:avLst/>
+            </a:prstGeom>
+            <a:gradFill flip="none" rotWithShape="1">
+              <a:gsLst>
+                <a:gs pos="0">
+                  <a:schemeClr val="accent5">
+                    <a:alpha val="11000"/>
+                  </a:schemeClr>
+                </a:gs>
+                <a:gs pos="75000">
+                  <a:schemeClr val="accent5">
+                    <a:alpha val="0"/>
+                  </a:schemeClr>
+                </a:gs>
+                <a:gs pos="36000">
+                  <a:schemeClr val="accent5">
+                    <a:alpha val="10000"/>
+                  </a:schemeClr>
+                </a:gs>
+              </a:gsLst>
+              <a:path path="circle">
+                <a:fillToRect l="50000" t="50000" r="50000" b="50000"/>
+              </a:path>
+              <a:tileRect/>
+            </a:gradFill>
+            <a:ln>
+              <a:noFill/>
+            </a:ln>
+            <a:effectLst/>
+          </p:spPr>
+          <p:style>
+            <a:lnRef idx="1">
+              <a:schemeClr val="accent1"/>
+            </a:lnRef>
+            <a:fillRef idx="3">
+              <a:schemeClr val="accent1"/>
+            </a:fillRef>
+            <a:effectRef idx="2">
+              <a:schemeClr val="accent1"/>
+            </a:effectRef>
+            <a:fontRef idx="minor">
+              <a:schemeClr val="lt1"/>
+            </a:fontRef>
+          </p:style>
+        </p:sp>
+        <p:sp>
+          <p:nvSpPr>
+            <p:cNvPr id="15" name="Oval 14"/>
             <p:cNvSpPr/>
             <p:nvPr/>
           </p:nvSpPr>
@@ -12214,14 +12018,14 @@
         </p:sp>
         <p:sp>
           <p:nvSpPr>
-            <p:cNvPr id="22" name="Oval 21"/>
+            <p:cNvPr id="18" name="Oval 17"/>
             <p:cNvSpPr/>
             <p:nvPr/>
           </p:nvSpPr>
           <p:spPr>
             <a:xfrm>
-              <a:off x="6299432" y="1676400"/>
-              <a:ext cx="2819400" cy="2819400"/>
+              <a:off x="8609012" y="5867400"/>
+              <a:ext cx="990600" cy="990600"/>
             </a:xfrm>
             <a:prstGeom prst="ellipse">
               <a:avLst/>
@@ -12230,17 +12034,17 @@
               <a:gsLst>
                 <a:gs pos="0">
                   <a:schemeClr val="accent5">
-                    <a:alpha val="7000"/>
+                    <a:alpha val="14000"/>
                   </a:schemeClr>
                 </a:gs>
-                <a:gs pos="69000">
+                <a:gs pos="66000">
                   <a:schemeClr val="accent5">
                     <a:alpha val="0"/>
                   </a:schemeClr>
                 </a:gs>
                 <a:gs pos="36000">
                   <a:schemeClr val="accent5">
-                    <a:alpha val="6000"/>
+                    <a:alpha val="7000"/>
                   </a:schemeClr>
                 </a:gs>
               </a:gsLst>
@@ -12271,14 +12075,14 @@
         </p:sp>
         <p:sp>
           <p:nvSpPr>
-            <p:cNvPr id="23" name="Oval 22"/>
+            <p:cNvPr id="16" name="Oval 15"/>
             <p:cNvSpPr/>
             <p:nvPr/>
           </p:nvSpPr>
           <p:spPr>
             <a:xfrm>
-              <a:off x="5689832" y="0"/>
-              <a:ext cx="1600200" cy="1600200"/>
+              <a:off x="8609012" y="1676400"/>
+              <a:ext cx="2819400" cy="2819400"/>
             </a:xfrm>
             <a:prstGeom prst="ellipse">
               <a:avLst/>
@@ -12287,17 +12091,17 @@
               <a:gsLst>
                 <a:gs pos="0">
                   <a:schemeClr val="accent5">
-                    <a:alpha val="14000"/>
+                    <a:alpha val="7000"/>
                   </a:schemeClr>
                 </a:gs>
-                <a:gs pos="73000">
+                <a:gs pos="69000">
                   <a:schemeClr val="accent5">
                     <a:alpha val="0"/>
                   </a:schemeClr>
                 </a:gs>
                 <a:gs pos="36000">
                   <a:schemeClr val="accent5">
-                    <a:alpha val="7000"/>
+                    <a:alpha val="6000"/>
                   </a:schemeClr>
                 </a:gs>
               </a:gsLst>
@@ -12328,14 +12132,14 @@
         </p:sp>
         <p:sp>
           <p:nvSpPr>
-            <p:cNvPr id="24" name="Oval 23"/>
+            <p:cNvPr id="17" name="Oval 16"/>
             <p:cNvSpPr/>
             <p:nvPr/>
           </p:nvSpPr>
           <p:spPr>
             <a:xfrm>
-              <a:off x="6299432" y="5870198"/>
-              <a:ext cx="990600" cy="990600"/>
+              <a:off x="7999412" y="8464"/>
+              <a:ext cx="1600200" cy="1600200"/>
             </a:xfrm>
             <a:prstGeom prst="ellipse">
               <a:avLst/>
@@ -12347,7 +12151,7 @@
                     <a:alpha val="14000"/>
                   </a:schemeClr>
                 </a:gs>
-                <a:gs pos="66000">
+                <a:gs pos="73000">
                   <a:schemeClr val="accent5">
                     <a:alpha val="0"/>
                   </a:schemeClr>
@@ -12385,71 +12189,14 @@
         </p:sp>
         <p:sp>
           <p:nvSpPr>
-            <p:cNvPr id="20" name="Oval 19"/>
-            <p:cNvSpPr/>
-            <p:nvPr/>
-          </p:nvSpPr>
-          <p:spPr>
-            <a:xfrm>
-              <a:off x="-1588" y="2667000"/>
-              <a:ext cx="4191000" cy="4191000"/>
-            </a:xfrm>
-            <a:prstGeom prst="ellipse">
-              <a:avLst/>
-            </a:prstGeom>
-            <a:gradFill flip="none" rotWithShape="1">
-              <a:gsLst>
-                <a:gs pos="0">
-                  <a:schemeClr val="accent5">
-                    <a:alpha val="11000"/>
-                  </a:schemeClr>
-                </a:gs>
-                <a:gs pos="75000">
-                  <a:schemeClr val="accent5">
-                    <a:alpha val="0"/>
-                  </a:schemeClr>
-                </a:gs>
-                <a:gs pos="36000">
-                  <a:schemeClr val="accent5">
-                    <a:alpha val="10000"/>
-                  </a:schemeClr>
-                </a:gs>
-              </a:gsLst>
-              <a:path path="circle">
-                <a:fillToRect l="50000" t="50000" r="50000" b="50000"/>
-              </a:path>
-              <a:tileRect/>
-            </a:gradFill>
-            <a:ln>
-              <a:noFill/>
-            </a:ln>
-            <a:effectLst/>
-          </p:spPr>
-          <p:style>
-            <a:lnRef idx="1">
-              <a:schemeClr val="accent1"/>
-            </a:lnRef>
-            <a:fillRef idx="3">
-              <a:schemeClr val="accent1"/>
-            </a:fillRef>
-            <a:effectRef idx="2">
-              <a:schemeClr val="accent1"/>
-            </a:effectRef>
-            <a:fontRef idx="minor">
-              <a:schemeClr val="lt1"/>
-            </a:fontRef>
-          </p:style>
-        </p:sp>
-        <p:sp>
-          <p:nvSpPr>
-            <p:cNvPr id="19" name="Freeform 5"/>
+            <p:cNvPr id="20" name="Freeform 5"/>
             <p:cNvSpPr/>
             <p:nvPr/>
           </p:nvSpPr>
           <p:spPr bwMode="gray">
             <a:xfrm rot="21010068">
-              <a:off x="6359946" y="1790293"/>
-              <a:ext cx="2377690" cy="317748"/>
+              <a:off x="8490951" y="1797517"/>
+              <a:ext cx="3299407" cy="440924"/>
             </a:xfrm>
             <a:custGeom>
               <a:avLst/>
@@ -12589,14 +12336,14 @@
         </p:sp>
         <p:sp>
           <p:nvSpPr>
-            <p:cNvPr id="25" name="Freeform 24"/>
+            <p:cNvPr id="19" name="Freeform 5"/>
             <p:cNvSpPr/>
             <p:nvPr/>
           </p:nvSpPr>
           <p:spPr bwMode="gray">
             <a:xfrm>
-              <a:off x="485023" y="1856450"/>
-              <a:ext cx="8173954" cy="4535226"/>
+              <a:off x="459506" y="1866405"/>
+              <a:ext cx="11277600" cy="4533900"/>
             </a:xfrm>
             <a:custGeom>
               <a:avLst/>
@@ -12605,105 +12352,153 @@
               <a:cxnLst/>
               <a:rect l="0" t="0" r="r" b="b"/>
               <a:pathLst>
-                <a:path w="4960" h="2752">
+                <a:path w="7104" h="2856">
                   <a:moveTo>
                     <a:pt x="0" y="0"/>
                   </a:moveTo>
                   <a:lnTo>
-                    <a:pt x="0" y="324"/>
-                  </a:lnTo>
-                  <a:lnTo>
-                    <a:pt x="0" y="1992"/>
-                  </a:lnTo>
-                  <a:lnTo>
-                    <a:pt x="0" y="2752"/>
-                  </a:lnTo>
-                  <a:lnTo>
-                    <a:pt x="4960" y="2752"/>
-                  </a:lnTo>
-                  <a:lnTo>
-                    <a:pt x="4960" y="1992"/>
-                  </a:lnTo>
-                  <a:lnTo>
-                    <a:pt x="4960" y="324"/>
-                  </a:lnTo>
-                  <a:lnTo>
-                    <a:pt x="4960" y="0"/>
-                  </a:lnTo>
-                  <a:lnTo>
-                    <a:pt x="4960" y="0"/>
-                  </a:lnTo>
-                  <a:lnTo>
-                    <a:pt x="4734" y="34"/>
-                  </a:lnTo>
-                  <a:lnTo>
-                    <a:pt x="4510" y="64"/>
-                  </a:lnTo>
-                  <a:lnTo>
-                    <a:pt x="4284" y="90"/>
-                  </a:lnTo>
-                  <a:lnTo>
-                    <a:pt x="4060" y="114"/>
-                  </a:lnTo>
-                  <a:lnTo>
-                    <a:pt x="3836" y="132"/>
-                  </a:lnTo>
-                  <a:lnTo>
-                    <a:pt x="3614" y="146"/>
-                  </a:lnTo>
-                  <a:lnTo>
-                    <a:pt x="3392" y="158"/>
-                  </a:lnTo>
-                  <a:lnTo>
-                    <a:pt x="3174" y="166"/>
-                  </a:lnTo>
-                  <a:lnTo>
-                    <a:pt x="2960" y="172"/>
-                  </a:lnTo>
-                  <a:lnTo>
-                    <a:pt x="2748" y="174"/>
-                  </a:lnTo>
-                  <a:lnTo>
-                    <a:pt x="2542" y="174"/>
-                  </a:lnTo>
-                  <a:lnTo>
-                    <a:pt x="2338" y="174"/>
-                  </a:lnTo>
-                  <a:lnTo>
-                    <a:pt x="2140" y="170"/>
-                  </a:lnTo>
-                  <a:lnTo>
-                    <a:pt x="1948" y="164"/>
-                  </a:lnTo>
-                  <a:lnTo>
-                    <a:pt x="1762" y="156"/>
-                  </a:lnTo>
-                  <a:lnTo>
-                    <a:pt x="1582" y="148"/>
-                  </a:lnTo>
-                  <a:lnTo>
-                    <a:pt x="1410" y="138"/>
-                  </a:lnTo>
-                  <a:lnTo>
-                    <a:pt x="1244" y="128"/>
-                  </a:lnTo>
-                  <a:lnTo>
-                    <a:pt x="1088" y="116"/>
-                  </a:lnTo>
-                  <a:lnTo>
-                    <a:pt x="938" y="104"/>
-                  </a:lnTo>
-                  <a:lnTo>
-                    <a:pt x="668" y="78"/>
-                  </a:lnTo>
-                  <a:lnTo>
-                    <a:pt x="438" y="54"/>
-                  </a:lnTo>
-                  <a:lnTo>
-                    <a:pt x="254" y="34"/>
-                  </a:lnTo>
-                  <a:lnTo>
-                    <a:pt x="116" y="16"/>
+                    <a:pt x="0" y="2856"/>
+                  </a:lnTo>
+                  <a:lnTo>
+                    <a:pt x="7104" y="2856"/>
+                  </a:lnTo>
+                  <a:lnTo>
+                    <a:pt x="7104" y="1"/>
+                  </a:lnTo>
+                  <a:lnTo>
+                    <a:pt x="7104" y="1"/>
+                  </a:lnTo>
+                  <a:lnTo>
+                    <a:pt x="6943" y="26"/>
+                  </a:lnTo>
+                  <a:lnTo>
+                    <a:pt x="6782" y="50"/>
+                  </a:lnTo>
+                  <a:lnTo>
+                    <a:pt x="6621" y="73"/>
+                  </a:lnTo>
+                  <a:lnTo>
+                    <a:pt x="6459" y="93"/>
+                  </a:lnTo>
+                  <a:lnTo>
+                    <a:pt x="6298" y="113"/>
+                  </a:lnTo>
+                  <a:lnTo>
+                    <a:pt x="6136" y="132"/>
+                  </a:lnTo>
+                  <a:lnTo>
+                    <a:pt x="5976" y="148"/>
+                  </a:lnTo>
+                  <a:lnTo>
+                    <a:pt x="5814" y="163"/>
+                  </a:lnTo>
+                  <a:lnTo>
+                    <a:pt x="5653" y="177"/>
+                  </a:lnTo>
+                  <a:lnTo>
+                    <a:pt x="5494" y="189"/>
+                  </a:lnTo>
+                  <a:lnTo>
+                    <a:pt x="5334" y="201"/>
+                  </a:lnTo>
+                  <a:lnTo>
+                    <a:pt x="5175" y="211"/>
+                  </a:lnTo>
+                  <a:lnTo>
+                    <a:pt x="5017" y="219"/>
+                  </a:lnTo>
+                  <a:lnTo>
+                    <a:pt x="4859" y="227"/>
+                  </a:lnTo>
+                  <a:lnTo>
+                    <a:pt x="4703" y="234"/>
+                  </a:lnTo>
+                  <a:lnTo>
+                    <a:pt x="4548" y="239"/>
+                  </a:lnTo>
+                  <a:lnTo>
+                    <a:pt x="4393" y="243"/>
+                  </a:lnTo>
+                  <a:lnTo>
+                    <a:pt x="4240" y="247"/>
+                  </a:lnTo>
+                  <a:lnTo>
+                    <a:pt x="4088" y="249"/>
+                  </a:lnTo>
+                  <a:lnTo>
+                    <a:pt x="3937" y="251"/>
+                  </a:lnTo>
+                  <a:lnTo>
+                    <a:pt x="3788" y="252"/>
+                  </a:lnTo>
+                  <a:lnTo>
+                    <a:pt x="3640" y="251"/>
+                  </a:lnTo>
+                  <a:lnTo>
+                    <a:pt x="3494" y="251"/>
+                  </a:lnTo>
+                  <a:lnTo>
+                    <a:pt x="3349" y="249"/>
+                  </a:lnTo>
+                  <a:lnTo>
+                    <a:pt x="3207" y="246"/>
+                  </a:lnTo>
+                  <a:lnTo>
+                    <a:pt x="3066" y="243"/>
+                  </a:lnTo>
+                  <a:lnTo>
+                    <a:pt x="2928" y="240"/>
+                  </a:lnTo>
+                  <a:lnTo>
+                    <a:pt x="2791" y="235"/>
+                  </a:lnTo>
+                  <a:lnTo>
+                    <a:pt x="2656" y="230"/>
+                  </a:lnTo>
+                  <a:lnTo>
+                    <a:pt x="2524" y="225"/>
+                  </a:lnTo>
+                  <a:lnTo>
+                    <a:pt x="2266" y="212"/>
+                  </a:lnTo>
+                  <a:lnTo>
+                    <a:pt x="2019" y="198"/>
+                  </a:lnTo>
+                  <a:lnTo>
+                    <a:pt x="1782" y="183"/>
+                  </a:lnTo>
+                  <a:lnTo>
+                    <a:pt x="1557" y="167"/>
+                  </a:lnTo>
+                  <a:lnTo>
+                    <a:pt x="1343" y="150"/>
+                  </a:lnTo>
+                  <a:lnTo>
+                    <a:pt x="1144" y="132"/>
+                  </a:lnTo>
+                  <a:lnTo>
+                    <a:pt x="957" y="114"/>
+                  </a:lnTo>
+                  <a:lnTo>
+                    <a:pt x="785" y="96"/>
+                  </a:lnTo>
+                  <a:lnTo>
+                    <a:pt x="627" y="79"/>
+                  </a:lnTo>
+                  <a:lnTo>
+                    <a:pt x="487" y="63"/>
+                  </a:lnTo>
+                  <a:lnTo>
+                    <a:pt x="361" y="48"/>
+                  </a:lnTo>
+                  <a:lnTo>
+                    <a:pt x="254" y="35"/>
+                  </a:lnTo>
+                  <a:lnTo>
+                    <a:pt x="165" y="23"/>
+                  </a:lnTo>
+                  <a:lnTo>
+                    <a:pt x="42" y="6"/>
                   </a:lnTo>
                   <a:lnTo>
                     <a:pt x="0" y="0"/>
@@ -12725,7 +12520,7 @@
         </p:sp>
         <p:sp>
           <p:nvSpPr>
-            <p:cNvPr id="10" name="Freeform 5"/>
+            <p:cNvPr id="14" name="Freeform 5"/>
             <p:cNvSpPr>
               <a:spLocks noEditPoints="1"/>
             </p:cNvSpPr>
@@ -12733,8 +12528,8 @@
           </p:nvSpPr>
           <p:spPr bwMode="gray">
             <a:xfrm>
-              <a:off x="0" y="0"/>
-              <a:ext cx="9144000" cy="6858000"/>
+              <a:off x="0" y="1587"/>
+              <a:ext cx="12192000" cy="6856413"/>
             </a:xfrm>
             <a:custGeom>
               <a:avLst/>
@@ -12743,60 +12538,48 @@
               <a:cxnLst/>
               <a:rect l="0" t="0" r="r" b="b"/>
               <a:pathLst>
-                <a:path w="5760" h="4320">
+                <a:path w="15356" h="8638">
                   <a:moveTo>
                     <a:pt x="0" y="0"/>
                   </a:moveTo>
                   <a:lnTo>
-                    <a:pt x="0" y="4320"/>
-                  </a:lnTo>
-                  <a:lnTo>
-                    <a:pt x="5760" y="4320"/>
-                  </a:lnTo>
-                  <a:lnTo>
-                    <a:pt x="5760" y="0"/>
+                    <a:pt x="0" y="8638"/>
+                  </a:lnTo>
+                  <a:lnTo>
+                    <a:pt x="15356" y="8638"/>
+                  </a:lnTo>
+                  <a:lnTo>
+                    <a:pt x="15356" y="0"/>
                   </a:lnTo>
                   <a:lnTo>
                     <a:pt x="0" y="0"/>
                   </a:lnTo>
                   <a:close/>
                   <a:moveTo>
-                    <a:pt x="5444" y="4004"/>
+                    <a:pt x="14748" y="8038"/>
                   </a:moveTo>
                   <a:lnTo>
-                    <a:pt x="324" y="4004"/>
-                  </a:lnTo>
-                  <a:lnTo>
-                    <a:pt x="324" y="324"/>
-                  </a:lnTo>
-                  <a:lnTo>
-                    <a:pt x="5444" y="324"/>
-                  </a:lnTo>
-                  <a:lnTo>
-                    <a:pt x="5444" y="4004"/>
+                    <a:pt x="600" y="8038"/>
+                  </a:lnTo>
+                  <a:lnTo>
+                    <a:pt x="600" y="592"/>
+                  </a:lnTo>
+                  <a:lnTo>
+                    <a:pt x="14748" y="592"/>
+                  </a:lnTo>
+                  <a:lnTo>
+                    <a:pt x="14748" y="8038"/>
                   </a:lnTo>
                   <a:close/>
                 </a:path>
               </a:pathLst>
             </a:custGeom>
             <a:solidFill>
-              <a:srgbClr val="FFFFFF"/>
+              <a:schemeClr val="bg1"/>
             </a:solidFill>
             <a:ln>
               <a:noFill/>
             </a:ln>
-            <a:extLst>
-              <a:ext uri="{91240B29-F687-4f45-9708-019B960494DF}">
-                <a14:hiddenLine xmlns:a14="http://schemas.microsoft.com/office/drawing/2010/main" xmlns="" w="9525">
-                  <a:solidFill>
-                    <a:srgbClr val="000000"/>
-                  </a:solidFill>
-                  <a:round/>
-                  <a:headEnd/>
-                  <a:tailEnd/>
-                </a14:hiddenLine>
-              </a:ext>
-            </a:extLst>
           </p:spPr>
         </p:sp>
       </p:grpSp>
@@ -12812,8 +12595,8 @@
         </p:nvSpPr>
         <p:spPr bwMode="gray">
           <a:xfrm>
-            <a:off x="866440" y="927099"/>
-            <a:ext cx="6345260" cy="709865"/>
+            <a:off x="1154954" y="973668"/>
+            <a:ext cx="8761413" cy="706964"/>
           </a:xfrm>
           <a:prstGeom prst="rect">
             <a:avLst/>
@@ -12845,8 +12628,8 @@
         </p:nvSpPr>
         <p:spPr>
           <a:xfrm>
-            <a:off x="864382" y="2489200"/>
-            <a:ext cx="6345260" cy="3530600"/>
+            <a:off x="1154954" y="2603500"/>
+            <a:ext cx="8761413" cy="3416300"/>
           </a:xfrm>
           <a:prstGeom prst="rect">
             <a:avLst/>
@@ -12907,18 +12690,18 @@
         </p:nvSpPr>
         <p:spPr>
           <a:xfrm>
-            <a:off x="7574443" y="6365498"/>
-            <a:ext cx="990599" cy="228659"/>
+            <a:off x="10653104" y="6391838"/>
+            <a:ext cx="990599" cy="304799"/>
           </a:xfrm>
           <a:prstGeom prst="rect">
             <a:avLst/>
           </a:prstGeom>
         </p:spPr>
         <p:txBody>
-          <a:bodyPr vert="horz" lIns="91440" tIns="45720" rIns="91440" bIns="45720" rtlCol="0" anchor="b"/>
+          <a:bodyPr vert="horz" lIns="91440" tIns="45720" rIns="91440" bIns="45720" rtlCol="0" anchor="ctr"/>
           <a:lstStyle>
             <a:lvl1pPr algn="r">
-              <a:defRPr sz="900" b="1" i="0">
+              <a:defRPr sz="1000" b="1" i="0">
                 <a:solidFill>
                   <a:schemeClr val="accent1"/>
                 </a:solidFill>
@@ -12928,7 +12711,7 @@
           <a:p>
             <a:fld id="{5BCAD085-E8A6-8845-BD4E-CB4CCA059FC4}" type="datetimeFigureOut">
               <a:rPr lang="en-US" smtClean="0"/>
-              <a:t>3/11/2023</a:t>
+              <a:t>4/11/2023</a:t>
             </a:fld>
             <a:endParaRPr lang="en-US"/>
           </a:p>
@@ -12946,18 +12729,18 @@
         </p:nvSpPr>
         <p:spPr>
           <a:xfrm>
-            <a:off x="590843" y="6365497"/>
-            <a:ext cx="3859795" cy="228660"/>
+            <a:off x="561110" y="6391838"/>
+            <a:ext cx="3859795" cy="304801"/>
           </a:xfrm>
           <a:prstGeom prst="rect">
             <a:avLst/>
           </a:prstGeom>
         </p:spPr>
         <p:txBody>
-          <a:bodyPr vert="horz" lIns="91440" tIns="45720" rIns="91440" bIns="45720" rtlCol="0" anchor="b"/>
+          <a:bodyPr vert="horz" lIns="91440" tIns="45720" rIns="91440" bIns="45720" rtlCol="0" anchor="ctr"/>
           <a:lstStyle>
             <a:lvl1pPr algn="l">
-              <a:defRPr sz="900" b="1" i="0">
+              <a:defRPr sz="1000" b="1" i="0">
                 <a:solidFill>
                   <a:schemeClr val="accent1"/>
                 </a:solidFill>
@@ -12971,14 +12754,14 @@
       </p:sp>
       <p:sp>
         <p:nvSpPr>
-          <p:cNvPr id="26" name="Rectangle 25"/>
+          <p:cNvPr id="21" name="Rectangle 20"/>
           <p:cNvSpPr/>
           <p:nvPr/>
         </p:nvSpPr>
         <p:spPr>
           <a:xfrm>
-            <a:off x="7745644" y="0"/>
-            <a:ext cx="685800" cy="1099458"/>
+            <a:off x="10437812" y="0"/>
+            <a:ext cx="685800" cy="1143000"/>
           </a:xfrm>
           <a:prstGeom prst="rect">
             <a:avLst/>
@@ -13007,7 +12790,7 @@
       </p:sp>
       <p:sp>
         <p:nvSpPr>
-          <p:cNvPr id="18" name="Slide Number Placeholder 5"/>
+          <p:cNvPr id="6" name="Slide Number Placeholder 5"/>
           <p:cNvSpPr>
             <a:spLocks noGrp="1"/>
           </p:cNvSpPr>
@@ -13017,18 +12800,18 @@
         </p:nvSpPr>
         <p:spPr bwMode="gray">
           <a:xfrm>
-            <a:off x="7678616" y="295730"/>
-            <a:ext cx="791308" cy="767687"/>
+            <a:off x="10352540" y="295729"/>
+            <a:ext cx="838199" cy="767687"/>
           </a:xfrm>
           <a:prstGeom prst="rect">
             <a:avLst/>
           </a:prstGeom>
         </p:spPr>
         <p:txBody>
-          <a:bodyPr anchor="b"/>
+          <a:bodyPr vert="horz" lIns="91440" tIns="45720" rIns="91440" bIns="45720" rtlCol="0" anchor="b"/>
           <a:lstStyle>
             <a:lvl1pPr algn="ctr">
-              <a:defRPr sz="2800">
+              <a:defRPr sz="2800" b="0" i="0">
                 <a:solidFill>
                   <a:schemeClr val="bg1"/>
                 </a:solidFill>
@@ -13047,29 +12830,29 @@
     </p:spTree>
     <p:extLst>
       <p:ext uri="{BB962C8B-B14F-4D97-AF65-F5344CB8AC3E}">
-        <p14:creationId xmlns:p14="http://schemas.microsoft.com/office/powerpoint/2010/main" val="933119223"/>
+        <p14:creationId xmlns:p14="http://schemas.microsoft.com/office/powerpoint/2010/main" val="2377915579"/>
       </p:ext>
     </p:extLst>
   </p:cSld>
   <p:clrMap bg1="lt1" tx1="dk1" bg2="lt2" tx2="dk2" accent1="accent1" accent2="accent2" accent3="accent3" accent4="accent4" accent5="accent5" accent6="accent6" hlink="hlink" folHlink="folHlink"/>
   <p:sldLayoutIdLst>
-    <p:sldLayoutId id="2147483661" r:id="rId1"/>
-    <p:sldLayoutId id="2147483662" r:id="rId2"/>
-    <p:sldLayoutId id="2147483663" r:id="rId3"/>
-    <p:sldLayoutId id="2147483664" r:id="rId4"/>
-    <p:sldLayoutId id="2147483665" r:id="rId5"/>
-    <p:sldLayoutId id="2147483666" r:id="rId6"/>
-    <p:sldLayoutId id="2147483667" r:id="rId7"/>
-    <p:sldLayoutId id="2147483668" r:id="rId8"/>
-    <p:sldLayoutId id="2147483669" r:id="rId9"/>
-    <p:sldLayoutId id="2147483670" r:id="rId10"/>
-    <p:sldLayoutId id="2147483671" r:id="rId11"/>
-    <p:sldLayoutId id="2147483672" r:id="rId12"/>
-    <p:sldLayoutId id="2147483673" r:id="rId13"/>
-    <p:sldLayoutId id="2147483674" r:id="rId14"/>
-    <p:sldLayoutId id="2147483675" r:id="rId15"/>
-    <p:sldLayoutId id="2147483676" r:id="rId16"/>
-    <p:sldLayoutId id="2147483677" r:id="rId17"/>
+    <p:sldLayoutId id="2147483679" r:id="rId1"/>
+    <p:sldLayoutId id="2147483680" r:id="rId2"/>
+    <p:sldLayoutId id="2147483681" r:id="rId3"/>
+    <p:sldLayoutId id="2147483682" r:id="rId4"/>
+    <p:sldLayoutId id="2147483683" r:id="rId5"/>
+    <p:sldLayoutId id="2147483684" r:id="rId6"/>
+    <p:sldLayoutId id="2147483685" r:id="rId7"/>
+    <p:sldLayoutId id="2147483686" r:id="rId8"/>
+    <p:sldLayoutId id="2147483687" r:id="rId9"/>
+    <p:sldLayoutId id="2147483688" r:id="rId10"/>
+    <p:sldLayoutId id="2147483689" r:id="rId11"/>
+    <p:sldLayoutId id="2147483690" r:id="rId12"/>
+    <p:sldLayoutId id="2147483691" r:id="rId13"/>
+    <p:sldLayoutId id="2147483692" r:id="rId14"/>
+    <p:sldLayoutId id="2147483693" r:id="rId15"/>
+    <p:sldLayoutId id="2147483694" r:id="rId16"/>
+    <p:sldLayoutId id="2147483695" r:id="rId17"/>
   </p:sldLayoutIdLst>
   <p:txStyles>
     <p:titleStyle>
@@ -13078,9 +12861,9 @@
           <a:spcPct val="0"/>
         </a:spcBef>
         <a:buNone/>
-        <a:defRPr sz="3200" b="0" i="0" kern="1200">
+        <a:defRPr sz="3600" b="0" i="0" kern="1200">
           <a:solidFill>
-            <a:schemeClr val="bg1"/>
+            <a:schemeClr val="bg2"/>
           </a:solidFill>
           <a:latin typeface="+mj-lt"/>
           <a:ea typeface="+mj-ea"/>
@@ -13170,7 +12953,7 @@
           <a:cs typeface="+mn-cs"/>
         </a:defRPr>
       </a:lvl1pPr>
-      <a:lvl2pPr marL="685800" indent="-283464" algn="l" defTabSz="457200" rtl="0" eaLnBrk="1" latinLnBrk="0" hangingPunct="1">
+      <a:lvl2pPr marL="742950" indent="-285750" algn="l" defTabSz="457200" rtl="0" eaLnBrk="1" latinLnBrk="0" hangingPunct="1">
         <a:spcBef>
           <a:spcPts val="1000"/>
         </a:spcBef>
@@ -13195,7 +12978,7 @@
           <a:cs typeface="+mn-cs"/>
         </a:defRPr>
       </a:lvl2pPr>
-      <a:lvl3pPr marL="960120" indent="-228600" algn="l" defTabSz="457200" rtl="0" eaLnBrk="1" latinLnBrk="0" hangingPunct="1">
+      <a:lvl3pPr marL="1143000" indent="-228600" algn="l" defTabSz="457200" rtl="0" eaLnBrk="1" latinLnBrk="0" hangingPunct="1">
         <a:spcBef>
           <a:spcPts val="1000"/>
         </a:spcBef>
@@ -13220,7 +13003,7 @@
           <a:cs typeface="+mn-cs"/>
         </a:defRPr>
       </a:lvl3pPr>
-      <a:lvl4pPr marL="1234440" indent="-228600" algn="l" defTabSz="457200" rtl="0" eaLnBrk="1" latinLnBrk="0" hangingPunct="1">
+      <a:lvl4pPr marL="1600200" indent="-228600" algn="l" defTabSz="457200" rtl="0" eaLnBrk="1" latinLnBrk="0" hangingPunct="1">
         <a:spcBef>
           <a:spcPts val="1000"/>
         </a:spcBef>
@@ -13245,7 +13028,7 @@
           <a:cs typeface="+mn-cs"/>
         </a:defRPr>
       </a:lvl4pPr>
-      <a:lvl5pPr marL="1508760" indent="-228600" algn="l" defTabSz="457200" rtl="0" eaLnBrk="1" latinLnBrk="0" hangingPunct="1">
+      <a:lvl5pPr marL="2057400" indent="-228600" algn="l" defTabSz="457200" rtl="0" eaLnBrk="1" latinLnBrk="0" hangingPunct="1">
         <a:spcBef>
           <a:spcPts val="1000"/>
         </a:spcBef>
@@ -13270,7 +13053,7 @@
           <a:cs typeface="+mn-cs"/>
         </a:defRPr>
       </a:lvl5pPr>
-      <a:lvl6pPr marL="1814600" indent="-228600" algn="l" defTabSz="457200" rtl="0" eaLnBrk="1" latinLnBrk="0" hangingPunct="1">
+      <a:lvl6pPr marL="2514600" indent="-228600" algn="l" defTabSz="457200" rtl="0" eaLnBrk="1" latinLnBrk="0" hangingPunct="1">
         <a:spcBef>
           <a:spcPts val="1000"/>
         </a:spcBef>
@@ -13295,7 +13078,7 @@
           <a:cs typeface="+mn-cs"/>
         </a:defRPr>
       </a:lvl6pPr>
-      <a:lvl7pPr marL="2071800" indent="-228600" algn="l" defTabSz="457200" rtl="0" eaLnBrk="1" latinLnBrk="0" hangingPunct="1">
+      <a:lvl7pPr marL="2971800" indent="-228600" algn="l" defTabSz="457200" rtl="0" eaLnBrk="1" latinLnBrk="0" hangingPunct="1">
         <a:spcBef>
           <a:spcPts val="1000"/>
         </a:spcBef>
@@ -13320,7 +13103,7 @@
           <a:cs typeface="+mn-cs"/>
         </a:defRPr>
       </a:lvl7pPr>
-      <a:lvl8pPr marL="2259000" indent="-228600" algn="l" defTabSz="457200" rtl="0" eaLnBrk="1" latinLnBrk="0" hangingPunct="1">
+      <a:lvl8pPr marL="3429000" indent="-228600" algn="l" defTabSz="457200" rtl="0" eaLnBrk="1" latinLnBrk="0" hangingPunct="1">
         <a:spcBef>
           <a:spcPts val="1000"/>
         </a:spcBef>
@@ -13345,7 +13128,7 @@
           <a:cs typeface="+mn-cs"/>
         </a:defRPr>
       </a:lvl8pPr>
-      <a:lvl9pPr marL="2486200" indent="-228600" algn="l" defTabSz="457200" rtl="0" eaLnBrk="1" latinLnBrk="0" hangingPunct="1">
+      <a:lvl9pPr marL="3886200" indent="-228600" algn="l" defTabSz="457200" rtl="0" eaLnBrk="1" latinLnBrk="0" hangingPunct="1">
         <a:spcBef>
           <a:spcPts val="1000"/>
         </a:spcBef>
